--- a/images/images.pptx
+++ b/images/images.pptx
@@ -9,6 +9,7 @@
     <p:sldId id="257" r:id="rId3"/>
     <p:sldId id="259" r:id="rId4"/>
     <p:sldId id="258" r:id="rId5"/>
+    <p:sldId id="260" r:id="rId6"/>
   </p:sldIdLst>
   <p:sldSz cx="12192000" cy="6858000"/>
   <p:notesSz cx="6858000" cy="9144000"/>
@@ -3331,6 +3332,158 @@
       </p:grpSpPr>
       <p:sp>
         <p:nvSpPr>
+          <p:cNvPr id="4" name="TextBox 3">
+            <a:extLst>
+              <a:ext uri="{FF2B5EF4-FFF2-40B4-BE49-F238E27FC236}">
+                <a16:creationId xmlns:a16="http://schemas.microsoft.com/office/drawing/2014/main" id="{F192533C-F12F-E14C-9C48-653C0E09C39D}"/>
+              </a:ext>
+            </a:extLst>
+          </p:cNvPr>
+          <p:cNvSpPr txBox="1"/>
+          <p:nvPr/>
+        </p:nvSpPr>
+        <p:spPr>
+          <a:xfrm>
+            <a:off x="1481958" y="1627001"/>
+            <a:ext cx="8776762" cy="1318566"/>
+          </a:xfrm>
+          <a:prstGeom prst="rect">
+            <a:avLst/>
+          </a:prstGeom>
+          <a:noFill/>
+        </p:spPr>
+        <p:txBody>
+          <a:bodyPr wrap="none" rtlCol="0">
+            <a:spAutoFit/>
+          </a:bodyPr>
+          <a:lstStyle/>
+          <a:p>
+            <a:pPr>
+              <a:lnSpc>
+                <a:spcPct val="150000"/>
+              </a:lnSpc>
+            </a:pPr>
+            <a:r>
+              <a:rPr lang="en-US" sz="2800" dirty="0" err="1">
+                <a:latin typeface="Fira Code" panose="020B0509050000020004" pitchFamily="49" charset="0"/>
+                <a:ea typeface="Fira Code" panose="020B0509050000020004" pitchFamily="49" charset="0"/>
+              </a:rPr>
+              <a:t>ggplot</a:t>
+            </a:r>
+            <a:r>
+              <a:rPr lang="en-US" sz="2800" dirty="0">
+                <a:latin typeface="Fira Code" panose="020B0509050000020004" pitchFamily="49" charset="0"/>
+                <a:ea typeface="Fira Code" panose="020B0509050000020004" pitchFamily="49" charset="0"/>
+              </a:rPr>
+              <a:t>(</a:t>
+            </a:r>
+            <a:r>
+              <a:rPr lang="en-US" sz="2800" b="1" dirty="0">
+                <a:solidFill>
+                  <a:schemeClr val="accent5">
+                    <a:lumMod val="50000"/>
+                  </a:schemeClr>
+                </a:solidFill>
+                <a:latin typeface="Fira Code" panose="020B0509050000020004" pitchFamily="49" charset="0"/>
+                <a:ea typeface="Fira Code" panose="020B0509050000020004" pitchFamily="49" charset="0"/>
+              </a:rPr>
+              <a:t>data</a:t>
+            </a:r>
+            <a:r>
+              <a:rPr lang="en-US" sz="2800" dirty="0">
+                <a:latin typeface="Fira Code" panose="020B0509050000020004" pitchFamily="49" charset="0"/>
+                <a:ea typeface="Fira Code" panose="020B0509050000020004" pitchFamily="49" charset="0"/>
+              </a:rPr>
+              <a:t> = </a:t>
+            </a:r>
+            <a:r>
+              <a:rPr lang="en-US" sz="2800" dirty="0">
+                <a:solidFill>
+                  <a:schemeClr val="accent2">
+                    <a:lumMod val="50000"/>
+                  </a:schemeClr>
+                </a:solidFill>
+                <a:latin typeface="Fira Code" panose="020B0509050000020004" pitchFamily="49" charset="0"/>
+                <a:ea typeface="Fira Code" panose="020B0509050000020004" pitchFamily="49" charset="0"/>
+              </a:rPr>
+              <a:t>&lt;data&gt;</a:t>
+            </a:r>
+            <a:r>
+              <a:rPr lang="en-US" sz="2800" dirty="0">
+                <a:latin typeface="Fira Code" panose="020B0509050000020004" pitchFamily="49" charset="0"/>
+                <a:ea typeface="Fira Code" panose="020B0509050000020004" pitchFamily="49" charset="0"/>
+              </a:rPr>
+              <a:t>, </a:t>
+            </a:r>
+            <a:r>
+              <a:rPr lang="en-US" sz="2800" b="1" dirty="0" err="1">
+                <a:solidFill>
+                  <a:schemeClr val="accent1">
+                    <a:lumMod val="50000"/>
+                  </a:schemeClr>
+                </a:solidFill>
+                <a:latin typeface="Fira Code" panose="020B0509050000020004" pitchFamily="49" charset="0"/>
+                <a:ea typeface="Fira Code" panose="020B0509050000020004" pitchFamily="49" charset="0"/>
+              </a:rPr>
+              <a:t>aes</a:t>
+            </a:r>
+            <a:r>
+              <a:rPr lang="en-US" sz="2800" dirty="0">
+                <a:latin typeface="Fira Code" panose="020B0509050000020004" pitchFamily="49" charset="0"/>
+                <a:ea typeface="Fira Code" panose="020B0509050000020004" pitchFamily="49" charset="0"/>
+              </a:rPr>
+              <a:t>(</a:t>
+            </a:r>
+            <a:r>
+              <a:rPr lang="en-US" sz="2800" dirty="0">
+                <a:solidFill>
+                  <a:schemeClr val="accent2">
+                    <a:lumMod val="50000"/>
+                  </a:schemeClr>
+                </a:solidFill>
+                <a:latin typeface="Fira Code" panose="020B0509050000020004" pitchFamily="49" charset="0"/>
+                <a:ea typeface="Fira Code" panose="020B0509050000020004" pitchFamily="49" charset="0"/>
+              </a:rPr>
+              <a:t>&lt;mappings&gt;</a:t>
+            </a:r>
+            <a:r>
+              <a:rPr lang="en-US" sz="2800" dirty="0">
+                <a:latin typeface="Fira Code" panose="020B0509050000020004" pitchFamily="49" charset="0"/>
+                <a:ea typeface="Fira Code" panose="020B0509050000020004" pitchFamily="49" charset="0"/>
+              </a:rPr>
+              <a:t>)) +</a:t>
+            </a:r>
+          </a:p>
+          <a:p>
+            <a:pPr>
+              <a:lnSpc>
+                <a:spcPct val="150000"/>
+              </a:lnSpc>
+            </a:pPr>
+            <a:r>
+              <a:rPr lang="en-US" sz="2800" dirty="0">
+                <a:solidFill>
+                  <a:schemeClr val="accent2">
+                    <a:lumMod val="50000"/>
+                  </a:schemeClr>
+                </a:solidFill>
+                <a:latin typeface="Fira Code" panose="020B0509050000020004" pitchFamily="49" charset="0"/>
+                <a:ea typeface="Fira Code" panose="020B0509050000020004" pitchFamily="49" charset="0"/>
+              </a:rPr>
+              <a:t>         &lt;layer&gt;</a:t>
+            </a:r>
+            <a:r>
+              <a:rPr lang="en-US" sz="2800" dirty="0">
+                <a:latin typeface="Fira Code" panose="020B0509050000020004" pitchFamily="49" charset="0"/>
+                <a:ea typeface="Fira Code" panose="020B0509050000020004" pitchFamily="49" charset="0"/>
+              </a:rPr>
+              <a:t>()</a:t>
+            </a:r>
+          </a:p>
+        </p:txBody>
+      </p:sp>
+      <p:sp>
+        <p:nvSpPr>
           <p:cNvPr id="5" name="Rectangle 4">
             <a:extLst>
               <a:ext uri="{FF2B5EF4-FFF2-40B4-BE49-F238E27FC236}">
@@ -3461,7 +3614,7 @@
         </p:nvSpPr>
         <p:spPr>
           <a:xfrm>
-            <a:off x="4554202" y="2476127"/>
+            <a:off x="3473546" y="2468251"/>
             <a:ext cx="1484648" cy="403598"/>
           </a:xfrm>
           <a:prstGeom prst="rect">
@@ -3503,184 +3656,6 @@
               <a:latin typeface="Fira Code" panose="020B0509050000020004" pitchFamily="49" charset="0"/>
               <a:ea typeface="Fira Code" panose="020B0509050000020004" pitchFamily="49" charset="0"/>
             </a:endParaRPr>
-          </a:p>
-        </p:txBody>
-      </p:sp>
-      <p:sp>
-        <p:nvSpPr>
-          <p:cNvPr id="4" name="TextBox 3">
-            <a:extLst>
-              <a:ext uri="{FF2B5EF4-FFF2-40B4-BE49-F238E27FC236}">
-                <a16:creationId xmlns:a16="http://schemas.microsoft.com/office/drawing/2014/main" id="{F192533C-F12F-E14C-9C48-653C0E09C39D}"/>
-              </a:ext>
-            </a:extLst>
-          </p:cNvPr>
-          <p:cNvSpPr txBox="1"/>
-          <p:nvPr/>
-        </p:nvSpPr>
-        <p:spPr>
-          <a:xfrm>
-            <a:off x="1481958" y="1627001"/>
-            <a:ext cx="8776762" cy="1318566"/>
-          </a:xfrm>
-          <a:prstGeom prst="rect">
-            <a:avLst/>
-          </a:prstGeom>
-          <a:noFill/>
-        </p:spPr>
-        <p:txBody>
-          <a:bodyPr wrap="none" rtlCol="0">
-            <a:spAutoFit/>
-          </a:bodyPr>
-          <a:lstStyle/>
-          <a:p>
-            <a:pPr>
-              <a:lnSpc>
-                <a:spcPct val="150000"/>
-              </a:lnSpc>
-            </a:pPr>
-            <a:r>
-              <a:rPr lang="en-US" sz="2800" dirty="0" err="1">
-                <a:latin typeface="Fira Code" panose="020B0509050000020004" pitchFamily="49" charset="0"/>
-                <a:ea typeface="Fira Code" panose="020B0509050000020004" pitchFamily="49" charset="0"/>
-              </a:rPr>
-              <a:t>ggplot</a:t>
-            </a:r>
-            <a:r>
-              <a:rPr lang="en-US" sz="2800" dirty="0">
-                <a:latin typeface="Fira Code" panose="020B0509050000020004" pitchFamily="49" charset="0"/>
-                <a:ea typeface="Fira Code" panose="020B0509050000020004" pitchFamily="49" charset="0"/>
-              </a:rPr>
-              <a:t>(</a:t>
-            </a:r>
-            <a:r>
-              <a:rPr lang="en-US" sz="2800" b="1" dirty="0">
-                <a:solidFill>
-                  <a:schemeClr val="accent5">
-                    <a:lumMod val="50000"/>
-                  </a:schemeClr>
-                </a:solidFill>
-                <a:latin typeface="Fira Code" panose="020B0509050000020004" pitchFamily="49" charset="0"/>
-                <a:ea typeface="Fira Code" panose="020B0509050000020004" pitchFamily="49" charset="0"/>
-              </a:rPr>
-              <a:t>data</a:t>
-            </a:r>
-            <a:r>
-              <a:rPr lang="en-US" sz="2800" dirty="0">
-                <a:latin typeface="Fira Code" panose="020B0509050000020004" pitchFamily="49" charset="0"/>
-                <a:ea typeface="Fira Code" panose="020B0509050000020004" pitchFamily="49" charset="0"/>
-              </a:rPr>
-              <a:t> = </a:t>
-            </a:r>
-            <a:r>
-              <a:rPr lang="en-US" sz="2800" dirty="0">
-                <a:solidFill>
-                  <a:schemeClr val="accent2">
-                    <a:lumMod val="50000"/>
-                  </a:schemeClr>
-                </a:solidFill>
-                <a:latin typeface="Fira Code" panose="020B0509050000020004" pitchFamily="49" charset="0"/>
-                <a:ea typeface="Fira Code" panose="020B0509050000020004" pitchFamily="49" charset="0"/>
-              </a:rPr>
-              <a:t>&lt;data&gt;</a:t>
-            </a:r>
-            <a:r>
-              <a:rPr lang="en-US" sz="2800" dirty="0">
-                <a:latin typeface="Fira Code" panose="020B0509050000020004" pitchFamily="49" charset="0"/>
-                <a:ea typeface="Fira Code" panose="020B0509050000020004" pitchFamily="49" charset="0"/>
-              </a:rPr>
-              <a:t>, </a:t>
-            </a:r>
-            <a:r>
-              <a:rPr lang="en-US" sz="2800" b="1" dirty="0" err="1">
-                <a:solidFill>
-                  <a:schemeClr val="accent1">
-                    <a:lumMod val="50000"/>
-                  </a:schemeClr>
-                </a:solidFill>
-                <a:latin typeface="Fira Code" panose="020B0509050000020004" pitchFamily="49" charset="0"/>
-                <a:ea typeface="Fira Code" panose="020B0509050000020004" pitchFamily="49" charset="0"/>
-              </a:rPr>
-              <a:t>aes</a:t>
-            </a:r>
-            <a:r>
-              <a:rPr lang="en-US" sz="2800" dirty="0">
-                <a:latin typeface="Fira Code" panose="020B0509050000020004" pitchFamily="49" charset="0"/>
-                <a:ea typeface="Fira Code" panose="020B0509050000020004" pitchFamily="49" charset="0"/>
-              </a:rPr>
-              <a:t>(</a:t>
-            </a:r>
-            <a:r>
-              <a:rPr lang="en-US" sz="2800" dirty="0">
-                <a:solidFill>
-                  <a:schemeClr val="accent2">
-                    <a:lumMod val="50000"/>
-                  </a:schemeClr>
-                </a:solidFill>
-                <a:latin typeface="Fira Code" panose="020B0509050000020004" pitchFamily="49" charset="0"/>
-                <a:ea typeface="Fira Code" panose="020B0509050000020004" pitchFamily="49" charset="0"/>
-              </a:rPr>
-              <a:t>&lt;mappings&gt;</a:t>
-            </a:r>
-            <a:r>
-              <a:rPr lang="en-US" sz="2800" dirty="0">
-                <a:latin typeface="Fira Code" panose="020B0509050000020004" pitchFamily="49" charset="0"/>
-                <a:ea typeface="Fira Code" panose="020B0509050000020004" pitchFamily="49" charset="0"/>
-              </a:rPr>
-              <a:t>)) +</a:t>
-            </a:r>
-          </a:p>
-          <a:p>
-            <a:pPr>
-              <a:lnSpc>
-                <a:spcPct val="150000"/>
-              </a:lnSpc>
-            </a:pPr>
-            <a:r>
-              <a:rPr lang="en-US" sz="2800" dirty="0">
-                <a:latin typeface="Fira Code" panose="020B0509050000020004" pitchFamily="49" charset="0"/>
-                <a:ea typeface="Fira Code" panose="020B0509050000020004" pitchFamily="49" charset="0"/>
-              </a:rPr>
-              <a:t>         </a:t>
-            </a:r>
-            <a:r>
-              <a:rPr lang="en-US" sz="2800" b="1" dirty="0" err="1">
-                <a:solidFill>
-                  <a:schemeClr val="accent5">
-                    <a:lumMod val="50000"/>
-                  </a:schemeClr>
-                </a:solidFill>
-                <a:latin typeface="Fira Code" panose="020B0509050000020004" pitchFamily="49" charset="0"/>
-                <a:ea typeface="Fira Code" panose="020B0509050000020004" pitchFamily="49" charset="0"/>
-              </a:rPr>
-              <a:t>geom</a:t>
-            </a:r>
-            <a:r>
-              <a:rPr lang="en-US" sz="2800" dirty="0">
-                <a:latin typeface="Fira Code" panose="020B0509050000020004" pitchFamily="49" charset="0"/>
-                <a:ea typeface="Fira Code" panose="020B0509050000020004" pitchFamily="49" charset="0"/>
-              </a:rPr>
-              <a:t>_</a:t>
-            </a:r>
-            <a:r>
-              <a:rPr lang="en-US" sz="2800" dirty="0">
-                <a:solidFill>
-                  <a:schemeClr val="accent2">
-                    <a:lumMod val="50000"/>
-                  </a:schemeClr>
-                </a:solidFill>
-                <a:latin typeface="Fira Code" panose="020B0509050000020004" pitchFamily="49" charset="0"/>
-                <a:ea typeface="Fira Code" panose="020B0509050000020004" pitchFamily="49" charset="0"/>
-              </a:rPr>
-              <a:t>&lt;layer&gt;</a:t>
-            </a:r>
-            <a:r>
-              <a:rPr lang="en-US" sz="2800" dirty="0">
-                <a:latin typeface="Fira Code" panose="020B0509050000020004" pitchFamily="49" charset="0"/>
-                <a:ea typeface="Fira Code" panose="020B0509050000020004" pitchFamily="49" charset="0"/>
-              </a:rPr>
-              <a:t>()</a:t>
-            </a:r>
           </a:p>
         </p:txBody>
       </p:sp>
@@ -3716,6 +3691,217 @@
       </p:grpSpPr>
       <p:sp>
         <p:nvSpPr>
+          <p:cNvPr id="4" name="TextBox 3">
+            <a:extLst>
+              <a:ext uri="{FF2B5EF4-FFF2-40B4-BE49-F238E27FC236}">
+                <a16:creationId xmlns:a16="http://schemas.microsoft.com/office/drawing/2014/main" id="{D6143DFD-DAEC-E449-B2DA-2B25E7F649B7}"/>
+              </a:ext>
+            </a:extLst>
+          </p:cNvPr>
+          <p:cNvSpPr txBox="1"/>
+          <p:nvPr/>
+        </p:nvSpPr>
+        <p:spPr>
+          <a:xfrm>
+            <a:off x="1481958" y="1627001"/>
+            <a:ext cx="8991564" cy="2611228"/>
+          </a:xfrm>
+          <a:prstGeom prst="rect">
+            <a:avLst/>
+          </a:prstGeom>
+          <a:noFill/>
+        </p:spPr>
+        <p:txBody>
+          <a:bodyPr wrap="none" rtlCol="0">
+            <a:spAutoFit/>
+          </a:bodyPr>
+          <a:lstStyle/>
+          <a:p>
+            <a:pPr>
+              <a:lnSpc>
+                <a:spcPct val="150000"/>
+              </a:lnSpc>
+            </a:pPr>
+            <a:r>
+              <a:rPr lang="en-US" sz="2800" dirty="0" err="1">
+                <a:latin typeface="Fira Code" panose="020B0509050000020004" pitchFamily="49" charset="0"/>
+                <a:ea typeface="Fira Code" panose="020B0509050000020004" pitchFamily="49" charset="0"/>
+              </a:rPr>
+              <a:t>ggplot</a:t>
+            </a:r>
+            <a:r>
+              <a:rPr lang="en-US" sz="2800" dirty="0">
+                <a:latin typeface="Fira Code" panose="020B0509050000020004" pitchFamily="49" charset="0"/>
+                <a:ea typeface="Fira Code" panose="020B0509050000020004" pitchFamily="49" charset="0"/>
+              </a:rPr>
+              <a:t>(</a:t>
+            </a:r>
+            <a:r>
+              <a:rPr lang="en-US" sz="2800" b="1" dirty="0">
+                <a:solidFill>
+                  <a:schemeClr val="accent5">
+                    <a:lumMod val="50000"/>
+                  </a:schemeClr>
+                </a:solidFill>
+                <a:latin typeface="Fira Code" panose="020B0509050000020004" pitchFamily="49" charset="0"/>
+                <a:ea typeface="Fira Code" panose="020B0509050000020004" pitchFamily="49" charset="0"/>
+              </a:rPr>
+              <a:t>data</a:t>
+            </a:r>
+            <a:r>
+              <a:rPr lang="en-US" sz="2800" dirty="0">
+                <a:latin typeface="Fira Code" panose="020B0509050000020004" pitchFamily="49" charset="0"/>
+                <a:ea typeface="Fira Code" panose="020B0509050000020004" pitchFamily="49" charset="0"/>
+              </a:rPr>
+              <a:t> = </a:t>
+            </a:r>
+            <a:r>
+              <a:rPr lang="en-US" sz="2800" dirty="0">
+                <a:solidFill>
+                  <a:schemeClr val="accent2">
+                    <a:lumMod val="50000"/>
+                  </a:schemeClr>
+                </a:solidFill>
+                <a:latin typeface="Fira Code" panose="020B0509050000020004" pitchFamily="49" charset="0"/>
+                <a:ea typeface="Fira Code" panose="020B0509050000020004" pitchFamily="49" charset="0"/>
+              </a:rPr>
+              <a:t>&lt;data&gt;</a:t>
+            </a:r>
+            <a:r>
+              <a:rPr lang="en-US" sz="2800" dirty="0">
+                <a:latin typeface="Fira Code" panose="020B0509050000020004" pitchFamily="49" charset="0"/>
+                <a:ea typeface="Fira Code" panose="020B0509050000020004" pitchFamily="49" charset="0"/>
+              </a:rPr>
+              <a:t>, </a:t>
+            </a:r>
+            <a:r>
+              <a:rPr lang="en-US" sz="2800" b="1" dirty="0" err="1">
+                <a:solidFill>
+                  <a:schemeClr val="accent5">
+                    <a:lumMod val="50000"/>
+                  </a:schemeClr>
+                </a:solidFill>
+                <a:latin typeface="Fira Code" panose="020B0509050000020004" pitchFamily="49" charset="0"/>
+                <a:ea typeface="Fira Code" panose="020B0509050000020004" pitchFamily="49" charset="0"/>
+              </a:rPr>
+              <a:t>aes</a:t>
+            </a:r>
+            <a:r>
+              <a:rPr lang="en-US" sz="2800" dirty="0">
+                <a:solidFill>
+                  <a:schemeClr val="accent2">
+                    <a:lumMod val="50000"/>
+                  </a:schemeClr>
+                </a:solidFill>
+                <a:latin typeface="Fira Code" panose="020B0509050000020004" pitchFamily="49" charset="0"/>
+                <a:ea typeface="Fira Code" panose="020B0509050000020004" pitchFamily="49" charset="0"/>
+              </a:rPr>
+              <a:t>(&lt;mappings&gt;</a:t>
+            </a:r>
+            <a:r>
+              <a:rPr lang="en-US" sz="2800" dirty="0">
+                <a:latin typeface="Fira Code" panose="020B0509050000020004" pitchFamily="49" charset="0"/>
+                <a:ea typeface="Fira Code" panose="020B0509050000020004" pitchFamily="49" charset="0"/>
+              </a:rPr>
+              <a:t>)) +</a:t>
+            </a:r>
+          </a:p>
+          <a:p>
+            <a:pPr>
+              <a:lnSpc>
+                <a:spcPct val="150000"/>
+              </a:lnSpc>
+            </a:pPr>
+            <a:r>
+              <a:rPr lang="en-US" sz="2800" dirty="0">
+                <a:latin typeface="Fira Code" panose="020B0509050000020004" pitchFamily="49" charset="0"/>
+                <a:ea typeface="Fira Code" panose="020B0509050000020004" pitchFamily="49" charset="0"/>
+              </a:rPr>
+              <a:t>         </a:t>
+            </a:r>
+            <a:r>
+              <a:rPr lang="en-US" sz="2800" dirty="0">
+                <a:solidFill>
+                  <a:schemeClr val="accent2">
+                    <a:lumMod val="50000"/>
+                  </a:schemeClr>
+                </a:solidFill>
+                <a:latin typeface="Fira Code" panose="020B0509050000020004" pitchFamily="49" charset="0"/>
+                <a:ea typeface="Fira Code" panose="020B0509050000020004" pitchFamily="49" charset="0"/>
+              </a:rPr>
+              <a:t>&lt;layer&gt;</a:t>
+            </a:r>
+            <a:r>
+              <a:rPr lang="en-US" sz="2800" dirty="0">
+                <a:latin typeface="Fira Code" panose="020B0509050000020004" pitchFamily="49" charset="0"/>
+                <a:ea typeface="Fira Code" panose="020B0509050000020004" pitchFamily="49" charset="0"/>
+              </a:rPr>
+              <a:t>() +</a:t>
+            </a:r>
+          </a:p>
+          <a:p>
+            <a:pPr>
+              <a:lnSpc>
+                <a:spcPct val="150000"/>
+              </a:lnSpc>
+            </a:pPr>
+            <a:r>
+              <a:rPr lang="en-US" sz="2800" dirty="0">
+                <a:solidFill>
+                  <a:schemeClr val="accent2">
+                    <a:lumMod val="50000"/>
+                  </a:schemeClr>
+                </a:solidFill>
+                <a:latin typeface="Fira Code" panose="020B0509050000020004" pitchFamily="49" charset="0"/>
+                <a:ea typeface="Fira Code" panose="020B0509050000020004" pitchFamily="49" charset="0"/>
+              </a:rPr>
+              <a:t>         &lt;layer&gt;</a:t>
+            </a:r>
+            <a:r>
+              <a:rPr lang="en-US" sz="2800" dirty="0">
+                <a:latin typeface="Fira Code" panose="020B0509050000020004" pitchFamily="49" charset="0"/>
+                <a:ea typeface="Fira Code" panose="020B0509050000020004" pitchFamily="49" charset="0"/>
+              </a:rPr>
+              <a:t>() +</a:t>
+            </a:r>
+          </a:p>
+          <a:p>
+            <a:pPr>
+              <a:lnSpc>
+                <a:spcPct val="150000"/>
+              </a:lnSpc>
+            </a:pPr>
+            <a:r>
+              <a:rPr lang="en-US" sz="2800" dirty="0">
+                <a:latin typeface="Fira Code" panose="020B0509050000020004" pitchFamily="49" charset="0"/>
+                <a:ea typeface="Fira Code" panose="020B0509050000020004" pitchFamily="49" charset="0"/>
+              </a:rPr>
+              <a:t>         </a:t>
+            </a:r>
+            <a:r>
+              <a:rPr lang="en-US" sz="2800" dirty="0">
+                <a:solidFill>
+                  <a:schemeClr val="accent2">
+                    <a:lumMod val="50000"/>
+                  </a:schemeClr>
+                </a:solidFill>
+                <a:latin typeface="Fira Code" panose="020B0509050000020004" pitchFamily="49" charset="0"/>
+                <a:ea typeface="Fira Code" panose="020B0509050000020004" pitchFamily="49" charset="0"/>
+              </a:rPr>
+              <a:t>&lt;layer&gt;</a:t>
+            </a:r>
+            <a:r>
+              <a:rPr lang="en-US" sz="2800" dirty="0">
+                <a:latin typeface="Fira Code" panose="020B0509050000020004" pitchFamily="49" charset="0"/>
+                <a:ea typeface="Fira Code" panose="020B0509050000020004" pitchFamily="49" charset="0"/>
+              </a:rPr>
+              <a:t>() </a:t>
+            </a:r>
+          </a:p>
+        </p:txBody>
+      </p:sp>
+      <p:sp>
+        <p:nvSpPr>
           <p:cNvPr id="5" name="Rectangle 4">
             <a:extLst>
               <a:ext uri="{FF2B5EF4-FFF2-40B4-BE49-F238E27FC236}">
@@ -3846,7 +4032,7 @@
         </p:nvSpPr>
         <p:spPr>
           <a:xfrm>
-            <a:off x="4558598" y="2467532"/>
+            <a:off x="3470253" y="2464912"/>
             <a:ext cx="1512002" cy="403598"/>
           </a:xfrm>
           <a:prstGeom prst="rect">
@@ -3905,7 +4091,7 @@
         </p:nvSpPr>
         <p:spPr>
           <a:xfrm>
-            <a:off x="4558598" y="3110444"/>
+            <a:off x="3482128" y="3095681"/>
             <a:ext cx="1512002" cy="403598"/>
           </a:xfrm>
           <a:prstGeom prst="rect">
@@ -3964,7 +4150,7 @@
         </p:nvSpPr>
         <p:spPr>
           <a:xfrm>
-            <a:off x="4558598" y="3758595"/>
+            <a:off x="3489822" y="3758595"/>
             <a:ext cx="1512002" cy="403598"/>
           </a:xfrm>
           <a:prstGeom prst="rect">
@@ -4011,281 +4197,6 @@
       </p:sp>
       <p:sp>
         <p:nvSpPr>
-          <p:cNvPr id="4" name="TextBox 3">
-            <a:extLst>
-              <a:ext uri="{FF2B5EF4-FFF2-40B4-BE49-F238E27FC236}">
-                <a16:creationId xmlns:a16="http://schemas.microsoft.com/office/drawing/2014/main" id="{D6143DFD-DAEC-E449-B2DA-2B25E7F649B7}"/>
-              </a:ext>
-            </a:extLst>
-          </p:cNvPr>
-          <p:cNvSpPr txBox="1"/>
-          <p:nvPr/>
-        </p:nvSpPr>
-        <p:spPr>
-          <a:xfrm>
-            <a:off x="1481958" y="1627001"/>
-            <a:ext cx="8991564" cy="2611228"/>
-          </a:xfrm>
-          <a:prstGeom prst="rect">
-            <a:avLst/>
-          </a:prstGeom>
-          <a:noFill/>
-        </p:spPr>
-        <p:txBody>
-          <a:bodyPr wrap="none" rtlCol="0">
-            <a:spAutoFit/>
-          </a:bodyPr>
-          <a:lstStyle/>
-          <a:p>
-            <a:pPr>
-              <a:lnSpc>
-                <a:spcPct val="150000"/>
-              </a:lnSpc>
-            </a:pPr>
-            <a:r>
-              <a:rPr lang="en-US" sz="2800" dirty="0" err="1">
-                <a:latin typeface="Fira Code" panose="020B0509050000020004" pitchFamily="49" charset="0"/>
-                <a:ea typeface="Fira Code" panose="020B0509050000020004" pitchFamily="49" charset="0"/>
-              </a:rPr>
-              <a:t>ggplot</a:t>
-            </a:r>
-            <a:r>
-              <a:rPr lang="en-US" sz="2800" dirty="0">
-                <a:latin typeface="Fira Code" panose="020B0509050000020004" pitchFamily="49" charset="0"/>
-                <a:ea typeface="Fira Code" panose="020B0509050000020004" pitchFamily="49" charset="0"/>
-              </a:rPr>
-              <a:t>(</a:t>
-            </a:r>
-            <a:r>
-              <a:rPr lang="en-US" sz="2800" b="1" dirty="0">
-                <a:solidFill>
-                  <a:schemeClr val="accent5">
-                    <a:lumMod val="50000"/>
-                  </a:schemeClr>
-                </a:solidFill>
-                <a:latin typeface="Fira Code" panose="020B0509050000020004" pitchFamily="49" charset="0"/>
-                <a:ea typeface="Fira Code" panose="020B0509050000020004" pitchFamily="49" charset="0"/>
-              </a:rPr>
-              <a:t>data</a:t>
-            </a:r>
-            <a:r>
-              <a:rPr lang="en-US" sz="2800" dirty="0">
-                <a:latin typeface="Fira Code" panose="020B0509050000020004" pitchFamily="49" charset="0"/>
-                <a:ea typeface="Fira Code" panose="020B0509050000020004" pitchFamily="49" charset="0"/>
-              </a:rPr>
-              <a:t> = </a:t>
-            </a:r>
-            <a:r>
-              <a:rPr lang="en-US" sz="2800" dirty="0">
-                <a:solidFill>
-                  <a:schemeClr val="accent2">
-                    <a:lumMod val="50000"/>
-                  </a:schemeClr>
-                </a:solidFill>
-                <a:latin typeface="Fira Code" panose="020B0509050000020004" pitchFamily="49" charset="0"/>
-                <a:ea typeface="Fira Code" panose="020B0509050000020004" pitchFamily="49" charset="0"/>
-              </a:rPr>
-              <a:t>&lt;data&gt;</a:t>
-            </a:r>
-            <a:r>
-              <a:rPr lang="en-US" sz="2800" dirty="0">
-                <a:latin typeface="Fira Code" panose="020B0509050000020004" pitchFamily="49" charset="0"/>
-                <a:ea typeface="Fira Code" panose="020B0509050000020004" pitchFamily="49" charset="0"/>
-              </a:rPr>
-              <a:t>, </a:t>
-            </a:r>
-            <a:r>
-              <a:rPr lang="en-US" sz="2800" b="1" dirty="0" err="1">
-                <a:solidFill>
-                  <a:schemeClr val="accent5">
-                    <a:lumMod val="50000"/>
-                  </a:schemeClr>
-                </a:solidFill>
-                <a:latin typeface="Fira Code" panose="020B0509050000020004" pitchFamily="49" charset="0"/>
-                <a:ea typeface="Fira Code" panose="020B0509050000020004" pitchFamily="49" charset="0"/>
-              </a:rPr>
-              <a:t>aes</a:t>
-            </a:r>
-            <a:r>
-              <a:rPr lang="en-US" sz="2800" dirty="0">
-                <a:solidFill>
-                  <a:schemeClr val="accent2">
-                    <a:lumMod val="50000"/>
-                  </a:schemeClr>
-                </a:solidFill>
-                <a:latin typeface="Fira Code" panose="020B0509050000020004" pitchFamily="49" charset="0"/>
-                <a:ea typeface="Fira Code" panose="020B0509050000020004" pitchFamily="49" charset="0"/>
-              </a:rPr>
-              <a:t>(&lt;mappings&gt;</a:t>
-            </a:r>
-            <a:r>
-              <a:rPr lang="en-US" sz="2800" dirty="0">
-                <a:latin typeface="Fira Code" panose="020B0509050000020004" pitchFamily="49" charset="0"/>
-                <a:ea typeface="Fira Code" panose="020B0509050000020004" pitchFamily="49" charset="0"/>
-              </a:rPr>
-              <a:t>)) +</a:t>
-            </a:r>
-          </a:p>
-          <a:p>
-            <a:pPr>
-              <a:lnSpc>
-                <a:spcPct val="150000"/>
-              </a:lnSpc>
-            </a:pPr>
-            <a:r>
-              <a:rPr lang="en-US" sz="2800" dirty="0">
-                <a:latin typeface="Fira Code" panose="020B0509050000020004" pitchFamily="49" charset="0"/>
-                <a:ea typeface="Fira Code" panose="020B0509050000020004" pitchFamily="49" charset="0"/>
-              </a:rPr>
-              <a:t>         </a:t>
-            </a:r>
-            <a:r>
-              <a:rPr lang="en-US" sz="2800" b="1" dirty="0" err="1">
-                <a:solidFill>
-                  <a:schemeClr val="accent5">
-                    <a:lumMod val="50000"/>
-                  </a:schemeClr>
-                </a:solidFill>
-                <a:latin typeface="Fira Code" panose="020B0509050000020004" pitchFamily="49" charset="0"/>
-                <a:ea typeface="Fira Code" panose="020B0509050000020004" pitchFamily="49" charset="0"/>
-              </a:rPr>
-              <a:t>geom</a:t>
-            </a:r>
-            <a:r>
-              <a:rPr lang="en-US" sz="2800" dirty="0">
-                <a:latin typeface="Fira Code" panose="020B0509050000020004" pitchFamily="49" charset="0"/>
-                <a:ea typeface="Fira Code" panose="020B0509050000020004" pitchFamily="49" charset="0"/>
-              </a:rPr>
-              <a:t>_</a:t>
-            </a:r>
-            <a:r>
-              <a:rPr lang="en-US" sz="2800" dirty="0">
-                <a:solidFill>
-                  <a:schemeClr val="accent2">
-                    <a:lumMod val="50000"/>
-                  </a:schemeClr>
-                </a:solidFill>
-                <a:latin typeface="Fira Code" panose="020B0509050000020004" pitchFamily="49" charset="0"/>
-                <a:ea typeface="Fira Code" panose="020B0509050000020004" pitchFamily="49" charset="0"/>
-              </a:rPr>
-              <a:t>&lt;layer&gt;</a:t>
-            </a:r>
-            <a:r>
-              <a:rPr lang="en-US" sz="2800" dirty="0">
-                <a:latin typeface="Fira Code" panose="020B0509050000020004" pitchFamily="49" charset="0"/>
-                <a:ea typeface="Fira Code" panose="020B0509050000020004" pitchFamily="49" charset="0"/>
-              </a:rPr>
-              <a:t>() +</a:t>
-            </a:r>
-          </a:p>
-          <a:p>
-            <a:pPr>
-              <a:lnSpc>
-                <a:spcPct val="150000"/>
-              </a:lnSpc>
-            </a:pPr>
-            <a:r>
-              <a:rPr lang="en-US" sz="2800" dirty="0">
-                <a:latin typeface="Fira Code" panose="020B0509050000020004" pitchFamily="49" charset="0"/>
-                <a:ea typeface="Fira Code" panose="020B0509050000020004" pitchFamily="49" charset="0"/>
-              </a:rPr>
-              <a:t>         </a:t>
-            </a:r>
-            <a:r>
-              <a:rPr lang="en-US" sz="2800" b="1" dirty="0" err="1">
-                <a:solidFill>
-                  <a:schemeClr val="accent5">
-                    <a:lumMod val="50000"/>
-                  </a:schemeClr>
-                </a:solidFill>
-                <a:latin typeface="Fira Code" panose="020B0509050000020004" pitchFamily="49" charset="0"/>
-                <a:ea typeface="Fira Code" panose="020B0509050000020004" pitchFamily="49" charset="0"/>
-              </a:rPr>
-              <a:t>geom</a:t>
-            </a:r>
-            <a:r>
-              <a:rPr lang="en-US" sz="2800" dirty="0">
-                <a:latin typeface="Fira Code" panose="020B0509050000020004" pitchFamily="49" charset="0"/>
-                <a:ea typeface="Fira Code" panose="020B0509050000020004" pitchFamily="49" charset="0"/>
-              </a:rPr>
-              <a:t>_</a:t>
-            </a:r>
-            <a:r>
-              <a:rPr lang="en-US" sz="2800" dirty="0">
-                <a:solidFill>
-                  <a:schemeClr val="accent2">
-                    <a:lumMod val="50000"/>
-                  </a:schemeClr>
-                </a:solidFill>
-                <a:latin typeface="Fira Code" panose="020B0509050000020004" pitchFamily="49" charset="0"/>
-                <a:ea typeface="Fira Code" panose="020B0509050000020004" pitchFamily="49" charset="0"/>
-              </a:rPr>
-              <a:t>&lt;layer&gt;</a:t>
-            </a:r>
-            <a:r>
-              <a:rPr lang="en-US" sz="2800" dirty="0">
-                <a:latin typeface="Fira Code" panose="020B0509050000020004" pitchFamily="49" charset="0"/>
-                <a:ea typeface="Fira Code" panose="020B0509050000020004" pitchFamily="49" charset="0"/>
-              </a:rPr>
-              <a:t>() +</a:t>
-            </a:r>
-          </a:p>
-          <a:p>
-            <a:pPr>
-              <a:lnSpc>
-                <a:spcPct val="150000"/>
-              </a:lnSpc>
-            </a:pPr>
-            <a:r>
-              <a:rPr lang="en-US" sz="2800" dirty="0">
-                <a:latin typeface="Fira Code" panose="020B0509050000020004" pitchFamily="49" charset="0"/>
-                <a:ea typeface="Fira Code" panose="020B0509050000020004" pitchFamily="49" charset="0"/>
-              </a:rPr>
-              <a:t>         </a:t>
-            </a:r>
-            <a:r>
-              <a:rPr lang="en-US" sz="2800" b="1" dirty="0" err="1">
-                <a:solidFill>
-                  <a:schemeClr val="accent5">
-                    <a:lumMod val="50000"/>
-                  </a:schemeClr>
-                </a:solidFill>
-                <a:latin typeface="Fira Code" panose="020B0509050000020004" pitchFamily="49" charset="0"/>
-                <a:ea typeface="Fira Code" panose="020B0509050000020004" pitchFamily="49" charset="0"/>
-              </a:rPr>
-              <a:t>geom</a:t>
-            </a:r>
-            <a:r>
-              <a:rPr lang="en-US" sz="2800" dirty="0">
-                <a:latin typeface="Fira Code" panose="020B0509050000020004" pitchFamily="49" charset="0"/>
-                <a:ea typeface="Fira Code" panose="020B0509050000020004" pitchFamily="49" charset="0"/>
-              </a:rPr>
-              <a:t>_</a:t>
-            </a:r>
-            <a:r>
-              <a:rPr lang="en-US" sz="2800" dirty="0">
-                <a:solidFill>
-                  <a:schemeClr val="accent2">
-                    <a:lumMod val="50000"/>
-                  </a:schemeClr>
-                </a:solidFill>
-                <a:latin typeface="Fira Code" panose="020B0509050000020004" pitchFamily="49" charset="0"/>
-                <a:ea typeface="Fira Code" panose="020B0509050000020004" pitchFamily="49" charset="0"/>
-              </a:rPr>
-              <a:t>&lt;layer&gt;</a:t>
-            </a:r>
-            <a:r>
-              <a:rPr lang="en-US" sz="2800" dirty="0">
-                <a:latin typeface="Fira Code" panose="020B0509050000020004" pitchFamily="49" charset="0"/>
-                <a:ea typeface="Fira Code" panose="020B0509050000020004" pitchFamily="49" charset="0"/>
-              </a:rPr>
-              <a:t>() </a:t>
-            </a:r>
-          </a:p>
-        </p:txBody>
-      </p:sp>
-      <p:sp>
-        <p:nvSpPr>
           <p:cNvPr id="37" name="TextBox 36">
             <a:extLst>
               <a:ext uri="{FF2B5EF4-FFF2-40B4-BE49-F238E27FC236}">
@@ -4350,7 +4261,7 @@
         </p:nvCxnSpPr>
         <p:spPr>
           <a:xfrm>
-            <a:off x="7857841" y="2308047"/>
+            <a:off x="6589569" y="2319923"/>
             <a:ext cx="0" cy="1579662"/>
           </a:xfrm>
           <a:prstGeom prst="line">
@@ -4393,7 +4304,7 @@
         </p:nvCxnSpPr>
         <p:spPr>
           <a:xfrm flipH="1">
-            <a:off x="6667501" y="2541509"/>
+            <a:off x="5399229" y="2553385"/>
             <a:ext cx="1190340" cy="0"/>
           </a:xfrm>
           <a:prstGeom prst="straightConnector1">
@@ -4437,7 +4348,7 @@
         </p:nvCxnSpPr>
         <p:spPr>
           <a:xfrm flipH="1">
-            <a:off x="6667501" y="3189209"/>
+            <a:off x="5399229" y="3201085"/>
             <a:ext cx="1190340" cy="0"/>
           </a:xfrm>
           <a:prstGeom prst="straightConnector1">
@@ -4481,7 +4392,7 @@
         </p:nvCxnSpPr>
         <p:spPr>
           <a:xfrm flipH="1">
-            <a:off x="6667501" y="3887709"/>
+            <a:off x="5399229" y="3899585"/>
             <a:ext cx="1190340" cy="0"/>
           </a:xfrm>
           <a:prstGeom prst="straightConnector1">
@@ -5214,7 +5125,7 @@
         <p:spPr>
           <a:xfrm>
             <a:off x="1481958" y="1627001"/>
-            <a:ext cx="10280378" cy="2611228"/>
+            <a:ext cx="10283584" cy="2611228"/>
           </a:xfrm>
           <a:prstGeom prst="rect">
             <a:avLst/>
@@ -5334,26 +5245,7 @@
                 <a:latin typeface="Fira Code" panose="020B0509050000020004" pitchFamily="49" charset="0"/>
                 <a:ea typeface="Fira Code" panose="020B0509050000020004" pitchFamily="49" charset="0"/>
               </a:rPr>
-              <a:t>  </a:t>
-            </a:r>
-            <a:r>
-              <a:rPr lang="en-US" sz="2800" b="1" dirty="0" err="1">
-                <a:solidFill>
-                  <a:schemeClr val="accent5">
-                    <a:lumMod val="50000"/>
-                  </a:schemeClr>
-                </a:solidFill>
-                <a:latin typeface="Fira Code" panose="020B0509050000020004" pitchFamily="49" charset="0"/>
-                <a:ea typeface="Fira Code" panose="020B0509050000020004" pitchFamily="49" charset="0"/>
-              </a:rPr>
-              <a:t>geom</a:t>
-            </a:r>
-            <a:r>
-              <a:rPr lang="en-US" sz="2800" dirty="0">
-                <a:latin typeface="Fira Code" panose="020B0509050000020004" pitchFamily="49" charset="0"/>
-                <a:ea typeface="Fira Code" panose="020B0509050000020004" pitchFamily="49" charset="0"/>
-              </a:rPr>
-              <a:t>_</a:t>
+              <a:t>       </a:t>
             </a:r>
             <a:r>
               <a:rPr lang="en-US" sz="2800" dirty="0">
@@ -5421,29 +5313,41 @@
             </a:pPr>
             <a:r>
               <a:rPr lang="en-US" sz="2800" dirty="0">
-                <a:latin typeface="Fira Code" panose="020B0509050000020004" pitchFamily="49" charset="0"/>
-                <a:ea typeface="Fira Code" panose="020B0509050000020004" pitchFamily="49" charset="0"/>
-              </a:rPr>
-              <a:t>  </a:t>
-            </a:r>
-            <a:r>
-              <a:rPr lang="en-US" sz="2800" b="1" dirty="0" err="1">
                 <a:solidFill>
-                  <a:schemeClr val="accent5">
+                  <a:schemeClr val="accent2">
                     <a:lumMod val="50000"/>
                   </a:schemeClr>
                 </a:solidFill>
                 <a:latin typeface="Fira Code" panose="020B0509050000020004" pitchFamily="49" charset="0"/>
                 <a:ea typeface="Fira Code" panose="020B0509050000020004" pitchFamily="49" charset="0"/>
               </a:rPr>
-              <a:t>geom</a:t>
+              <a:t>       &lt;layer&gt;</a:t>
             </a:r>
             <a:r>
               <a:rPr lang="en-US" sz="2800" dirty="0">
                 <a:latin typeface="Fira Code" panose="020B0509050000020004" pitchFamily="49" charset="0"/>
                 <a:ea typeface="Fira Code" panose="020B0509050000020004" pitchFamily="49" charset="0"/>
               </a:rPr>
-              <a:t>_</a:t>
+              <a:t>(</a:t>
+            </a:r>
+            <a:r>
+              <a:rPr lang="en-US" sz="2800" b="1" dirty="0">
+                <a:solidFill>
+                  <a:schemeClr val="accent1">
+                    <a:lumMod val="50000"/>
+                  </a:schemeClr>
+                </a:solidFill>
+                <a:latin typeface="Fira Code" panose="020B0509050000020004" pitchFamily="49" charset="0"/>
+                <a:ea typeface="Fira Code" panose="020B0509050000020004" pitchFamily="49" charset="0"/>
+              </a:rPr>
+              <a:t>data</a:t>
+            </a:r>
+            <a:r>
+              <a:rPr lang="en-US" sz="2800" dirty="0">
+                <a:latin typeface="Fira Code" panose="020B0509050000020004" pitchFamily="49" charset="0"/>
+                <a:ea typeface="Fira Code" panose="020B0509050000020004" pitchFamily="49" charset="0"/>
+              </a:rPr>
+              <a:t> = </a:t>
             </a:r>
             <a:r>
               <a:rPr lang="en-US" sz="2800" dirty="0">
@@ -5455,44 +5359,6 @@
                 <a:latin typeface="Fira Code" panose="020B0509050000020004" pitchFamily="49" charset="0"/>
                 <a:ea typeface="Fira Code" panose="020B0509050000020004" pitchFamily="49" charset="0"/>
               </a:rPr>
-              <a:t>&lt;layer&gt;</a:t>
-            </a:r>
-            <a:r>
-              <a:rPr lang="en-US" sz="2800" dirty="0">
-                <a:latin typeface="Fira Code" panose="020B0509050000020004" pitchFamily="49" charset="0"/>
-                <a:ea typeface="Fira Code" panose="020B0509050000020004" pitchFamily="49" charset="0"/>
-              </a:rPr>
-              <a:t>(</a:t>
-            </a:r>
-            <a:r>
-              <a:rPr lang="en-US" sz="2800" b="1" dirty="0">
-                <a:solidFill>
-                  <a:schemeClr val="accent1">
-                    <a:lumMod val="50000"/>
-                  </a:schemeClr>
-                </a:solidFill>
-                <a:latin typeface="Fira Code" panose="020B0509050000020004" pitchFamily="49" charset="0"/>
-                <a:ea typeface="Fira Code" panose="020B0509050000020004" pitchFamily="49" charset="0"/>
-              </a:rPr>
-              <a:t>data</a:t>
-            </a:r>
-            <a:r>
-              <a:rPr lang="en-US" sz="2800" dirty="0">
-                <a:latin typeface="Fira Code" panose="020B0509050000020004" pitchFamily="49" charset="0"/>
-                <a:ea typeface="Fira Code" panose="020B0509050000020004" pitchFamily="49" charset="0"/>
-              </a:rPr>
-              <a:t> = </a:t>
-            </a:r>
-            <a:r>
-              <a:rPr lang="en-US" sz="2800" dirty="0">
-                <a:solidFill>
-                  <a:schemeClr val="accent2">
-                    <a:lumMod val="50000"/>
-                  </a:schemeClr>
-                </a:solidFill>
-                <a:latin typeface="Fira Code" panose="020B0509050000020004" pitchFamily="49" charset="0"/>
-                <a:ea typeface="Fira Code" panose="020B0509050000020004" pitchFamily="49" charset="0"/>
-              </a:rPr>
               <a:t>&lt;data&gt;</a:t>
             </a:r>
             <a:r>
@@ -5517,7 +5383,7 @@
               <a:t>  </a:t>
             </a:r>
             <a:r>
-              <a:rPr lang="en-US" sz="2800" b="1" dirty="0" err="1">
+              <a:rPr lang="en-US" sz="2800" b="1" dirty="0">
                 <a:solidFill>
                   <a:schemeClr val="accent5">
                     <a:lumMod val="50000"/>
@@ -5526,14 +5392,7 @@
                 <a:latin typeface="Fira Code" panose="020B0509050000020004" pitchFamily="49" charset="0"/>
                 <a:ea typeface="Fira Code" panose="020B0509050000020004" pitchFamily="49" charset="0"/>
               </a:rPr>
-              <a:t>geom</a:t>
-            </a:r>
-            <a:r>
-              <a:rPr lang="en-US" sz="2800" dirty="0">
-                <a:latin typeface="Fira Code" panose="020B0509050000020004" pitchFamily="49" charset="0"/>
-                <a:ea typeface="Fira Code" panose="020B0509050000020004" pitchFamily="49" charset="0"/>
-              </a:rPr>
-              <a:t>_</a:t>
+              <a:t>     </a:t>
             </a:r>
             <a:r>
               <a:rPr lang="en-US" sz="2800" dirty="0">
@@ -6723,6 +6582,852 @@
     <p:extLst>
       <p:ext uri="{BB962C8B-B14F-4D97-AF65-F5344CB8AC3E}">
         <p14:creationId xmlns:p14="http://schemas.microsoft.com/office/powerpoint/2010/main" val="2265036303"/>
+      </p:ext>
+    </p:extLst>
+  </p:cSld>
+  <p:clrMapOvr>
+    <a:masterClrMapping/>
+  </p:clrMapOvr>
+</p:sld>
+</file>
+
+<file path=ppt/slides/slide5.xml><?xml version="1.0" encoding="utf-8"?>
+<p:sld xmlns:a="http://schemas.openxmlformats.org/drawingml/2006/main" xmlns:r="http://schemas.openxmlformats.org/officeDocument/2006/relationships" xmlns:p="http://schemas.openxmlformats.org/presentationml/2006/main">
+  <p:cSld>
+    <p:spTree>
+      <p:nvGrpSpPr>
+        <p:cNvPr id="1" name=""/>
+        <p:cNvGrpSpPr/>
+        <p:nvPr/>
+      </p:nvGrpSpPr>
+      <p:grpSpPr>
+        <a:xfrm>
+          <a:off x="0" y="0"/>
+          <a:ext cx="0" cy="0"/>
+          <a:chOff x="0" y="0"/>
+          <a:chExt cx="0" cy="0"/>
+        </a:xfrm>
+      </p:grpSpPr>
+      <p:sp>
+        <p:nvSpPr>
+          <p:cNvPr id="6" name="TextBox 5">
+            <a:extLst>
+              <a:ext uri="{FF2B5EF4-FFF2-40B4-BE49-F238E27FC236}">
+                <a16:creationId xmlns:a16="http://schemas.microsoft.com/office/drawing/2014/main" id="{BBA362A0-5E0A-7C46-80B9-A2EB286C0F5B}"/>
+              </a:ext>
+            </a:extLst>
+          </p:cNvPr>
+          <p:cNvSpPr txBox="1"/>
+          <p:nvPr/>
+        </p:nvSpPr>
+        <p:spPr>
+          <a:xfrm>
+            <a:off x="207077" y="613546"/>
+            <a:ext cx="12131386" cy="672235"/>
+          </a:xfrm>
+          <a:prstGeom prst="rect">
+            <a:avLst/>
+          </a:prstGeom>
+          <a:noFill/>
+        </p:spPr>
+        <p:txBody>
+          <a:bodyPr wrap="square" rtlCol="0">
+            <a:spAutoFit/>
+          </a:bodyPr>
+          <a:lstStyle/>
+          <a:p>
+            <a:pPr>
+              <a:lnSpc>
+                <a:spcPct val="150000"/>
+              </a:lnSpc>
+            </a:pPr>
+            <a:r>
+              <a:rPr lang="en-US" sz="2800" dirty="0" err="1">
+                <a:latin typeface="Fira Code" panose="020B0509050000020004" pitchFamily="49" charset="0"/>
+                <a:ea typeface="Fira Code" panose="020B0509050000020004" pitchFamily="49" charset="0"/>
+              </a:rPr>
+              <a:t>aes</a:t>
+            </a:r>
+            <a:r>
+              <a:rPr lang="en-US" sz="2800" dirty="0">
+                <a:latin typeface="Fira Code" panose="020B0509050000020004" pitchFamily="49" charset="0"/>
+                <a:ea typeface="Fira Code" panose="020B0509050000020004" pitchFamily="49" charset="0"/>
+              </a:rPr>
+              <a:t>(x = </a:t>
+            </a:r>
+            <a:r>
+              <a:rPr lang="en-US" sz="2800" dirty="0" err="1">
+                <a:latin typeface="Fira Code" panose="020B0509050000020004" pitchFamily="49" charset="0"/>
+                <a:ea typeface="Fira Code" panose="020B0509050000020004" pitchFamily="49" charset="0"/>
+              </a:rPr>
+              <a:t>Sepal.Length</a:t>
+            </a:r>
+            <a:r>
+              <a:rPr lang="en-US" sz="2800" dirty="0">
+                <a:latin typeface="Fira Code" panose="020B0509050000020004" pitchFamily="49" charset="0"/>
+                <a:ea typeface="Fira Code" panose="020B0509050000020004" pitchFamily="49" charset="0"/>
+              </a:rPr>
+              <a:t>, y = </a:t>
+            </a:r>
+            <a:r>
+              <a:rPr lang="en-US" sz="2800" dirty="0" err="1">
+                <a:latin typeface="Fira Code" panose="020B0509050000020004" pitchFamily="49" charset="0"/>
+                <a:ea typeface="Fira Code" panose="020B0509050000020004" pitchFamily="49" charset="0"/>
+              </a:rPr>
+              <a:t>Sepal.Width</a:t>
+            </a:r>
+            <a:r>
+              <a:rPr lang="en-US" sz="2800" dirty="0">
+                <a:latin typeface="Fira Code" panose="020B0509050000020004" pitchFamily="49" charset="0"/>
+                <a:ea typeface="Fira Code" panose="020B0509050000020004" pitchFamily="49" charset="0"/>
+              </a:rPr>
+              <a:t>, color = Species)</a:t>
+            </a:r>
+          </a:p>
+        </p:txBody>
+      </p:sp>
+      <p:sp>
+        <p:nvSpPr>
+          <p:cNvPr id="2" name="Rectangle 1">
+            <a:extLst>
+              <a:ext uri="{FF2B5EF4-FFF2-40B4-BE49-F238E27FC236}">
+                <a16:creationId xmlns:a16="http://schemas.microsoft.com/office/drawing/2014/main" id="{5A160856-C9B7-F94C-99FC-57337F5ABC6C}"/>
+              </a:ext>
+            </a:extLst>
+          </p:cNvPr>
+          <p:cNvSpPr/>
+          <p:nvPr/>
+        </p:nvSpPr>
+        <p:spPr>
+          <a:xfrm>
+            <a:off x="2498396" y="2424896"/>
+            <a:ext cx="7195162" cy="2132818"/>
+          </a:xfrm>
+          <a:prstGeom prst="rect">
+            <a:avLst/>
+          </a:prstGeom>
+          <a:noFill/>
+          <a:ln w="47625">
+            <a:solidFill>
+              <a:schemeClr val="tx1"/>
+            </a:solidFill>
+          </a:ln>
+        </p:spPr>
+        <p:style>
+          <a:lnRef idx="2">
+            <a:schemeClr val="accent1">
+              <a:shade val="50000"/>
+            </a:schemeClr>
+          </a:lnRef>
+          <a:fillRef idx="1">
+            <a:schemeClr val="accent1"/>
+          </a:fillRef>
+          <a:effectRef idx="0">
+            <a:schemeClr val="accent1"/>
+          </a:effectRef>
+          <a:fontRef idx="minor">
+            <a:schemeClr val="lt1"/>
+          </a:fontRef>
+        </p:style>
+        <p:txBody>
+          <a:bodyPr rtlCol="0" anchor="ctr"/>
+          <a:lstStyle/>
+          <a:p>
+            <a:pPr algn="ctr"/>
+            <a:endParaRPr lang="en-US"/>
+          </a:p>
+        </p:txBody>
+      </p:sp>
+      <p:sp>
+        <p:nvSpPr>
+          <p:cNvPr id="13" name="TextBox 12">
+            <a:extLst>
+              <a:ext uri="{FF2B5EF4-FFF2-40B4-BE49-F238E27FC236}">
+                <a16:creationId xmlns:a16="http://schemas.microsoft.com/office/drawing/2014/main" id="{45B19990-760E-394D-8C5F-0282D4ADC1C9}"/>
+              </a:ext>
+            </a:extLst>
+          </p:cNvPr>
+          <p:cNvSpPr txBox="1"/>
+          <p:nvPr/>
+        </p:nvSpPr>
+        <p:spPr>
+          <a:xfrm>
+            <a:off x="1535134" y="2013349"/>
+            <a:ext cx="1089313" cy="506549"/>
+          </a:xfrm>
+          <a:prstGeom prst="rect">
+            <a:avLst/>
+          </a:prstGeom>
+          <a:noFill/>
+        </p:spPr>
+        <p:txBody>
+          <a:bodyPr wrap="square" rtlCol="0">
+            <a:spAutoFit/>
+          </a:bodyPr>
+          <a:lstStyle/>
+          <a:p>
+            <a:pPr>
+              <a:lnSpc>
+                <a:spcPct val="150000"/>
+              </a:lnSpc>
+            </a:pPr>
+            <a:r>
+              <a:rPr lang="en-US" sz="2000" dirty="0">
+                <a:latin typeface="Fira Code" panose="020B0509050000020004" pitchFamily="49" charset="0"/>
+                <a:ea typeface="Fira Code" panose="020B0509050000020004" pitchFamily="49" charset="0"/>
+              </a:rPr>
+              <a:t>iris</a:t>
+            </a:r>
+          </a:p>
+        </p:txBody>
+      </p:sp>
+      <p:sp>
+        <p:nvSpPr>
+          <p:cNvPr id="18" name="TextBox 17">
+            <a:extLst>
+              <a:ext uri="{FF2B5EF4-FFF2-40B4-BE49-F238E27FC236}">
+                <a16:creationId xmlns:a16="http://schemas.microsoft.com/office/drawing/2014/main" id="{7F4FC5DB-0670-AA41-92B9-4C84F9B81222}"/>
+              </a:ext>
+            </a:extLst>
+          </p:cNvPr>
+          <p:cNvSpPr txBox="1"/>
+          <p:nvPr/>
+        </p:nvSpPr>
+        <p:spPr>
+          <a:xfrm>
+            <a:off x="2498396" y="2519898"/>
+            <a:ext cx="7195208" cy="423706"/>
+          </a:xfrm>
+          <a:prstGeom prst="rect">
+            <a:avLst/>
+          </a:prstGeom>
+          <a:noFill/>
+        </p:spPr>
+        <p:txBody>
+          <a:bodyPr wrap="square" rtlCol="0">
+            <a:spAutoFit/>
+          </a:bodyPr>
+          <a:lstStyle/>
+          <a:p>
+            <a:pPr>
+              <a:lnSpc>
+                <a:spcPct val="150000"/>
+              </a:lnSpc>
+            </a:pPr>
+            <a:r>
+              <a:rPr lang="en-US" sz="1600" dirty="0" err="1">
+                <a:latin typeface="Fira Code" panose="020B0509050000020004" pitchFamily="49" charset="0"/>
+                <a:ea typeface="Fira Code" panose="020B0509050000020004" pitchFamily="49" charset="0"/>
+              </a:rPr>
+              <a:t>Sepal.Length</a:t>
+            </a:r>
+            <a:r>
+              <a:rPr lang="en-US" sz="1600" dirty="0">
+                <a:latin typeface="Fira Code" panose="020B0509050000020004" pitchFamily="49" charset="0"/>
+                <a:ea typeface="Fira Code" panose="020B0509050000020004" pitchFamily="49" charset="0"/>
+              </a:rPr>
+              <a:t> </a:t>
+            </a:r>
+            <a:r>
+              <a:rPr lang="en-US" sz="1600" dirty="0" err="1">
+                <a:latin typeface="Fira Code" panose="020B0509050000020004" pitchFamily="49" charset="0"/>
+                <a:ea typeface="Fira Code" panose="020B0509050000020004" pitchFamily="49" charset="0"/>
+              </a:rPr>
+              <a:t>Sepal.Width</a:t>
+            </a:r>
+            <a:r>
+              <a:rPr lang="en-US" sz="1600" dirty="0">
+                <a:latin typeface="Fira Code" panose="020B0509050000020004" pitchFamily="49" charset="0"/>
+                <a:ea typeface="Fira Code" panose="020B0509050000020004" pitchFamily="49" charset="0"/>
+              </a:rPr>
+              <a:t> </a:t>
+            </a:r>
+            <a:r>
+              <a:rPr lang="en-US" sz="1600" dirty="0" err="1">
+                <a:latin typeface="Fira Code" panose="020B0509050000020004" pitchFamily="49" charset="0"/>
+                <a:ea typeface="Fira Code" panose="020B0509050000020004" pitchFamily="49" charset="0"/>
+              </a:rPr>
+              <a:t>Petal.Length</a:t>
+            </a:r>
+            <a:r>
+              <a:rPr lang="en-US" sz="1600" dirty="0">
+                <a:latin typeface="Fira Code" panose="020B0509050000020004" pitchFamily="49" charset="0"/>
+                <a:ea typeface="Fira Code" panose="020B0509050000020004" pitchFamily="49" charset="0"/>
+              </a:rPr>
+              <a:t> </a:t>
+            </a:r>
+            <a:r>
+              <a:rPr lang="en-US" sz="1600" dirty="0" err="1">
+                <a:latin typeface="Fira Code" panose="020B0509050000020004" pitchFamily="49" charset="0"/>
+                <a:ea typeface="Fira Code" panose="020B0509050000020004" pitchFamily="49" charset="0"/>
+              </a:rPr>
+              <a:t>Petal.Width</a:t>
+            </a:r>
+            <a:r>
+              <a:rPr lang="en-US" sz="1600" dirty="0">
+                <a:latin typeface="Fira Code" panose="020B0509050000020004" pitchFamily="49" charset="0"/>
+                <a:ea typeface="Fira Code" panose="020B0509050000020004" pitchFamily="49" charset="0"/>
+              </a:rPr>
+              <a:t> Species</a:t>
+            </a:r>
+          </a:p>
+        </p:txBody>
+      </p:sp>
+      <p:cxnSp>
+        <p:nvCxnSpPr>
+          <p:cNvPr id="20" name="Straight Arrow Connector 19">
+            <a:extLst>
+              <a:ext uri="{FF2B5EF4-FFF2-40B4-BE49-F238E27FC236}">
+                <a16:creationId xmlns:a16="http://schemas.microsoft.com/office/drawing/2014/main" id="{D6A27130-52A1-D746-AB93-4A6F8E32C8DB}"/>
+              </a:ext>
+            </a:extLst>
+          </p:cNvPr>
+          <p:cNvCxnSpPr>
+            <a:cxnSpLocks/>
+          </p:cNvCxnSpPr>
+          <p:nvPr/>
+        </p:nvCxnSpPr>
+        <p:spPr>
+          <a:xfrm>
+            <a:off x="4108174" y="2424895"/>
+            <a:ext cx="0" cy="2132819"/>
+          </a:xfrm>
+          <a:prstGeom prst="straightConnector1">
+            <a:avLst/>
+          </a:prstGeom>
+          <a:ln w="25400">
+            <a:solidFill>
+              <a:schemeClr val="tx1"/>
+            </a:solidFill>
+          </a:ln>
+        </p:spPr>
+        <p:style>
+          <a:lnRef idx="1">
+            <a:schemeClr val="accent1"/>
+          </a:lnRef>
+          <a:fillRef idx="0">
+            <a:schemeClr val="accent1"/>
+          </a:fillRef>
+          <a:effectRef idx="0">
+            <a:schemeClr val="accent1"/>
+          </a:effectRef>
+          <a:fontRef idx="minor">
+            <a:schemeClr val="tx1"/>
+          </a:fontRef>
+        </p:style>
+      </p:cxnSp>
+      <p:cxnSp>
+        <p:nvCxnSpPr>
+          <p:cNvPr id="23" name="Straight Arrow Connector 22">
+            <a:extLst>
+              <a:ext uri="{FF2B5EF4-FFF2-40B4-BE49-F238E27FC236}">
+                <a16:creationId xmlns:a16="http://schemas.microsoft.com/office/drawing/2014/main" id="{7BDDD75F-BEA6-114B-8848-A62AA8DFD523}"/>
+              </a:ext>
+            </a:extLst>
+          </p:cNvPr>
+          <p:cNvCxnSpPr>
+            <a:cxnSpLocks/>
+          </p:cNvCxnSpPr>
+          <p:nvPr/>
+        </p:nvCxnSpPr>
+        <p:spPr>
+          <a:xfrm>
+            <a:off x="5586957" y="2424895"/>
+            <a:ext cx="0" cy="2132819"/>
+          </a:xfrm>
+          <a:prstGeom prst="straightConnector1">
+            <a:avLst/>
+          </a:prstGeom>
+          <a:ln w="25400">
+            <a:solidFill>
+              <a:schemeClr val="tx1"/>
+            </a:solidFill>
+          </a:ln>
+        </p:spPr>
+        <p:style>
+          <a:lnRef idx="1">
+            <a:schemeClr val="accent1"/>
+          </a:lnRef>
+          <a:fillRef idx="0">
+            <a:schemeClr val="accent1"/>
+          </a:fillRef>
+          <a:effectRef idx="0">
+            <a:schemeClr val="accent1"/>
+          </a:effectRef>
+          <a:fontRef idx="minor">
+            <a:schemeClr val="tx1"/>
+          </a:fontRef>
+        </p:style>
+      </p:cxnSp>
+      <p:cxnSp>
+        <p:nvCxnSpPr>
+          <p:cNvPr id="24" name="Straight Arrow Connector 23">
+            <a:extLst>
+              <a:ext uri="{FF2B5EF4-FFF2-40B4-BE49-F238E27FC236}">
+                <a16:creationId xmlns:a16="http://schemas.microsoft.com/office/drawing/2014/main" id="{3594F792-7C95-D04A-AB98-5CE4EB49323C}"/>
+              </a:ext>
+            </a:extLst>
+          </p:cNvPr>
+          <p:cNvCxnSpPr>
+            <a:cxnSpLocks/>
+          </p:cNvCxnSpPr>
+          <p:nvPr/>
+        </p:nvCxnSpPr>
+        <p:spPr>
+          <a:xfrm>
+            <a:off x="7184644" y="2424895"/>
+            <a:ext cx="0" cy="2132819"/>
+          </a:xfrm>
+          <a:prstGeom prst="straightConnector1">
+            <a:avLst/>
+          </a:prstGeom>
+          <a:ln w="25400">
+            <a:solidFill>
+              <a:schemeClr val="tx1"/>
+            </a:solidFill>
+          </a:ln>
+        </p:spPr>
+        <p:style>
+          <a:lnRef idx="1">
+            <a:schemeClr val="accent1"/>
+          </a:lnRef>
+          <a:fillRef idx="0">
+            <a:schemeClr val="accent1"/>
+          </a:fillRef>
+          <a:effectRef idx="0">
+            <a:schemeClr val="accent1"/>
+          </a:effectRef>
+          <a:fontRef idx="minor">
+            <a:schemeClr val="tx1"/>
+          </a:fontRef>
+        </p:style>
+      </p:cxnSp>
+      <p:cxnSp>
+        <p:nvCxnSpPr>
+          <p:cNvPr id="25" name="Straight Arrow Connector 24">
+            <a:extLst>
+              <a:ext uri="{FF2B5EF4-FFF2-40B4-BE49-F238E27FC236}">
+                <a16:creationId xmlns:a16="http://schemas.microsoft.com/office/drawing/2014/main" id="{D1D1309B-3768-EF46-A0C5-ADC63BEE9A8E}"/>
+              </a:ext>
+            </a:extLst>
+          </p:cNvPr>
+          <p:cNvCxnSpPr>
+            <a:cxnSpLocks/>
+          </p:cNvCxnSpPr>
+          <p:nvPr/>
+        </p:nvCxnSpPr>
+        <p:spPr>
+          <a:xfrm>
+            <a:off x="8641655" y="2449179"/>
+            <a:ext cx="0" cy="2108535"/>
+          </a:xfrm>
+          <a:prstGeom prst="straightConnector1">
+            <a:avLst/>
+          </a:prstGeom>
+          <a:ln w="25400">
+            <a:solidFill>
+              <a:schemeClr val="tx1"/>
+            </a:solidFill>
+          </a:ln>
+        </p:spPr>
+        <p:style>
+          <a:lnRef idx="1">
+            <a:schemeClr val="accent1"/>
+          </a:lnRef>
+          <a:fillRef idx="0">
+            <a:schemeClr val="accent1"/>
+          </a:fillRef>
+          <a:effectRef idx="0">
+            <a:schemeClr val="accent1"/>
+          </a:effectRef>
+          <a:fontRef idx="minor">
+            <a:schemeClr val="tx1"/>
+          </a:fontRef>
+        </p:style>
+      </p:cxnSp>
+      <p:cxnSp>
+        <p:nvCxnSpPr>
+          <p:cNvPr id="26" name="Straight Arrow Connector 25">
+            <a:extLst>
+              <a:ext uri="{FF2B5EF4-FFF2-40B4-BE49-F238E27FC236}">
+                <a16:creationId xmlns:a16="http://schemas.microsoft.com/office/drawing/2014/main" id="{7B8EC29E-18E6-984F-882A-BC4B3D35383D}"/>
+              </a:ext>
+            </a:extLst>
+          </p:cNvPr>
+          <p:cNvCxnSpPr>
+            <a:cxnSpLocks/>
+          </p:cNvCxnSpPr>
+          <p:nvPr/>
+        </p:nvCxnSpPr>
+        <p:spPr>
+          <a:xfrm flipH="1">
+            <a:off x="2498397" y="2943604"/>
+            <a:ext cx="7195207" cy="0"/>
+          </a:xfrm>
+          <a:prstGeom prst="straightConnector1">
+            <a:avLst/>
+          </a:prstGeom>
+          <a:ln w="25400">
+            <a:solidFill>
+              <a:schemeClr val="tx1"/>
+            </a:solidFill>
+          </a:ln>
+        </p:spPr>
+        <p:style>
+          <a:lnRef idx="1">
+            <a:schemeClr val="accent1"/>
+          </a:lnRef>
+          <a:fillRef idx="0">
+            <a:schemeClr val="accent1"/>
+          </a:fillRef>
+          <a:effectRef idx="0">
+            <a:schemeClr val="accent1"/>
+          </a:effectRef>
+          <a:fontRef idx="minor">
+            <a:schemeClr val="tx1"/>
+          </a:fontRef>
+        </p:style>
+      </p:cxnSp>
+      <p:cxnSp>
+        <p:nvCxnSpPr>
+          <p:cNvPr id="29" name="Straight Arrow Connector 28">
+            <a:extLst>
+              <a:ext uri="{FF2B5EF4-FFF2-40B4-BE49-F238E27FC236}">
+                <a16:creationId xmlns:a16="http://schemas.microsoft.com/office/drawing/2014/main" id="{71C024A7-9400-4C47-AEFE-272E1C27D2C5}"/>
+              </a:ext>
+            </a:extLst>
+          </p:cNvPr>
+          <p:cNvCxnSpPr>
+            <a:cxnSpLocks/>
+          </p:cNvCxnSpPr>
+          <p:nvPr/>
+        </p:nvCxnSpPr>
+        <p:spPr>
+          <a:xfrm flipH="1">
+            <a:off x="2498396" y="3430112"/>
+            <a:ext cx="7195208" cy="0"/>
+          </a:xfrm>
+          <a:prstGeom prst="straightConnector1">
+            <a:avLst/>
+          </a:prstGeom>
+          <a:ln w="12700">
+            <a:solidFill>
+              <a:schemeClr val="tx1"/>
+            </a:solidFill>
+          </a:ln>
+        </p:spPr>
+        <p:style>
+          <a:lnRef idx="1">
+            <a:schemeClr val="accent1"/>
+          </a:lnRef>
+          <a:fillRef idx="0">
+            <a:schemeClr val="accent1"/>
+          </a:fillRef>
+          <a:effectRef idx="0">
+            <a:schemeClr val="accent1"/>
+          </a:effectRef>
+          <a:fontRef idx="minor">
+            <a:schemeClr val="tx1"/>
+          </a:fontRef>
+        </p:style>
+      </p:cxnSp>
+      <p:cxnSp>
+        <p:nvCxnSpPr>
+          <p:cNvPr id="32" name="Straight Arrow Connector 31">
+            <a:extLst>
+              <a:ext uri="{FF2B5EF4-FFF2-40B4-BE49-F238E27FC236}">
+                <a16:creationId xmlns:a16="http://schemas.microsoft.com/office/drawing/2014/main" id="{2578A1B2-F3C8-5641-BEC5-7B1A69EC8609}"/>
+              </a:ext>
+            </a:extLst>
+          </p:cNvPr>
+          <p:cNvCxnSpPr>
+            <a:cxnSpLocks/>
+          </p:cNvCxnSpPr>
+          <p:nvPr/>
+        </p:nvCxnSpPr>
+        <p:spPr>
+          <a:xfrm flipH="1">
+            <a:off x="2498396" y="3968274"/>
+            <a:ext cx="7195208" cy="0"/>
+          </a:xfrm>
+          <a:prstGeom prst="straightConnector1">
+            <a:avLst/>
+          </a:prstGeom>
+          <a:ln w="12700">
+            <a:solidFill>
+              <a:schemeClr val="tx1"/>
+            </a:solidFill>
+          </a:ln>
+        </p:spPr>
+        <p:style>
+          <a:lnRef idx="1">
+            <a:schemeClr val="accent1"/>
+          </a:lnRef>
+          <a:fillRef idx="0">
+            <a:schemeClr val="accent1"/>
+          </a:fillRef>
+          <a:effectRef idx="0">
+            <a:schemeClr val="accent1"/>
+          </a:effectRef>
+          <a:fontRef idx="minor">
+            <a:schemeClr val="tx1"/>
+          </a:fontRef>
+        </p:style>
+      </p:cxnSp>
+      <p:cxnSp>
+        <p:nvCxnSpPr>
+          <p:cNvPr id="39" name="Straight Arrow Connector 38">
+            <a:extLst>
+              <a:ext uri="{FF2B5EF4-FFF2-40B4-BE49-F238E27FC236}">
+                <a16:creationId xmlns:a16="http://schemas.microsoft.com/office/drawing/2014/main" id="{6F5B000C-E8B5-2446-8D8E-AF7A7FF7E9AE}"/>
+              </a:ext>
+            </a:extLst>
+          </p:cNvPr>
+          <p:cNvCxnSpPr>
+            <a:cxnSpLocks/>
+          </p:cNvCxnSpPr>
+          <p:nvPr/>
+        </p:nvCxnSpPr>
+        <p:spPr>
+          <a:xfrm flipV="1">
+            <a:off x="3328988" y="1413282"/>
+            <a:ext cx="0" cy="1028680"/>
+          </a:xfrm>
+          <a:prstGeom prst="straightConnector1">
+            <a:avLst/>
+          </a:prstGeom>
+          <a:ln w="38100">
+            <a:solidFill>
+              <a:schemeClr val="tx1"/>
+            </a:solidFill>
+            <a:tailEnd type="triangle"/>
+          </a:ln>
+        </p:spPr>
+        <p:style>
+          <a:lnRef idx="1">
+            <a:schemeClr val="accent1"/>
+          </a:lnRef>
+          <a:fillRef idx="0">
+            <a:schemeClr val="accent1"/>
+          </a:fillRef>
+          <a:effectRef idx="0">
+            <a:schemeClr val="accent1"/>
+          </a:effectRef>
+          <a:fontRef idx="minor">
+            <a:schemeClr val="tx1"/>
+          </a:fontRef>
+        </p:style>
+      </p:cxnSp>
+      <p:cxnSp>
+        <p:nvCxnSpPr>
+          <p:cNvPr id="42" name="Straight Arrow Connector 41">
+            <a:extLst>
+              <a:ext uri="{FF2B5EF4-FFF2-40B4-BE49-F238E27FC236}">
+                <a16:creationId xmlns:a16="http://schemas.microsoft.com/office/drawing/2014/main" id="{E238D91B-AB06-FD4D-BCCE-C71055481EC1}"/>
+              </a:ext>
+            </a:extLst>
+          </p:cNvPr>
+          <p:cNvCxnSpPr>
+            <a:cxnSpLocks/>
+          </p:cNvCxnSpPr>
+          <p:nvPr/>
+        </p:nvCxnSpPr>
+        <p:spPr>
+          <a:xfrm flipV="1">
+            <a:off x="4852988" y="1285781"/>
+            <a:ext cx="1633537" cy="1139114"/>
+          </a:xfrm>
+          <a:prstGeom prst="straightConnector1">
+            <a:avLst/>
+          </a:prstGeom>
+          <a:ln w="38100">
+            <a:solidFill>
+              <a:schemeClr val="tx1"/>
+            </a:solidFill>
+            <a:tailEnd type="triangle"/>
+          </a:ln>
+        </p:spPr>
+        <p:style>
+          <a:lnRef idx="1">
+            <a:schemeClr val="accent1"/>
+          </a:lnRef>
+          <a:fillRef idx="0">
+            <a:schemeClr val="accent1"/>
+          </a:fillRef>
+          <a:effectRef idx="0">
+            <a:schemeClr val="accent1"/>
+          </a:effectRef>
+          <a:fontRef idx="minor">
+            <a:schemeClr val="tx1"/>
+          </a:fontRef>
+        </p:style>
+      </p:cxnSp>
+      <p:cxnSp>
+        <p:nvCxnSpPr>
+          <p:cNvPr id="44" name="Straight Arrow Connector 43">
+            <a:extLst>
+              <a:ext uri="{FF2B5EF4-FFF2-40B4-BE49-F238E27FC236}">
+                <a16:creationId xmlns:a16="http://schemas.microsoft.com/office/drawing/2014/main" id="{B4D33748-6062-DA40-AC75-66AD2C11B311}"/>
+              </a:ext>
+            </a:extLst>
+          </p:cNvPr>
+          <p:cNvCxnSpPr>
+            <a:cxnSpLocks/>
+          </p:cNvCxnSpPr>
+          <p:nvPr/>
+        </p:nvCxnSpPr>
+        <p:spPr>
+          <a:xfrm flipV="1">
+            <a:off x="9205913" y="1262203"/>
+            <a:ext cx="1633537" cy="1139114"/>
+          </a:xfrm>
+          <a:prstGeom prst="straightConnector1">
+            <a:avLst/>
+          </a:prstGeom>
+          <a:ln w="38100">
+            <a:solidFill>
+              <a:schemeClr val="tx1"/>
+            </a:solidFill>
+            <a:tailEnd type="triangle"/>
+          </a:ln>
+        </p:spPr>
+        <p:style>
+          <a:lnRef idx="1">
+            <a:schemeClr val="accent1"/>
+          </a:lnRef>
+          <a:fillRef idx="0">
+            <a:schemeClr val="accent1"/>
+          </a:fillRef>
+          <a:effectRef idx="0">
+            <a:schemeClr val="accent1"/>
+          </a:effectRef>
+          <a:fontRef idx="minor">
+            <a:schemeClr val="tx1"/>
+          </a:fontRef>
+        </p:style>
+      </p:cxnSp>
+      <p:sp>
+        <p:nvSpPr>
+          <p:cNvPr id="50" name="Rectangle 49">
+            <a:extLst>
+              <a:ext uri="{FF2B5EF4-FFF2-40B4-BE49-F238E27FC236}">
+                <a16:creationId xmlns:a16="http://schemas.microsoft.com/office/drawing/2014/main" id="{DFF14611-EF2E-2644-9AD6-2B0893EDA29A}"/>
+              </a:ext>
+            </a:extLst>
+          </p:cNvPr>
+          <p:cNvSpPr/>
+          <p:nvPr/>
+        </p:nvSpPr>
+        <p:spPr>
+          <a:xfrm>
+            <a:off x="2510487" y="2421920"/>
+            <a:ext cx="3076422" cy="506549"/>
+          </a:xfrm>
+          <a:prstGeom prst="rect">
+            <a:avLst/>
+          </a:prstGeom>
+          <a:solidFill>
+            <a:schemeClr val="accent2">
+              <a:alpha val="50000"/>
+            </a:schemeClr>
+          </a:solidFill>
+        </p:spPr>
+        <p:style>
+          <a:lnRef idx="2">
+            <a:schemeClr val="accent2">
+              <a:shade val="50000"/>
+            </a:schemeClr>
+          </a:lnRef>
+          <a:fillRef idx="1">
+            <a:schemeClr val="accent2"/>
+          </a:fillRef>
+          <a:effectRef idx="0">
+            <a:schemeClr val="accent2"/>
+          </a:effectRef>
+          <a:fontRef idx="minor">
+            <a:schemeClr val="lt1"/>
+          </a:fontRef>
+        </p:style>
+        <p:txBody>
+          <a:bodyPr rtlCol="0" anchor="ctr"/>
+          <a:lstStyle/>
+          <a:p>
+            <a:pPr algn="ctr"/>
+            <a:endParaRPr lang="en-US" sz="2800" dirty="0">
+              <a:solidFill>
+                <a:schemeClr val="accent2">
+                  <a:lumMod val="75000"/>
+                </a:schemeClr>
+              </a:solidFill>
+              <a:latin typeface="Fira Code" panose="020B0509050000020004" pitchFamily="49" charset="0"/>
+              <a:ea typeface="Fira Code" panose="020B0509050000020004" pitchFamily="49" charset="0"/>
+            </a:endParaRPr>
+          </a:p>
+        </p:txBody>
+      </p:sp>
+      <p:sp>
+        <p:nvSpPr>
+          <p:cNvPr id="51" name="Rectangle 50">
+            <a:extLst>
+              <a:ext uri="{FF2B5EF4-FFF2-40B4-BE49-F238E27FC236}">
+                <a16:creationId xmlns:a16="http://schemas.microsoft.com/office/drawing/2014/main" id="{0E1B1C27-0465-EC42-AFA1-731C49802C5E}"/>
+              </a:ext>
+            </a:extLst>
+          </p:cNvPr>
+          <p:cNvSpPr/>
+          <p:nvPr/>
+        </p:nvSpPr>
+        <p:spPr>
+          <a:xfrm>
+            <a:off x="8641655" y="2448327"/>
+            <a:ext cx="1051903" cy="480141"/>
+          </a:xfrm>
+          <a:prstGeom prst="rect">
+            <a:avLst/>
+          </a:prstGeom>
+          <a:solidFill>
+            <a:schemeClr val="accent2">
+              <a:alpha val="50000"/>
+            </a:schemeClr>
+          </a:solidFill>
+        </p:spPr>
+        <p:style>
+          <a:lnRef idx="2">
+            <a:schemeClr val="accent2">
+              <a:shade val="50000"/>
+            </a:schemeClr>
+          </a:lnRef>
+          <a:fillRef idx="1">
+            <a:schemeClr val="accent2"/>
+          </a:fillRef>
+          <a:effectRef idx="0">
+            <a:schemeClr val="accent2"/>
+          </a:effectRef>
+          <a:fontRef idx="minor">
+            <a:schemeClr val="lt1"/>
+          </a:fontRef>
+        </p:style>
+        <p:txBody>
+          <a:bodyPr rtlCol="0" anchor="ctr"/>
+          <a:lstStyle/>
+          <a:p>
+            <a:pPr algn="ctr"/>
+            <a:endParaRPr lang="en-US" sz="2800" dirty="0">
+              <a:solidFill>
+                <a:schemeClr val="accent2">
+                  <a:lumMod val="75000"/>
+                </a:schemeClr>
+              </a:solidFill>
+              <a:latin typeface="Fira Code" panose="020B0509050000020004" pitchFamily="49" charset="0"/>
+              <a:ea typeface="Fira Code" panose="020B0509050000020004" pitchFamily="49" charset="0"/>
+            </a:endParaRPr>
+          </a:p>
+        </p:txBody>
+      </p:sp>
+    </p:spTree>
+    <p:extLst>
+      <p:ext uri="{BB962C8B-B14F-4D97-AF65-F5344CB8AC3E}">
+        <p14:creationId xmlns:p14="http://schemas.microsoft.com/office/powerpoint/2010/main" val="2104670364"/>
       </p:ext>
     </p:extLst>
   </p:cSld>

--- a/images/images.pptx
+++ b/images/images.pptx
@@ -10,6 +10,8 @@
     <p:sldId id="259" r:id="rId4"/>
     <p:sldId id="258" r:id="rId5"/>
     <p:sldId id="260" r:id="rId6"/>
+    <p:sldId id="262" r:id="rId7"/>
+    <p:sldId id="261" r:id="rId8"/>
   </p:sldIdLst>
   <p:sldSz cx="12192000" cy="6858000"/>
   <p:notesSz cx="6858000" cy="9144000"/>
@@ -263,7 +265,7 @@
           <a:p>
             <a:fld id="{D70AA946-6B48-AE44-B444-CD9A353E3B7B}" type="datetimeFigureOut">
               <a:rPr lang="en-US" smtClean="0"/>
-              <a:t>11/4/19</a:t>
+              <a:t>11/6/19</a:t>
             </a:fld>
             <a:endParaRPr lang="en-US"/>
           </a:p>
@@ -461,7 +463,7 @@
           <a:p>
             <a:fld id="{D70AA946-6B48-AE44-B444-CD9A353E3B7B}" type="datetimeFigureOut">
               <a:rPr lang="en-US" smtClean="0"/>
-              <a:t>11/4/19</a:t>
+              <a:t>11/6/19</a:t>
             </a:fld>
             <a:endParaRPr lang="en-US"/>
           </a:p>
@@ -669,7 +671,7 @@
           <a:p>
             <a:fld id="{D70AA946-6B48-AE44-B444-CD9A353E3B7B}" type="datetimeFigureOut">
               <a:rPr lang="en-US" smtClean="0"/>
-              <a:t>11/4/19</a:t>
+              <a:t>11/6/19</a:t>
             </a:fld>
             <a:endParaRPr lang="en-US"/>
           </a:p>
@@ -867,7 +869,7 @@
           <a:p>
             <a:fld id="{D70AA946-6B48-AE44-B444-CD9A353E3B7B}" type="datetimeFigureOut">
               <a:rPr lang="en-US" smtClean="0"/>
-              <a:t>11/4/19</a:t>
+              <a:t>11/6/19</a:t>
             </a:fld>
             <a:endParaRPr lang="en-US"/>
           </a:p>
@@ -1142,7 +1144,7 @@
           <a:p>
             <a:fld id="{D70AA946-6B48-AE44-B444-CD9A353E3B7B}" type="datetimeFigureOut">
               <a:rPr lang="en-US" smtClean="0"/>
-              <a:t>11/4/19</a:t>
+              <a:t>11/6/19</a:t>
             </a:fld>
             <a:endParaRPr lang="en-US"/>
           </a:p>
@@ -1407,7 +1409,7 @@
           <a:p>
             <a:fld id="{D70AA946-6B48-AE44-B444-CD9A353E3B7B}" type="datetimeFigureOut">
               <a:rPr lang="en-US" smtClean="0"/>
-              <a:t>11/4/19</a:t>
+              <a:t>11/6/19</a:t>
             </a:fld>
             <a:endParaRPr lang="en-US"/>
           </a:p>
@@ -1819,7 +1821,7 @@
           <a:p>
             <a:fld id="{D70AA946-6B48-AE44-B444-CD9A353E3B7B}" type="datetimeFigureOut">
               <a:rPr lang="en-US" smtClean="0"/>
-              <a:t>11/4/19</a:t>
+              <a:t>11/6/19</a:t>
             </a:fld>
             <a:endParaRPr lang="en-US"/>
           </a:p>
@@ -1960,7 +1962,7 @@
           <a:p>
             <a:fld id="{D70AA946-6B48-AE44-B444-CD9A353E3B7B}" type="datetimeFigureOut">
               <a:rPr lang="en-US" smtClean="0"/>
-              <a:t>11/4/19</a:t>
+              <a:t>11/6/19</a:t>
             </a:fld>
             <a:endParaRPr lang="en-US"/>
           </a:p>
@@ -2073,7 +2075,7 @@
           <a:p>
             <a:fld id="{D70AA946-6B48-AE44-B444-CD9A353E3B7B}" type="datetimeFigureOut">
               <a:rPr lang="en-US" smtClean="0"/>
-              <a:t>11/4/19</a:t>
+              <a:t>11/6/19</a:t>
             </a:fld>
             <a:endParaRPr lang="en-US"/>
           </a:p>
@@ -2384,7 +2386,7 @@
           <a:p>
             <a:fld id="{D70AA946-6B48-AE44-B444-CD9A353E3B7B}" type="datetimeFigureOut">
               <a:rPr lang="en-US" smtClean="0"/>
-              <a:t>11/4/19</a:t>
+              <a:t>11/6/19</a:t>
             </a:fld>
             <a:endParaRPr lang="en-US"/>
           </a:p>
@@ -2672,7 +2674,7 @@
           <a:p>
             <a:fld id="{D70AA946-6B48-AE44-B444-CD9A353E3B7B}" type="datetimeFigureOut">
               <a:rPr lang="en-US" smtClean="0"/>
-              <a:t>11/4/19</a:t>
+              <a:t>11/6/19</a:t>
             </a:fld>
             <a:endParaRPr lang="en-US"/>
           </a:p>
@@ -2913,7 +2915,7 @@
           <a:p>
             <a:fld id="{D70AA946-6B48-AE44-B444-CD9A353E3B7B}" type="datetimeFigureOut">
               <a:rPr lang="en-US" smtClean="0"/>
-              <a:t>11/4/19</a:t>
+              <a:t>11/6/19</a:t>
             </a:fld>
             <a:endParaRPr lang="en-US"/>
           </a:p>
@@ -3344,8 +3346,8 @@
         </p:nvSpPr>
         <p:spPr>
           <a:xfrm>
-            <a:off x="1481958" y="1627001"/>
-            <a:ext cx="8776762" cy="1318566"/>
+            <a:off x="629599" y="1579092"/>
+            <a:ext cx="10932801" cy="1318566"/>
           </a:xfrm>
           <a:prstGeom prst="rect">
             <a:avLst/>
@@ -3416,6 +3418,25 @@
               <a:t>, </a:t>
             </a:r>
             <a:r>
+              <a:rPr lang="en-US" sz="2800" b="1" dirty="0">
+                <a:solidFill>
+                  <a:schemeClr val="accent1">
+                    <a:lumMod val="50000"/>
+                  </a:schemeClr>
+                </a:solidFill>
+                <a:latin typeface="Fira Code" panose="020B0509050000020004" pitchFamily="49" charset="0"/>
+                <a:ea typeface="Fira Code" panose="020B0509050000020004" pitchFamily="49" charset="0"/>
+              </a:rPr>
+              <a:t>mapping</a:t>
+            </a:r>
+            <a:r>
+              <a:rPr lang="en-US" sz="2800" dirty="0">
+                <a:latin typeface="Fira Code" panose="020B0509050000020004" pitchFamily="49" charset="0"/>
+                <a:ea typeface="Fira Code" panose="020B0509050000020004" pitchFamily="49" charset="0"/>
+              </a:rPr>
+              <a:t> = </a:t>
+            </a:r>
+            <a:r>
               <a:rPr lang="en-US" sz="2800" b="1" dirty="0" err="1">
                 <a:solidFill>
                   <a:schemeClr val="accent1">
@@ -3496,7 +3517,7 @@
         </p:nvSpPr>
         <p:spPr>
           <a:xfrm>
-            <a:off x="4532213" y="1822077"/>
+            <a:off x="3653930" y="1766355"/>
             <a:ext cx="1316137" cy="403598"/>
           </a:xfrm>
           <a:prstGeom prst="rect">
@@ -3555,7 +3576,7 @@
         </p:nvSpPr>
         <p:spPr>
           <a:xfrm>
-            <a:off x="7080818" y="1834777"/>
+            <a:off x="8363354" y="1766355"/>
             <a:ext cx="2164782" cy="403598"/>
           </a:xfrm>
           <a:prstGeom prst="rect">
@@ -3614,7 +3635,7 @@
         </p:nvSpPr>
         <p:spPr>
           <a:xfrm>
-            <a:off x="3473546" y="2468251"/>
+            <a:off x="2644297" y="2416591"/>
             <a:ext cx="1484648" cy="403598"/>
           </a:xfrm>
           <a:prstGeom prst="rect">
@@ -3704,7 +3725,7 @@
         <p:spPr>
           <a:xfrm>
             <a:off x="1481958" y="1627001"/>
-            <a:ext cx="8991564" cy="2611228"/>
+            <a:ext cx="7277954" cy="2611228"/>
           </a:xfrm>
           <a:prstGeom prst="rect">
             <a:avLst/>
@@ -3735,25 +3756,6 @@
                 <a:ea typeface="Fira Code" panose="020B0509050000020004" pitchFamily="49" charset="0"/>
               </a:rPr>
               <a:t>(</a:t>
-            </a:r>
-            <a:r>
-              <a:rPr lang="en-US" sz="2800" b="1" dirty="0">
-                <a:solidFill>
-                  <a:schemeClr val="accent5">
-                    <a:lumMod val="50000"/>
-                  </a:schemeClr>
-                </a:solidFill>
-                <a:latin typeface="Fira Code" panose="020B0509050000020004" pitchFamily="49" charset="0"/>
-                <a:ea typeface="Fira Code" panose="020B0509050000020004" pitchFamily="49" charset="0"/>
-              </a:rPr>
-              <a:t>data</a:t>
-            </a:r>
-            <a:r>
-              <a:rPr lang="en-US" sz="2800" dirty="0">
-                <a:latin typeface="Fira Code" panose="020B0509050000020004" pitchFamily="49" charset="0"/>
-                <a:ea typeface="Fira Code" panose="020B0509050000020004" pitchFamily="49" charset="0"/>
-              </a:rPr>
-              <a:t> = </a:t>
             </a:r>
             <a:r>
               <a:rPr lang="en-US" sz="2800" dirty="0">
@@ -3914,7 +3916,7 @@
         </p:nvSpPr>
         <p:spPr>
           <a:xfrm>
-            <a:off x="4509989" y="1819381"/>
+            <a:off x="3014145" y="1832283"/>
             <a:ext cx="1370112" cy="403598"/>
           </a:xfrm>
           <a:prstGeom prst="rect">
@@ -3973,7 +3975,7 @@
         </p:nvSpPr>
         <p:spPr>
           <a:xfrm>
-            <a:off x="7083992" y="1829012"/>
+            <a:off x="5623212" y="1814063"/>
             <a:ext cx="2148908" cy="403598"/>
           </a:xfrm>
           <a:prstGeom prst="rect">
@@ -4261,7 +4263,7 @@
         </p:nvCxnSpPr>
         <p:spPr>
           <a:xfrm>
-            <a:off x="6589569" y="2319923"/>
+            <a:off x="6131206" y="2320216"/>
             <a:ext cx="0" cy="1579662"/>
           </a:xfrm>
           <a:prstGeom prst="line">
@@ -4304,8 +4306,8 @@
         </p:nvCxnSpPr>
         <p:spPr>
           <a:xfrm flipH="1">
-            <a:off x="5399229" y="2553385"/>
-            <a:ext cx="1190340" cy="0"/>
+            <a:off x="5399230" y="2553385"/>
+            <a:ext cx="731976" cy="0"/>
           </a:xfrm>
           <a:prstGeom prst="straightConnector1">
             <a:avLst/>
@@ -4349,7 +4351,7 @@
         <p:spPr>
           <a:xfrm flipH="1">
             <a:off x="5399229" y="3201085"/>
-            <a:ext cx="1190340" cy="0"/>
+            <a:ext cx="731977" cy="0"/>
           </a:xfrm>
           <a:prstGeom prst="straightConnector1">
             <a:avLst/>
@@ -4391,9 +4393,9 @@
           <p:nvPr/>
         </p:nvCxnSpPr>
         <p:spPr>
-          <a:xfrm flipH="1">
+          <a:xfrm flipH="1" flipV="1">
             <a:off x="5399229" y="3899585"/>
-            <a:ext cx="1190340" cy="0"/>
+            <a:ext cx="731977" cy="293"/>
           </a:xfrm>
           <a:prstGeom prst="straightConnector1">
             <a:avLst/>
@@ -4436,7 +4438,7 @@
         </p:nvCxnSpPr>
         <p:spPr>
           <a:xfrm>
-            <a:off x="5405579" y="2218605"/>
+            <a:off x="3739451" y="2236107"/>
             <a:ext cx="0" cy="89442"/>
           </a:xfrm>
           <a:prstGeom prst="line">
@@ -4479,8 +4481,8 @@
         </p:nvCxnSpPr>
         <p:spPr>
           <a:xfrm>
-            <a:off x="8764729" y="2232610"/>
-            <a:ext cx="0" cy="75437"/>
+            <a:off x="6779057" y="2220836"/>
+            <a:ext cx="0" cy="101515"/>
           </a:xfrm>
           <a:prstGeom prst="line">
             <a:avLst/>
@@ -4522,8 +4524,8 @@
         </p:nvCxnSpPr>
         <p:spPr>
           <a:xfrm>
-            <a:off x="5399229" y="2308047"/>
-            <a:ext cx="3359149" cy="0"/>
+            <a:off x="3732606" y="2319199"/>
+            <a:ext cx="3045122" cy="0"/>
           </a:xfrm>
           <a:prstGeom prst="line">
             <a:avLst/>
@@ -4581,6 +4583,331 @@
       </p:grpSpPr>
       <p:sp>
         <p:nvSpPr>
+          <p:cNvPr id="4" name="TextBox 3">
+            <a:extLst>
+              <a:ext uri="{FF2B5EF4-FFF2-40B4-BE49-F238E27FC236}">
+                <a16:creationId xmlns:a16="http://schemas.microsoft.com/office/drawing/2014/main" id="{D6143DFD-DAEC-E449-B2DA-2B25E7F649B7}"/>
+              </a:ext>
+            </a:extLst>
+          </p:cNvPr>
+          <p:cNvSpPr txBox="1"/>
+          <p:nvPr/>
+        </p:nvSpPr>
+        <p:spPr>
+          <a:xfrm>
+            <a:off x="1481958" y="1627001"/>
+            <a:ext cx="7705956" cy="2611228"/>
+          </a:xfrm>
+          <a:prstGeom prst="rect">
+            <a:avLst/>
+          </a:prstGeom>
+          <a:noFill/>
+        </p:spPr>
+        <p:txBody>
+          <a:bodyPr wrap="none" rtlCol="0">
+            <a:spAutoFit/>
+          </a:bodyPr>
+          <a:lstStyle/>
+          <a:p>
+            <a:pPr>
+              <a:lnSpc>
+                <a:spcPct val="150000"/>
+              </a:lnSpc>
+            </a:pPr>
+            <a:r>
+              <a:rPr lang="en-US" sz="2800" dirty="0" err="1">
+                <a:latin typeface="Fira Code" panose="020B0509050000020004" pitchFamily="49" charset="0"/>
+                <a:ea typeface="Fira Code" panose="020B0509050000020004" pitchFamily="49" charset="0"/>
+              </a:rPr>
+              <a:t>ggplot</a:t>
+            </a:r>
+            <a:r>
+              <a:rPr lang="en-US" sz="2800" dirty="0">
+                <a:latin typeface="Fira Code" panose="020B0509050000020004" pitchFamily="49" charset="0"/>
+                <a:ea typeface="Fira Code" panose="020B0509050000020004" pitchFamily="49" charset="0"/>
+              </a:rPr>
+              <a:t>(</a:t>
+            </a:r>
+            <a:r>
+              <a:rPr lang="en-US" sz="2800" dirty="0">
+                <a:solidFill>
+                  <a:schemeClr val="accent2">
+                    <a:lumMod val="50000"/>
+                  </a:schemeClr>
+                </a:solidFill>
+                <a:latin typeface="Fira Code" panose="020B0509050000020004" pitchFamily="49" charset="0"/>
+                <a:ea typeface="Fira Code" panose="020B0509050000020004" pitchFamily="49" charset="0"/>
+              </a:rPr>
+              <a:t>&lt;data&gt;</a:t>
+            </a:r>
+            <a:r>
+              <a:rPr lang="en-US" sz="2800" dirty="0">
+                <a:latin typeface="Fira Code" panose="020B0509050000020004" pitchFamily="49" charset="0"/>
+                <a:ea typeface="Fira Code" panose="020B0509050000020004" pitchFamily="49" charset="0"/>
+              </a:rPr>
+              <a:t>, </a:t>
+            </a:r>
+            <a:r>
+              <a:rPr lang="en-US" sz="2800" b="1" dirty="0" err="1">
+                <a:solidFill>
+                  <a:schemeClr val="accent5">
+                    <a:lumMod val="50000"/>
+                  </a:schemeClr>
+                </a:solidFill>
+                <a:latin typeface="Fira Code" panose="020B0509050000020004" pitchFamily="49" charset="0"/>
+                <a:ea typeface="Fira Code" panose="020B0509050000020004" pitchFamily="49" charset="0"/>
+              </a:rPr>
+              <a:t>aes</a:t>
+            </a:r>
+            <a:r>
+              <a:rPr lang="en-US" sz="2800" dirty="0">
+                <a:latin typeface="Fira Code" panose="020B0509050000020004" pitchFamily="49" charset="0"/>
+                <a:ea typeface="Fira Code" panose="020B0509050000020004" pitchFamily="49" charset="0"/>
+              </a:rPr>
+              <a:t>(</a:t>
+            </a:r>
+            <a:r>
+              <a:rPr lang="en-US" sz="2800" dirty="0">
+                <a:solidFill>
+                  <a:schemeClr val="accent2">
+                    <a:lumMod val="50000"/>
+                  </a:schemeClr>
+                </a:solidFill>
+                <a:latin typeface="Fira Code" panose="020B0509050000020004" pitchFamily="49" charset="0"/>
+                <a:ea typeface="Fira Code" panose="020B0509050000020004" pitchFamily="49" charset="0"/>
+              </a:rPr>
+              <a:t>&lt;mappings&gt;</a:t>
+            </a:r>
+            <a:r>
+              <a:rPr lang="en-US" sz="2800" dirty="0">
+                <a:latin typeface="Fira Code" panose="020B0509050000020004" pitchFamily="49" charset="0"/>
+                <a:ea typeface="Fira Code" panose="020B0509050000020004" pitchFamily="49" charset="0"/>
+              </a:rPr>
+              <a:t>)) +</a:t>
+            </a:r>
+          </a:p>
+          <a:p>
+            <a:pPr>
+              <a:lnSpc>
+                <a:spcPct val="150000"/>
+              </a:lnSpc>
+            </a:pPr>
+            <a:r>
+              <a:rPr lang="en-US" sz="2800" dirty="0">
+                <a:solidFill>
+                  <a:schemeClr val="accent2">
+                    <a:lumMod val="50000"/>
+                  </a:schemeClr>
+                </a:solidFill>
+                <a:latin typeface="Fira Code" panose="020B0509050000020004" pitchFamily="49" charset="0"/>
+                <a:ea typeface="Fira Code" panose="020B0509050000020004" pitchFamily="49" charset="0"/>
+              </a:rPr>
+              <a:t>  &lt;layer&gt;</a:t>
+            </a:r>
+            <a:r>
+              <a:rPr lang="en-US" sz="2800" dirty="0">
+                <a:latin typeface="Fira Code" panose="020B0509050000020004" pitchFamily="49" charset="0"/>
+                <a:ea typeface="Fira Code" panose="020B0509050000020004" pitchFamily="49" charset="0"/>
+              </a:rPr>
+              <a:t>(</a:t>
+            </a:r>
+            <a:r>
+              <a:rPr lang="en-US" sz="2800" b="1" dirty="0" err="1">
+                <a:solidFill>
+                  <a:schemeClr val="accent1">
+                    <a:lumMod val="50000"/>
+                  </a:schemeClr>
+                </a:solidFill>
+                <a:latin typeface="Fira Code" panose="020B0509050000020004" pitchFamily="49" charset="0"/>
+                <a:ea typeface="Fira Code" panose="020B0509050000020004" pitchFamily="49" charset="0"/>
+              </a:rPr>
+              <a:t>aes</a:t>
+            </a:r>
+            <a:r>
+              <a:rPr lang="en-US" sz="2800" dirty="0">
+                <a:latin typeface="Fira Code" panose="020B0509050000020004" pitchFamily="49" charset="0"/>
+                <a:ea typeface="Fira Code" panose="020B0509050000020004" pitchFamily="49" charset="0"/>
+              </a:rPr>
+              <a:t>(</a:t>
+            </a:r>
+            <a:r>
+              <a:rPr lang="en-US" sz="2800" dirty="0">
+                <a:solidFill>
+                  <a:schemeClr val="accent2">
+                    <a:lumMod val="50000"/>
+                  </a:schemeClr>
+                </a:solidFill>
+                <a:latin typeface="Fira Code" panose="020B0509050000020004" pitchFamily="49" charset="0"/>
+                <a:ea typeface="Fira Code" panose="020B0509050000020004" pitchFamily="49" charset="0"/>
+              </a:rPr>
+              <a:t>&lt;mappings&gt;</a:t>
+            </a:r>
+            <a:r>
+              <a:rPr lang="en-US" sz="2800" dirty="0">
+                <a:latin typeface="Fira Code" panose="020B0509050000020004" pitchFamily="49" charset="0"/>
+                <a:ea typeface="Fira Code" panose="020B0509050000020004" pitchFamily="49" charset="0"/>
+              </a:rPr>
+              <a:t>)) +</a:t>
+            </a:r>
+          </a:p>
+          <a:p>
+            <a:pPr>
+              <a:lnSpc>
+                <a:spcPct val="150000"/>
+              </a:lnSpc>
+            </a:pPr>
+            <a:r>
+              <a:rPr lang="en-US" sz="2800" dirty="0">
+                <a:solidFill>
+                  <a:schemeClr val="accent2">
+                    <a:lumMod val="50000"/>
+                  </a:schemeClr>
+                </a:solidFill>
+                <a:latin typeface="Fira Code" panose="020B0509050000020004" pitchFamily="49" charset="0"/>
+                <a:ea typeface="Fira Code" panose="020B0509050000020004" pitchFamily="49" charset="0"/>
+              </a:rPr>
+              <a:t>  &lt;layer&gt;</a:t>
+            </a:r>
+            <a:r>
+              <a:rPr lang="en-US" sz="2800" dirty="0">
+                <a:latin typeface="Fira Code" panose="020B0509050000020004" pitchFamily="49" charset="0"/>
+                <a:ea typeface="Fira Code" panose="020B0509050000020004" pitchFamily="49" charset="0"/>
+              </a:rPr>
+              <a:t>(</a:t>
+            </a:r>
+            <a:r>
+              <a:rPr lang="en-US" sz="2800" b="1" dirty="0">
+                <a:solidFill>
+                  <a:schemeClr val="accent1">
+                    <a:lumMod val="50000"/>
+                  </a:schemeClr>
+                </a:solidFill>
+                <a:latin typeface="Fira Code" panose="020B0509050000020004" pitchFamily="49" charset="0"/>
+                <a:ea typeface="Fira Code" panose="020B0509050000020004" pitchFamily="49" charset="0"/>
+              </a:rPr>
+              <a:t>data</a:t>
+            </a:r>
+            <a:r>
+              <a:rPr lang="en-US" sz="2800" dirty="0">
+                <a:latin typeface="Fira Code" panose="020B0509050000020004" pitchFamily="49" charset="0"/>
+                <a:ea typeface="Fira Code" panose="020B0509050000020004" pitchFamily="49" charset="0"/>
+              </a:rPr>
+              <a:t> = </a:t>
+            </a:r>
+            <a:r>
+              <a:rPr lang="en-US" sz="2800" dirty="0">
+                <a:solidFill>
+                  <a:schemeClr val="accent2">
+                    <a:lumMod val="50000"/>
+                  </a:schemeClr>
+                </a:solidFill>
+                <a:latin typeface="Fira Code" panose="020B0509050000020004" pitchFamily="49" charset="0"/>
+                <a:ea typeface="Fira Code" panose="020B0509050000020004" pitchFamily="49" charset="0"/>
+              </a:rPr>
+              <a:t>&lt;data&gt;</a:t>
+            </a:r>
+            <a:r>
+              <a:rPr lang="en-US" sz="2800" dirty="0">
+                <a:latin typeface="Fira Code" panose="020B0509050000020004" pitchFamily="49" charset="0"/>
+                <a:ea typeface="Fira Code" panose="020B0509050000020004" pitchFamily="49" charset="0"/>
+              </a:rPr>
+              <a:t>) +</a:t>
+            </a:r>
+          </a:p>
+          <a:p>
+            <a:pPr>
+              <a:lnSpc>
+                <a:spcPct val="150000"/>
+              </a:lnSpc>
+            </a:pPr>
+            <a:r>
+              <a:rPr lang="en-US" sz="2800" dirty="0">
+                <a:latin typeface="Fira Code" panose="020B0509050000020004" pitchFamily="49" charset="0"/>
+                <a:ea typeface="Fira Code" panose="020B0509050000020004" pitchFamily="49" charset="0"/>
+              </a:rPr>
+              <a:t>  </a:t>
+            </a:r>
+            <a:r>
+              <a:rPr lang="en-US" sz="2800" dirty="0">
+                <a:solidFill>
+                  <a:schemeClr val="accent2">
+                    <a:lumMod val="50000"/>
+                  </a:schemeClr>
+                </a:solidFill>
+                <a:latin typeface="Fira Code" panose="020B0509050000020004" pitchFamily="49" charset="0"/>
+                <a:ea typeface="Fira Code" panose="020B0509050000020004" pitchFamily="49" charset="0"/>
+              </a:rPr>
+              <a:t>&lt;layer&gt;</a:t>
+            </a:r>
+            <a:r>
+              <a:rPr lang="en-US" sz="2800" dirty="0">
+                <a:latin typeface="Fira Code" panose="020B0509050000020004" pitchFamily="49" charset="0"/>
+                <a:ea typeface="Fira Code" panose="020B0509050000020004" pitchFamily="49" charset="0"/>
+              </a:rPr>
+              <a:t>(</a:t>
+            </a:r>
+            <a:r>
+              <a:rPr lang="en-US" sz="2800" b="1" dirty="0" err="1">
+                <a:solidFill>
+                  <a:schemeClr val="accent1">
+                    <a:lumMod val="50000"/>
+                  </a:schemeClr>
+                </a:solidFill>
+                <a:latin typeface="Fira Code" panose="020B0509050000020004" pitchFamily="49" charset="0"/>
+                <a:ea typeface="Fira Code" panose="020B0509050000020004" pitchFamily="49" charset="0"/>
+              </a:rPr>
+              <a:t>aes</a:t>
+            </a:r>
+            <a:r>
+              <a:rPr lang="en-US" sz="2800" dirty="0">
+                <a:latin typeface="Fira Code" panose="020B0509050000020004" pitchFamily="49" charset="0"/>
+                <a:ea typeface="Fira Code" panose="020B0509050000020004" pitchFamily="49" charset="0"/>
+              </a:rPr>
+              <a:t>(</a:t>
+            </a:r>
+            <a:r>
+              <a:rPr lang="en-US" sz="2800" dirty="0">
+                <a:solidFill>
+                  <a:schemeClr val="accent2">
+                    <a:lumMod val="50000"/>
+                  </a:schemeClr>
+                </a:solidFill>
+                <a:latin typeface="Fira Code" panose="020B0509050000020004" pitchFamily="49" charset="0"/>
+                <a:ea typeface="Fira Code" panose="020B0509050000020004" pitchFamily="49" charset="0"/>
+              </a:rPr>
+              <a:t>&lt;mappings&gt;</a:t>
+            </a:r>
+            <a:r>
+              <a:rPr lang="en-US" sz="2800" dirty="0">
+                <a:latin typeface="Fira Code" panose="020B0509050000020004" pitchFamily="49" charset="0"/>
+                <a:ea typeface="Fira Code" panose="020B0509050000020004" pitchFamily="49" charset="0"/>
+              </a:rPr>
+              <a:t>), </a:t>
+            </a:r>
+            <a:r>
+              <a:rPr lang="en-US" sz="2800" dirty="0">
+                <a:solidFill>
+                  <a:schemeClr val="accent2">
+                    <a:lumMod val="50000"/>
+                  </a:schemeClr>
+                </a:solidFill>
+                <a:latin typeface="Fira Code" panose="020B0509050000020004" pitchFamily="49" charset="0"/>
+                <a:ea typeface="Fira Code" panose="020B0509050000020004" pitchFamily="49" charset="0"/>
+              </a:rPr>
+              <a:t>&lt;data&gt;</a:t>
+            </a:r>
+            <a:r>
+              <a:rPr lang="en-US" sz="2800" dirty="0">
+                <a:latin typeface="Fira Code" panose="020B0509050000020004" pitchFamily="49" charset="0"/>
+                <a:ea typeface="Fira Code" panose="020B0509050000020004" pitchFamily="49" charset="0"/>
+              </a:rPr>
+              <a:t>) </a:t>
+            </a:r>
+          </a:p>
+        </p:txBody>
+      </p:sp>
+      <p:sp>
+        <p:nvSpPr>
           <p:cNvPr id="5" name="Rectangle 4">
             <a:extLst>
               <a:ext uri="{FF2B5EF4-FFF2-40B4-BE49-F238E27FC236}">
@@ -4593,7 +4920,7 @@
         </p:nvSpPr>
         <p:spPr>
           <a:xfrm>
-            <a:off x="4509989" y="1819381"/>
+            <a:off x="3017889" y="1815007"/>
             <a:ext cx="1370112" cy="403598"/>
           </a:xfrm>
           <a:prstGeom prst="rect">
@@ -4652,7 +4979,7 @@
         </p:nvSpPr>
         <p:spPr>
           <a:xfrm>
-            <a:off x="7083992" y="1829012"/>
+            <a:off x="5619798" y="1815007"/>
             <a:ext cx="2148908" cy="403598"/>
           </a:xfrm>
           <a:prstGeom prst="rect">
@@ -4711,7 +5038,7 @@
         </p:nvSpPr>
         <p:spPr>
           <a:xfrm>
-            <a:off x="3059296" y="2478725"/>
+            <a:off x="1966766" y="2465318"/>
             <a:ext cx="1512002" cy="403598"/>
           </a:xfrm>
           <a:prstGeom prst="rect">
@@ -4770,7 +5097,7 @@
         </p:nvSpPr>
         <p:spPr>
           <a:xfrm>
-            <a:off x="3059296" y="3111254"/>
+            <a:off x="1976851" y="3111254"/>
             <a:ext cx="1512002" cy="403598"/>
           </a:xfrm>
           <a:prstGeom prst="rect">
@@ -4829,7 +5156,7 @@
         </p:nvSpPr>
         <p:spPr>
           <a:xfrm>
-            <a:off x="3059296" y="3762833"/>
+            <a:off x="1976851" y="3751240"/>
             <a:ext cx="1512002" cy="403598"/>
           </a:xfrm>
           <a:prstGeom prst="rect">
@@ -4888,7 +5215,7 @@
         </p:nvSpPr>
         <p:spPr>
           <a:xfrm>
-            <a:off x="5612894" y="2460262"/>
+            <a:off x="4553797" y="2454648"/>
             <a:ext cx="2140455" cy="403598"/>
           </a:xfrm>
           <a:prstGeom prst="rect">
@@ -4947,7 +5274,7 @@
         </p:nvSpPr>
         <p:spPr>
           <a:xfrm>
-            <a:off x="6205439" y="3111254"/>
+            <a:off x="5126672" y="3106760"/>
             <a:ext cx="1370112" cy="403598"/>
           </a:xfrm>
           <a:prstGeom prst="rect">
@@ -5006,7 +5333,7 @@
         </p:nvSpPr>
         <p:spPr>
           <a:xfrm>
-            <a:off x="6205439" y="3751240"/>
+            <a:off x="7259881" y="3751449"/>
             <a:ext cx="1370112" cy="403598"/>
           </a:xfrm>
           <a:prstGeom prst="rect">
@@ -5065,7 +5392,7 @@
         </p:nvSpPr>
         <p:spPr>
           <a:xfrm>
-            <a:off x="8787894" y="3742210"/>
+            <a:off x="4553797" y="3739365"/>
             <a:ext cx="2140455" cy="403598"/>
           </a:xfrm>
           <a:prstGeom prst="rect">
@@ -5112,388 +5439,6 @@
       </p:sp>
       <p:sp>
         <p:nvSpPr>
-          <p:cNvPr id="4" name="TextBox 3">
-            <a:extLst>
-              <a:ext uri="{FF2B5EF4-FFF2-40B4-BE49-F238E27FC236}">
-                <a16:creationId xmlns:a16="http://schemas.microsoft.com/office/drawing/2014/main" id="{D6143DFD-DAEC-E449-B2DA-2B25E7F649B7}"/>
-              </a:ext>
-            </a:extLst>
-          </p:cNvPr>
-          <p:cNvSpPr txBox="1"/>
-          <p:nvPr/>
-        </p:nvSpPr>
-        <p:spPr>
-          <a:xfrm>
-            <a:off x="1481958" y="1627001"/>
-            <a:ext cx="10283584" cy="2611228"/>
-          </a:xfrm>
-          <a:prstGeom prst="rect">
-            <a:avLst/>
-          </a:prstGeom>
-          <a:noFill/>
-        </p:spPr>
-        <p:txBody>
-          <a:bodyPr wrap="none" rtlCol="0">
-            <a:spAutoFit/>
-          </a:bodyPr>
-          <a:lstStyle/>
-          <a:p>
-            <a:pPr>
-              <a:lnSpc>
-                <a:spcPct val="150000"/>
-              </a:lnSpc>
-            </a:pPr>
-            <a:r>
-              <a:rPr lang="en-US" sz="2800" dirty="0" err="1">
-                <a:latin typeface="Fira Code" panose="020B0509050000020004" pitchFamily="49" charset="0"/>
-                <a:ea typeface="Fira Code" panose="020B0509050000020004" pitchFamily="49" charset="0"/>
-              </a:rPr>
-              <a:t>ggplot</a:t>
-            </a:r>
-            <a:r>
-              <a:rPr lang="en-US" sz="2800" dirty="0">
-                <a:latin typeface="Fira Code" panose="020B0509050000020004" pitchFamily="49" charset="0"/>
-                <a:ea typeface="Fira Code" panose="020B0509050000020004" pitchFamily="49" charset="0"/>
-              </a:rPr>
-              <a:t>(</a:t>
-            </a:r>
-            <a:r>
-              <a:rPr lang="en-US" sz="2800" b="1" dirty="0">
-                <a:solidFill>
-                  <a:schemeClr val="accent5">
-                    <a:lumMod val="50000"/>
-                  </a:schemeClr>
-                </a:solidFill>
-                <a:latin typeface="Fira Code" panose="020B0509050000020004" pitchFamily="49" charset="0"/>
-                <a:ea typeface="Fira Code" panose="020B0509050000020004" pitchFamily="49" charset="0"/>
-              </a:rPr>
-              <a:t>data</a:t>
-            </a:r>
-            <a:r>
-              <a:rPr lang="en-US" sz="2800" dirty="0">
-                <a:latin typeface="Fira Code" panose="020B0509050000020004" pitchFamily="49" charset="0"/>
-                <a:ea typeface="Fira Code" panose="020B0509050000020004" pitchFamily="49" charset="0"/>
-              </a:rPr>
-              <a:t> = </a:t>
-            </a:r>
-            <a:r>
-              <a:rPr lang="en-US" sz="2800" dirty="0">
-                <a:solidFill>
-                  <a:schemeClr val="accent2">
-                    <a:lumMod val="50000"/>
-                  </a:schemeClr>
-                </a:solidFill>
-                <a:latin typeface="Fira Code" panose="020B0509050000020004" pitchFamily="49" charset="0"/>
-                <a:ea typeface="Fira Code" panose="020B0509050000020004" pitchFamily="49" charset="0"/>
-              </a:rPr>
-              <a:t>&lt;data&gt;</a:t>
-            </a:r>
-            <a:r>
-              <a:rPr lang="en-US" sz="2800" dirty="0">
-                <a:latin typeface="Fira Code" panose="020B0509050000020004" pitchFamily="49" charset="0"/>
-                <a:ea typeface="Fira Code" panose="020B0509050000020004" pitchFamily="49" charset="0"/>
-              </a:rPr>
-              <a:t>, </a:t>
-            </a:r>
-            <a:r>
-              <a:rPr lang="en-US" sz="2800" b="1" dirty="0" err="1">
-                <a:solidFill>
-                  <a:schemeClr val="accent5">
-                    <a:lumMod val="50000"/>
-                  </a:schemeClr>
-                </a:solidFill>
-                <a:latin typeface="Fira Code" panose="020B0509050000020004" pitchFamily="49" charset="0"/>
-                <a:ea typeface="Fira Code" panose="020B0509050000020004" pitchFamily="49" charset="0"/>
-              </a:rPr>
-              <a:t>aes</a:t>
-            </a:r>
-            <a:r>
-              <a:rPr lang="en-US" sz="2800" dirty="0">
-                <a:latin typeface="Fira Code" panose="020B0509050000020004" pitchFamily="49" charset="0"/>
-                <a:ea typeface="Fira Code" panose="020B0509050000020004" pitchFamily="49" charset="0"/>
-              </a:rPr>
-              <a:t>(</a:t>
-            </a:r>
-            <a:r>
-              <a:rPr lang="en-US" sz="2800" dirty="0">
-                <a:solidFill>
-                  <a:schemeClr val="accent2">
-                    <a:lumMod val="50000"/>
-                  </a:schemeClr>
-                </a:solidFill>
-                <a:latin typeface="Fira Code" panose="020B0509050000020004" pitchFamily="49" charset="0"/>
-                <a:ea typeface="Fira Code" panose="020B0509050000020004" pitchFamily="49" charset="0"/>
-              </a:rPr>
-              <a:t>&lt;mappings&gt;</a:t>
-            </a:r>
-            <a:r>
-              <a:rPr lang="en-US" sz="2800" dirty="0">
-                <a:latin typeface="Fira Code" panose="020B0509050000020004" pitchFamily="49" charset="0"/>
-                <a:ea typeface="Fira Code" panose="020B0509050000020004" pitchFamily="49" charset="0"/>
-              </a:rPr>
-              <a:t>)) +</a:t>
-            </a:r>
-          </a:p>
-          <a:p>
-            <a:pPr>
-              <a:lnSpc>
-                <a:spcPct val="150000"/>
-              </a:lnSpc>
-            </a:pPr>
-            <a:r>
-              <a:rPr lang="en-US" sz="2800" dirty="0">
-                <a:latin typeface="Fira Code" panose="020B0509050000020004" pitchFamily="49" charset="0"/>
-                <a:ea typeface="Fira Code" panose="020B0509050000020004" pitchFamily="49" charset="0"/>
-              </a:rPr>
-              <a:t>       </a:t>
-            </a:r>
-            <a:r>
-              <a:rPr lang="en-US" sz="2800" dirty="0">
-                <a:solidFill>
-                  <a:schemeClr val="accent2">
-                    <a:lumMod val="50000"/>
-                  </a:schemeClr>
-                </a:solidFill>
-                <a:latin typeface="Fira Code" panose="020B0509050000020004" pitchFamily="49" charset="0"/>
-                <a:ea typeface="Fira Code" panose="020B0509050000020004" pitchFamily="49" charset="0"/>
-              </a:rPr>
-              <a:t>&lt;layer&gt;</a:t>
-            </a:r>
-            <a:r>
-              <a:rPr lang="en-US" sz="2800" dirty="0">
-                <a:latin typeface="Fira Code" panose="020B0509050000020004" pitchFamily="49" charset="0"/>
-                <a:ea typeface="Fira Code" panose="020B0509050000020004" pitchFamily="49" charset="0"/>
-              </a:rPr>
-              <a:t>(</a:t>
-            </a:r>
-            <a:r>
-              <a:rPr lang="en-US" sz="2800" b="1" dirty="0" err="1">
-                <a:solidFill>
-                  <a:schemeClr val="accent1">
-                    <a:lumMod val="50000"/>
-                  </a:schemeClr>
-                </a:solidFill>
-                <a:latin typeface="Fira Code" panose="020B0509050000020004" pitchFamily="49" charset="0"/>
-                <a:ea typeface="Fira Code" panose="020B0509050000020004" pitchFamily="49" charset="0"/>
-              </a:rPr>
-              <a:t>aes</a:t>
-            </a:r>
-            <a:r>
-              <a:rPr lang="en-US" sz="2800" dirty="0">
-                <a:latin typeface="Fira Code" panose="020B0509050000020004" pitchFamily="49" charset="0"/>
-                <a:ea typeface="Fira Code" panose="020B0509050000020004" pitchFamily="49" charset="0"/>
-              </a:rPr>
-              <a:t>(</a:t>
-            </a:r>
-            <a:r>
-              <a:rPr lang="en-US" sz="2800" dirty="0">
-                <a:solidFill>
-                  <a:schemeClr val="accent2">
-                    <a:lumMod val="50000"/>
-                  </a:schemeClr>
-                </a:solidFill>
-                <a:latin typeface="Fira Code" panose="020B0509050000020004" pitchFamily="49" charset="0"/>
-                <a:ea typeface="Fira Code" panose="020B0509050000020004" pitchFamily="49" charset="0"/>
-              </a:rPr>
-              <a:t>&lt;mappings&gt;</a:t>
-            </a:r>
-            <a:r>
-              <a:rPr lang="en-US" sz="2800" dirty="0">
-                <a:latin typeface="Fira Code" panose="020B0509050000020004" pitchFamily="49" charset="0"/>
-                <a:ea typeface="Fira Code" panose="020B0509050000020004" pitchFamily="49" charset="0"/>
-              </a:rPr>
-              <a:t>)) +</a:t>
-            </a:r>
-          </a:p>
-          <a:p>
-            <a:pPr>
-              <a:lnSpc>
-                <a:spcPct val="150000"/>
-              </a:lnSpc>
-            </a:pPr>
-            <a:r>
-              <a:rPr lang="en-US" sz="2800" dirty="0">
-                <a:solidFill>
-                  <a:schemeClr val="accent2">
-                    <a:lumMod val="50000"/>
-                  </a:schemeClr>
-                </a:solidFill>
-                <a:latin typeface="Fira Code" panose="020B0509050000020004" pitchFamily="49" charset="0"/>
-                <a:ea typeface="Fira Code" panose="020B0509050000020004" pitchFamily="49" charset="0"/>
-              </a:rPr>
-              <a:t>       &lt;layer&gt;</a:t>
-            </a:r>
-            <a:r>
-              <a:rPr lang="en-US" sz="2800" dirty="0">
-                <a:latin typeface="Fira Code" panose="020B0509050000020004" pitchFamily="49" charset="0"/>
-                <a:ea typeface="Fira Code" panose="020B0509050000020004" pitchFamily="49" charset="0"/>
-              </a:rPr>
-              <a:t>(</a:t>
-            </a:r>
-            <a:r>
-              <a:rPr lang="en-US" sz="2800" b="1" dirty="0">
-                <a:solidFill>
-                  <a:schemeClr val="accent1">
-                    <a:lumMod val="50000"/>
-                  </a:schemeClr>
-                </a:solidFill>
-                <a:latin typeface="Fira Code" panose="020B0509050000020004" pitchFamily="49" charset="0"/>
-                <a:ea typeface="Fira Code" panose="020B0509050000020004" pitchFamily="49" charset="0"/>
-              </a:rPr>
-              <a:t>data</a:t>
-            </a:r>
-            <a:r>
-              <a:rPr lang="en-US" sz="2800" dirty="0">
-                <a:latin typeface="Fira Code" panose="020B0509050000020004" pitchFamily="49" charset="0"/>
-                <a:ea typeface="Fira Code" panose="020B0509050000020004" pitchFamily="49" charset="0"/>
-              </a:rPr>
-              <a:t> = </a:t>
-            </a:r>
-            <a:r>
-              <a:rPr lang="en-US" sz="2800" dirty="0">
-                <a:solidFill>
-                  <a:schemeClr val="accent2">
-                    <a:lumMod val="50000"/>
-                  </a:schemeClr>
-                </a:solidFill>
-                <a:latin typeface="Fira Code" panose="020B0509050000020004" pitchFamily="49" charset="0"/>
-                <a:ea typeface="Fira Code" panose="020B0509050000020004" pitchFamily="49" charset="0"/>
-              </a:rPr>
-              <a:t>&lt;data&gt;</a:t>
-            </a:r>
-            <a:r>
-              <a:rPr lang="en-US" sz="2800" dirty="0">
-                <a:latin typeface="Fira Code" panose="020B0509050000020004" pitchFamily="49" charset="0"/>
-                <a:ea typeface="Fira Code" panose="020B0509050000020004" pitchFamily="49" charset="0"/>
-              </a:rPr>
-              <a:t>) +</a:t>
-            </a:r>
-          </a:p>
-          <a:p>
-            <a:pPr>
-              <a:lnSpc>
-                <a:spcPct val="150000"/>
-              </a:lnSpc>
-            </a:pPr>
-            <a:r>
-              <a:rPr lang="en-US" sz="2800" dirty="0">
-                <a:latin typeface="Fira Code" panose="020B0509050000020004" pitchFamily="49" charset="0"/>
-                <a:ea typeface="Fira Code" panose="020B0509050000020004" pitchFamily="49" charset="0"/>
-              </a:rPr>
-              <a:t>  </a:t>
-            </a:r>
-            <a:r>
-              <a:rPr lang="en-US" sz="2800" b="1" dirty="0">
-                <a:solidFill>
-                  <a:schemeClr val="accent5">
-                    <a:lumMod val="50000"/>
-                  </a:schemeClr>
-                </a:solidFill>
-                <a:latin typeface="Fira Code" panose="020B0509050000020004" pitchFamily="49" charset="0"/>
-                <a:ea typeface="Fira Code" panose="020B0509050000020004" pitchFamily="49" charset="0"/>
-              </a:rPr>
-              <a:t>     </a:t>
-            </a:r>
-            <a:r>
-              <a:rPr lang="en-US" sz="2800" dirty="0">
-                <a:solidFill>
-                  <a:schemeClr val="accent2">
-                    <a:lumMod val="50000"/>
-                  </a:schemeClr>
-                </a:solidFill>
-                <a:latin typeface="Fira Code" panose="020B0509050000020004" pitchFamily="49" charset="0"/>
-                <a:ea typeface="Fira Code" panose="020B0509050000020004" pitchFamily="49" charset="0"/>
-              </a:rPr>
-              <a:t>&lt;layer&gt;</a:t>
-            </a:r>
-            <a:r>
-              <a:rPr lang="en-US" sz="2800" dirty="0">
-                <a:latin typeface="Fira Code" panose="020B0509050000020004" pitchFamily="49" charset="0"/>
-                <a:ea typeface="Fira Code" panose="020B0509050000020004" pitchFamily="49" charset="0"/>
-              </a:rPr>
-              <a:t>(</a:t>
-            </a:r>
-            <a:r>
-              <a:rPr lang="en-US" sz="2800" b="1" dirty="0">
-                <a:solidFill>
-                  <a:schemeClr val="accent1">
-                    <a:lumMod val="50000"/>
-                  </a:schemeClr>
-                </a:solidFill>
-                <a:latin typeface="Fira Code" panose="020B0509050000020004" pitchFamily="49" charset="0"/>
-                <a:ea typeface="Fira Code" panose="020B0509050000020004" pitchFamily="49" charset="0"/>
-              </a:rPr>
-              <a:t>data</a:t>
-            </a:r>
-            <a:r>
-              <a:rPr lang="en-US" sz="2800" dirty="0">
-                <a:latin typeface="Fira Code" panose="020B0509050000020004" pitchFamily="49" charset="0"/>
-                <a:ea typeface="Fira Code" panose="020B0509050000020004" pitchFamily="49" charset="0"/>
-              </a:rPr>
-              <a:t> = </a:t>
-            </a:r>
-            <a:r>
-              <a:rPr lang="en-US" sz="2800" dirty="0">
-                <a:solidFill>
-                  <a:schemeClr val="accent2">
-                    <a:lumMod val="50000"/>
-                  </a:schemeClr>
-                </a:solidFill>
-                <a:latin typeface="Fira Code" panose="020B0509050000020004" pitchFamily="49" charset="0"/>
-                <a:ea typeface="Fira Code" panose="020B0509050000020004" pitchFamily="49" charset="0"/>
-              </a:rPr>
-              <a:t>&lt;data&gt;</a:t>
-            </a:r>
-            <a:r>
-              <a:rPr lang="en-US" sz="2800" dirty="0">
-                <a:latin typeface="Fira Code" panose="020B0509050000020004" pitchFamily="49" charset="0"/>
-                <a:ea typeface="Fira Code" panose="020B0509050000020004" pitchFamily="49" charset="0"/>
-              </a:rPr>
-              <a:t>, </a:t>
-            </a:r>
-            <a:r>
-              <a:rPr lang="en-US" sz="2800" b="1" dirty="0" err="1">
-                <a:solidFill>
-                  <a:schemeClr val="accent1">
-                    <a:lumMod val="50000"/>
-                  </a:schemeClr>
-                </a:solidFill>
-                <a:latin typeface="Fira Code" panose="020B0509050000020004" pitchFamily="49" charset="0"/>
-                <a:ea typeface="Fira Code" panose="020B0509050000020004" pitchFamily="49" charset="0"/>
-              </a:rPr>
-              <a:t>aes</a:t>
-            </a:r>
-            <a:r>
-              <a:rPr lang="en-US" sz="2800" dirty="0">
-                <a:latin typeface="Fira Code" panose="020B0509050000020004" pitchFamily="49" charset="0"/>
-                <a:ea typeface="Fira Code" panose="020B0509050000020004" pitchFamily="49" charset="0"/>
-              </a:rPr>
-              <a:t>(</a:t>
-            </a:r>
-            <a:r>
-              <a:rPr lang="en-US" sz="2800" dirty="0">
-                <a:solidFill>
-                  <a:schemeClr val="accent2">
-                    <a:lumMod val="50000"/>
-                  </a:schemeClr>
-                </a:solidFill>
-                <a:latin typeface="Fira Code" panose="020B0509050000020004" pitchFamily="49" charset="0"/>
-                <a:ea typeface="Fira Code" panose="020B0509050000020004" pitchFamily="49" charset="0"/>
-              </a:rPr>
-              <a:t>&lt;mappings&gt;</a:t>
-            </a:r>
-            <a:r>
-              <a:rPr lang="en-US" sz="2800" dirty="0">
-                <a:latin typeface="Fira Code" panose="020B0509050000020004" pitchFamily="49" charset="0"/>
-                <a:ea typeface="Fira Code" panose="020B0509050000020004" pitchFamily="49" charset="0"/>
-              </a:rPr>
-              <a:t>)) </a:t>
-            </a:r>
-          </a:p>
-        </p:txBody>
-      </p:sp>
-      <p:sp>
-        <p:nvSpPr>
           <p:cNvPr id="37" name="TextBox 36">
             <a:extLst>
               <a:ext uri="{FF2B5EF4-FFF2-40B4-BE49-F238E27FC236}">
@@ -5558,7 +5503,7 @@
         </p:nvCxnSpPr>
         <p:spPr>
           <a:xfrm>
-            <a:off x="8911941" y="2232610"/>
+            <a:off x="7543308" y="2218605"/>
             <a:ext cx="0" cy="956599"/>
           </a:xfrm>
           <a:prstGeom prst="line">
@@ -5601,7 +5546,7 @@
         </p:nvCxnSpPr>
         <p:spPr>
           <a:xfrm>
-            <a:off x="8907319" y="3189209"/>
+            <a:off x="7542979" y="3175204"/>
             <a:ext cx="1" cy="468361"/>
           </a:xfrm>
           <a:prstGeom prst="straightConnector1">
@@ -5645,8 +5590,8 @@
         </p:nvCxnSpPr>
         <p:spPr>
           <a:xfrm flipH="1">
-            <a:off x="7716980" y="3189209"/>
-            <a:ext cx="1190340" cy="0"/>
+            <a:off x="6639010" y="3175204"/>
+            <a:ext cx="908920" cy="0"/>
           </a:xfrm>
           <a:prstGeom prst="straightConnector1">
             <a:avLst/>
@@ -5689,8 +5634,8 @@
         </p:nvCxnSpPr>
         <p:spPr>
           <a:xfrm flipH="1">
-            <a:off x="8134776" y="2547859"/>
-            <a:ext cx="772543" cy="0"/>
+            <a:off x="7057623" y="2533854"/>
+            <a:ext cx="481065" cy="0"/>
           </a:xfrm>
           <a:prstGeom prst="straightConnector1">
             <a:avLst/>
@@ -5733,7 +5678,7 @@
         </p:nvCxnSpPr>
         <p:spPr>
           <a:xfrm>
-            <a:off x="5405579" y="2218605"/>
+            <a:off x="3759197" y="2221969"/>
             <a:ext cx="0" cy="89442"/>
           </a:xfrm>
           <a:prstGeom prst="line">
@@ -5775,9 +5720,9 @@
           <p:nvPr/>
         </p:nvCxnSpPr>
         <p:spPr>
-          <a:xfrm flipH="1">
-            <a:off x="5399230" y="2308047"/>
-            <a:ext cx="3508089" cy="2997"/>
+          <a:xfrm flipH="1" flipV="1">
+            <a:off x="3753016" y="2308047"/>
+            <a:ext cx="3794914" cy="2997"/>
           </a:xfrm>
           <a:prstGeom prst="line">
             <a:avLst/>
@@ -5835,6 +5780,256 @@
       </p:grpSpPr>
       <p:sp>
         <p:nvSpPr>
+          <p:cNvPr id="6" name="TextBox 5">
+            <a:extLst>
+              <a:ext uri="{FF2B5EF4-FFF2-40B4-BE49-F238E27FC236}">
+                <a16:creationId xmlns:a16="http://schemas.microsoft.com/office/drawing/2014/main" id="{BBA362A0-5E0A-7C46-80B9-A2EB286C0F5B}"/>
+              </a:ext>
+            </a:extLst>
+          </p:cNvPr>
+          <p:cNvSpPr txBox="1"/>
+          <p:nvPr/>
+        </p:nvSpPr>
+        <p:spPr>
+          <a:xfrm>
+            <a:off x="44241" y="1578140"/>
+            <a:ext cx="15546775" cy="672235"/>
+          </a:xfrm>
+          <a:prstGeom prst="rect">
+            <a:avLst/>
+          </a:prstGeom>
+          <a:noFill/>
+        </p:spPr>
+        <p:txBody>
+          <a:bodyPr wrap="square" rtlCol="0">
+            <a:spAutoFit/>
+          </a:bodyPr>
+          <a:lstStyle/>
+          <a:p>
+            <a:pPr>
+              <a:lnSpc>
+                <a:spcPct val="150000"/>
+              </a:lnSpc>
+            </a:pPr>
+            <a:r>
+              <a:rPr lang="en-US" sz="2800" dirty="0" err="1">
+                <a:latin typeface="Fira Code" panose="020B0509050000020004" pitchFamily="49" charset="0"/>
+                <a:ea typeface="Fira Code" panose="020B0509050000020004" pitchFamily="49" charset="0"/>
+              </a:rPr>
+              <a:t>ggplot</a:t>
+            </a:r>
+            <a:r>
+              <a:rPr lang="en-US" sz="2800" dirty="0">
+                <a:latin typeface="Fira Code" panose="020B0509050000020004" pitchFamily="49" charset="0"/>
+                <a:ea typeface="Fira Code" panose="020B0509050000020004" pitchFamily="49" charset="0"/>
+              </a:rPr>
+              <a:t>(</a:t>
+            </a:r>
+            <a:r>
+              <a:rPr lang="en-US" sz="2800" dirty="0">
+                <a:solidFill>
+                  <a:schemeClr val="bg2">
+                    <a:lumMod val="75000"/>
+                  </a:schemeClr>
+                </a:solidFill>
+                <a:latin typeface="Fira Code" panose="020B0509050000020004" pitchFamily="49" charset="0"/>
+                <a:ea typeface="Fira Code" panose="020B0509050000020004" pitchFamily="49" charset="0"/>
+              </a:rPr>
+              <a:t>data =</a:t>
+            </a:r>
+            <a:r>
+              <a:rPr lang="en-US" sz="2800" dirty="0">
+                <a:solidFill>
+                  <a:srgbClr val="FF0000"/>
+                </a:solidFill>
+                <a:latin typeface="Fira Code" panose="020B0509050000020004" pitchFamily="49" charset="0"/>
+                <a:ea typeface="Fira Code" panose="020B0509050000020004" pitchFamily="49" charset="0"/>
+              </a:rPr>
+              <a:t> </a:t>
+            </a:r>
+            <a:r>
+              <a:rPr lang="en-US" sz="2800" dirty="0">
+                <a:solidFill>
+                  <a:schemeClr val="accent2">
+                    <a:lumMod val="50000"/>
+                  </a:schemeClr>
+                </a:solidFill>
+                <a:latin typeface="Fira Code" panose="020B0509050000020004" pitchFamily="49" charset="0"/>
+                <a:ea typeface="Fira Code" panose="020B0509050000020004" pitchFamily="49" charset="0"/>
+              </a:rPr>
+              <a:t>&lt;data&gt;</a:t>
+            </a:r>
+            <a:r>
+              <a:rPr lang="en-US" sz="2800" dirty="0">
+                <a:latin typeface="Fira Code" panose="020B0509050000020004" pitchFamily="49" charset="0"/>
+                <a:ea typeface="Fira Code" panose="020B0509050000020004" pitchFamily="49" charset="0"/>
+              </a:rPr>
+              <a:t>,</a:t>
+            </a:r>
+            <a:r>
+              <a:rPr lang="en-US" sz="2800" b="1" dirty="0">
+                <a:solidFill>
+                  <a:schemeClr val="accent5">
+                    <a:lumMod val="50000"/>
+                  </a:schemeClr>
+                </a:solidFill>
+                <a:latin typeface="Fira Code" panose="020B0509050000020004" pitchFamily="49" charset="0"/>
+                <a:ea typeface="Fira Code" panose="020B0509050000020004" pitchFamily="49" charset="0"/>
+              </a:rPr>
+              <a:t> </a:t>
+            </a:r>
+            <a:r>
+              <a:rPr lang="en-US" sz="2800" dirty="0">
+                <a:solidFill>
+                  <a:schemeClr val="bg2">
+                    <a:lumMod val="75000"/>
+                  </a:schemeClr>
+                </a:solidFill>
+                <a:latin typeface="Fira Code" panose="020B0509050000020004" pitchFamily="49" charset="0"/>
+                <a:ea typeface="Fira Code" panose="020B0509050000020004" pitchFamily="49" charset="0"/>
+              </a:rPr>
+              <a:t>mapping =</a:t>
+            </a:r>
+            <a:r>
+              <a:rPr lang="en-US" sz="2800" b="1" dirty="0">
+                <a:solidFill>
+                  <a:schemeClr val="accent5">
+                    <a:lumMod val="50000"/>
+                  </a:schemeClr>
+                </a:solidFill>
+                <a:latin typeface="Fira Code" panose="020B0509050000020004" pitchFamily="49" charset="0"/>
+                <a:ea typeface="Fira Code" panose="020B0509050000020004" pitchFamily="49" charset="0"/>
+              </a:rPr>
+              <a:t> </a:t>
+            </a:r>
+            <a:r>
+              <a:rPr lang="en-US" sz="2800" b="1" dirty="0" err="1">
+                <a:solidFill>
+                  <a:schemeClr val="accent5">
+                    <a:lumMod val="50000"/>
+                  </a:schemeClr>
+                </a:solidFill>
+                <a:latin typeface="Fira Code" panose="020B0509050000020004" pitchFamily="49" charset="0"/>
+                <a:ea typeface="Fira Code" panose="020B0509050000020004" pitchFamily="49" charset="0"/>
+              </a:rPr>
+              <a:t>aes</a:t>
+            </a:r>
+            <a:r>
+              <a:rPr lang="en-US" sz="2800" dirty="0">
+                <a:latin typeface="Fira Code" panose="020B0509050000020004" pitchFamily="49" charset="0"/>
+                <a:ea typeface="Fira Code" panose="020B0509050000020004" pitchFamily="49" charset="0"/>
+              </a:rPr>
+              <a:t>(</a:t>
+            </a:r>
+            <a:r>
+              <a:rPr lang="en-US" sz="2800" dirty="0">
+                <a:solidFill>
+                  <a:schemeClr val="bg2">
+                    <a:lumMod val="75000"/>
+                  </a:schemeClr>
+                </a:solidFill>
+                <a:latin typeface="Fira Code" panose="020B0509050000020004" pitchFamily="49" charset="0"/>
+                <a:ea typeface="Fira Code" panose="020B0509050000020004" pitchFamily="49" charset="0"/>
+              </a:rPr>
+              <a:t>x =</a:t>
+            </a:r>
+            <a:r>
+              <a:rPr lang="en-US" sz="2800" dirty="0">
+                <a:latin typeface="Fira Code" panose="020B0509050000020004" pitchFamily="49" charset="0"/>
+                <a:ea typeface="Fira Code" panose="020B0509050000020004" pitchFamily="49" charset="0"/>
+              </a:rPr>
+              <a:t> </a:t>
+            </a:r>
+            <a:r>
+              <a:rPr lang="en-US" sz="2800" dirty="0">
+                <a:solidFill>
+                  <a:schemeClr val="accent2">
+                    <a:lumMod val="50000"/>
+                  </a:schemeClr>
+                </a:solidFill>
+                <a:latin typeface="Fira Code" panose="020B0509050000020004" pitchFamily="49" charset="0"/>
+                <a:ea typeface="Fira Code" panose="020B0509050000020004" pitchFamily="49" charset="0"/>
+              </a:rPr>
+              <a:t>&lt;x&gt;</a:t>
+            </a:r>
+            <a:r>
+              <a:rPr lang="en-US" sz="2800" dirty="0">
+                <a:latin typeface="Fira Code" panose="020B0509050000020004" pitchFamily="49" charset="0"/>
+                <a:ea typeface="Fira Code" panose="020B0509050000020004" pitchFamily="49" charset="0"/>
+              </a:rPr>
+              <a:t>, </a:t>
+            </a:r>
+            <a:r>
+              <a:rPr lang="en-US" sz="2800" dirty="0">
+                <a:solidFill>
+                  <a:schemeClr val="bg2">
+                    <a:lumMod val="75000"/>
+                  </a:schemeClr>
+                </a:solidFill>
+                <a:latin typeface="Fira Code" panose="020B0509050000020004" pitchFamily="49" charset="0"/>
+                <a:ea typeface="Fira Code" panose="020B0509050000020004" pitchFamily="49" charset="0"/>
+              </a:rPr>
+              <a:t>y =</a:t>
+            </a:r>
+            <a:r>
+              <a:rPr lang="en-US" sz="2800" dirty="0">
+                <a:latin typeface="Fira Code" panose="020B0509050000020004" pitchFamily="49" charset="0"/>
+                <a:ea typeface="Fira Code" panose="020B0509050000020004" pitchFamily="49" charset="0"/>
+              </a:rPr>
+              <a:t> </a:t>
+            </a:r>
+            <a:r>
+              <a:rPr lang="en-US" sz="2800" dirty="0">
+                <a:solidFill>
+                  <a:schemeClr val="accent2">
+                    <a:lumMod val="50000"/>
+                  </a:schemeClr>
+                </a:solidFill>
+                <a:latin typeface="Fira Code" panose="020B0509050000020004" pitchFamily="49" charset="0"/>
+                <a:ea typeface="Fira Code" panose="020B0509050000020004" pitchFamily="49" charset="0"/>
+              </a:rPr>
+              <a:t>&lt;y&gt;</a:t>
+            </a:r>
+            <a:r>
+              <a:rPr lang="en-US" sz="2800" dirty="0">
+                <a:latin typeface="Fira Code" panose="020B0509050000020004" pitchFamily="49" charset="0"/>
+                <a:ea typeface="Fira Code" panose="020B0509050000020004" pitchFamily="49" charset="0"/>
+              </a:rPr>
+              <a:t>, </a:t>
+            </a:r>
+            <a:r>
+              <a:rPr lang="en-US" sz="2800" dirty="0">
+                <a:solidFill>
+                  <a:schemeClr val="accent2">
+                    <a:lumMod val="50000"/>
+                  </a:schemeClr>
+                </a:solidFill>
+                <a:latin typeface="Fira Code" panose="020B0509050000020004" pitchFamily="49" charset="0"/>
+                <a:ea typeface="Fira Code" panose="020B0509050000020004" pitchFamily="49" charset="0"/>
+              </a:rPr>
+              <a:t>&lt;other mappings&gt;</a:t>
+            </a:r>
+            <a:r>
+              <a:rPr lang="en-US" sz="2800" dirty="0">
+                <a:latin typeface="Fira Code" panose="020B0509050000020004" pitchFamily="49" charset="0"/>
+                <a:ea typeface="Fira Code" panose="020B0509050000020004" pitchFamily="49" charset="0"/>
+              </a:rPr>
+              <a:t>))</a:t>
+            </a:r>
+            <a:endParaRPr lang="en-US" sz="2800" dirty="0">
+              <a:solidFill>
+                <a:schemeClr val="bg2">
+                  <a:lumMod val="75000"/>
+                </a:schemeClr>
+              </a:solidFill>
+              <a:latin typeface="Fira Code" panose="020B0509050000020004" pitchFamily="49" charset="0"/>
+              <a:ea typeface="Fira Code" panose="020B0509050000020004" pitchFamily="49" charset="0"/>
+            </a:endParaRPr>
+          </a:p>
+        </p:txBody>
+      </p:sp>
+      <p:sp>
+        <p:nvSpPr>
           <p:cNvPr id="7" name="Rectangle 6">
             <a:extLst>
               <a:ext uri="{FF2B5EF4-FFF2-40B4-BE49-F238E27FC236}">
@@ -5847,7 +6042,7 @@
         </p:nvSpPr>
         <p:spPr>
           <a:xfrm>
-            <a:off x="4509989" y="1801484"/>
+            <a:off x="3080023" y="1776707"/>
             <a:ext cx="1339096" cy="413265"/>
           </a:xfrm>
           <a:prstGeom prst="rect">
@@ -5906,7 +6101,7 @@
         </p:nvSpPr>
         <p:spPr>
           <a:xfrm>
-            <a:off x="6648449" y="2478469"/>
+            <a:off x="11620153" y="1776635"/>
             <a:ext cx="3395261" cy="403598"/>
           </a:xfrm>
           <a:prstGeom prst="rect">
@@ -5968,7 +6163,7 @@
         </p:nvSpPr>
         <p:spPr>
           <a:xfrm>
-            <a:off x="3689349" y="2478469"/>
+            <a:off x="8613946" y="1756962"/>
             <a:ext cx="670283" cy="403598"/>
           </a:xfrm>
           <a:prstGeom prst="rect">
@@ -6027,7 +6222,7 @@
         </p:nvSpPr>
         <p:spPr>
           <a:xfrm>
-            <a:off x="5581649" y="2499725"/>
+            <a:off x="10512283" y="1771235"/>
             <a:ext cx="670283" cy="403598"/>
           </a:xfrm>
           <a:prstGeom prst="rect">
@@ -6074,10 +6269,10 @@
       </p:sp>
       <p:sp>
         <p:nvSpPr>
-          <p:cNvPr id="11" name="Rectangle 10">
-            <a:extLst>
-              <a:ext uri="{FF2B5EF4-FFF2-40B4-BE49-F238E27FC236}">
-                <a16:creationId xmlns:a16="http://schemas.microsoft.com/office/drawing/2014/main" id="{7B60B18E-6578-1746-A1DA-1FAD7F4AB03C}"/>
+          <p:cNvPr id="12" name="Rectangle 11">
+            <a:extLst>
+              <a:ext uri="{FF2B5EF4-FFF2-40B4-BE49-F238E27FC236}">
+                <a16:creationId xmlns:a16="http://schemas.microsoft.com/office/drawing/2014/main" id="{107097A5-BA91-E14B-B2AC-B2327605E7A2}"/>
               </a:ext>
             </a:extLst>
           </p:cNvPr>
@@ -6086,8 +6281,8 @@
         </p:nvSpPr>
         <p:spPr>
           <a:xfrm>
-            <a:off x="1960463" y="3089712"/>
-            <a:ext cx="2582563" cy="481767"/>
+            <a:off x="1589090" y="1747295"/>
+            <a:ext cx="1398607" cy="422932"/>
           </a:xfrm>
           <a:prstGeom prst="rect">
             <a:avLst/>
@@ -6132,10 +6327,10 @@
       </p:sp>
       <p:sp>
         <p:nvSpPr>
-          <p:cNvPr id="12" name="Rectangle 11">
-            <a:extLst>
-              <a:ext uri="{FF2B5EF4-FFF2-40B4-BE49-F238E27FC236}">
-                <a16:creationId xmlns:a16="http://schemas.microsoft.com/office/drawing/2014/main" id="{107097A5-BA91-E14B-B2AC-B2327605E7A2}"/>
+          <p:cNvPr id="16" name="Rectangle 15">
+            <a:extLst>
+              <a:ext uri="{FF2B5EF4-FFF2-40B4-BE49-F238E27FC236}">
+                <a16:creationId xmlns:a16="http://schemas.microsoft.com/office/drawing/2014/main" id="{D7D19249-C338-B84B-9B22-935AF65A3B47}"/>
               </a:ext>
             </a:extLst>
           </p:cNvPr>
@@ -6144,8 +6339,8 @@
         </p:nvSpPr>
         <p:spPr>
           <a:xfrm>
-            <a:off x="3046313" y="1791818"/>
-            <a:ext cx="1398607" cy="422932"/>
+            <a:off x="4721880" y="1747295"/>
+            <a:ext cx="2102990" cy="422932"/>
           </a:xfrm>
           <a:prstGeom prst="rect">
             <a:avLst/>
@@ -6190,10 +6385,10 @@
       </p:sp>
       <p:sp>
         <p:nvSpPr>
-          <p:cNvPr id="16" name="Rectangle 15">
-            <a:extLst>
-              <a:ext uri="{FF2B5EF4-FFF2-40B4-BE49-F238E27FC236}">
-                <a16:creationId xmlns:a16="http://schemas.microsoft.com/office/drawing/2014/main" id="{D7D19249-C338-B84B-9B22-935AF65A3B47}"/>
+          <p:cNvPr id="17" name="Rectangle 16">
+            <a:extLst>
+              <a:ext uri="{FF2B5EF4-FFF2-40B4-BE49-F238E27FC236}">
+                <a16:creationId xmlns:a16="http://schemas.microsoft.com/office/drawing/2014/main" id="{09B39029-9C78-BD4F-B06E-4D3434E6ABCE}"/>
               </a:ext>
             </a:extLst>
           </p:cNvPr>
@@ -6202,8 +6397,8 @@
         </p:nvSpPr>
         <p:spPr>
           <a:xfrm>
-            <a:off x="2822936" y="2474041"/>
-            <a:ext cx="804610" cy="422932"/>
+            <a:off x="9576257" y="1763455"/>
+            <a:ext cx="909521" cy="422932"/>
           </a:xfrm>
           <a:prstGeom prst="rect">
             <a:avLst/>
@@ -6248,10 +6443,10 @@
       </p:sp>
       <p:sp>
         <p:nvSpPr>
-          <p:cNvPr id="17" name="Rectangle 16">
-            <a:extLst>
-              <a:ext uri="{FF2B5EF4-FFF2-40B4-BE49-F238E27FC236}">
-                <a16:creationId xmlns:a16="http://schemas.microsoft.com/office/drawing/2014/main" id="{09B39029-9C78-BD4F-B06E-4D3434E6ABCE}"/>
+          <p:cNvPr id="13" name="Rectangle 12">
+            <a:extLst>
+              <a:ext uri="{FF2B5EF4-FFF2-40B4-BE49-F238E27FC236}">
+                <a16:creationId xmlns:a16="http://schemas.microsoft.com/office/drawing/2014/main" id="{888596E4-AD4C-1641-BBF7-B59E281D889A}"/>
               </a:ext>
             </a:extLst>
           </p:cNvPr>
@@ -6260,7 +6455,7 @@
         </p:nvSpPr>
         <p:spPr>
           <a:xfrm>
-            <a:off x="4735693" y="2486741"/>
+            <a:off x="7772883" y="1747295"/>
             <a:ext cx="804610" cy="422932"/>
           </a:xfrm>
           <a:prstGeom prst="rect">
@@ -6301,280 +6496,6 @@
           <a:p>
             <a:pPr algn="ctr"/>
             <a:endParaRPr lang="en-US"/>
-          </a:p>
-        </p:txBody>
-      </p:sp>
-      <p:sp>
-        <p:nvSpPr>
-          <p:cNvPr id="6" name="TextBox 5">
-            <a:extLst>
-              <a:ext uri="{FF2B5EF4-FFF2-40B4-BE49-F238E27FC236}">
-                <a16:creationId xmlns:a16="http://schemas.microsoft.com/office/drawing/2014/main" id="{BBA362A0-5E0A-7C46-80B9-A2EB286C0F5B}"/>
-              </a:ext>
-            </a:extLst>
-          </p:cNvPr>
-          <p:cNvSpPr txBox="1"/>
-          <p:nvPr/>
-        </p:nvSpPr>
-        <p:spPr>
-          <a:xfrm>
-            <a:off x="1481958" y="1627001"/>
-            <a:ext cx="9550219" cy="1964897"/>
-          </a:xfrm>
-          <a:prstGeom prst="rect">
-            <a:avLst/>
-          </a:prstGeom>
-          <a:noFill/>
-        </p:spPr>
-        <p:txBody>
-          <a:bodyPr wrap="square" rtlCol="0">
-            <a:spAutoFit/>
-          </a:bodyPr>
-          <a:lstStyle/>
-          <a:p>
-            <a:pPr>
-              <a:lnSpc>
-                <a:spcPct val="150000"/>
-              </a:lnSpc>
-            </a:pPr>
-            <a:r>
-              <a:rPr lang="en-US" sz="2800" dirty="0" err="1">
-                <a:latin typeface="Fira Code" panose="020B0509050000020004" pitchFamily="49" charset="0"/>
-                <a:ea typeface="Fira Code" panose="020B0509050000020004" pitchFamily="49" charset="0"/>
-              </a:rPr>
-              <a:t>ggplot</a:t>
-            </a:r>
-            <a:r>
-              <a:rPr lang="en-US" sz="2800" dirty="0">
-                <a:latin typeface="Fira Code" panose="020B0509050000020004" pitchFamily="49" charset="0"/>
-                <a:ea typeface="Fira Code" panose="020B0509050000020004" pitchFamily="49" charset="0"/>
-              </a:rPr>
-              <a:t>(</a:t>
-            </a:r>
-            <a:r>
-              <a:rPr lang="en-US" sz="2800" dirty="0">
-                <a:solidFill>
-                  <a:schemeClr val="bg2">
-                    <a:lumMod val="75000"/>
-                  </a:schemeClr>
-                </a:solidFill>
-                <a:latin typeface="Fira Code" panose="020B0509050000020004" pitchFamily="49" charset="0"/>
-                <a:ea typeface="Fira Code" panose="020B0509050000020004" pitchFamily="49" charset="0"/>
-              </a:rPr>
-              <a:t>data =</a:t>
-            </a:r>
-            <a:r>
-              <a:rPr lang="en-US" sz="2800" dirty="0">
-                <a:solidFill>
-                  <a:srgbClr val="FF0000"/>
-                </a:solidFill>
-                <a:latin typeface="Fira Code" panose="020B0509050000020004" pitchFamily="49" charset="0"/>
-                <a:ea typeface="Fira Code" panose="020B0509050000020004" pitchFamily="49" charset="0"/>
-              </a:rPr>
-              <a:t> </a:t>
-            </a:r>
-            <a:r>
-              <a:rPr lang="en-US" sz="2800" dirty="0">
-                <a:solidFill>
-                  <a:schemeClr val="accent2">
-                    <a:lumMod val="50000"/>
-                  </a:schemeClr>
-                </a:solidFill>
-                <a:latin typeface="Fira Code" panose="020B0509050000020004" pitchFamily="49" charset="0"/>
-                <a:ea typeface="Fira Code" panose="020B0509050000020004" pitchFamily="49" charset="0"/>
-              </a:rPr>
-              <a:t>&lt;data&gt;</a:t>
-            </a:r>
-            <a:r>
-              <a:rPr lang="en-US" sz="2800" dirty="0">
-                <a:latin typeface="Fira Code" panose="020B0509050000020004" pitchFamily="49" charset="0"/>
-                <a:ea typeface="Fira Code" panose="020B0509050000020004" pitchFamily="49" charset="0"/>
-              </a:rPr>
-              <a:t>, </a:t>
-            </a:r>
-          </a:p>
-          <a:p>
-            <a:pPr>
-              <a:lnSpc>
-                <a:spcPct val="150000"/>
-              </a:lnSpc>
-            </a:pPr>
-            <a:r>
-              <a:rPr lang="en-US" sz="2800" b="1" dirty="0">
-                <a:solidFill>
-                  <a:schemeClr val="accent5">
-                    <a:lumMod val="50000"/>
-                  </a:schemeClr>
-                </a:solidFill>
-                <a:latin typeface="Fira Code" panose="020B0509050000020004" pitchFamily="49" charset="0"/>
-                <a:ea typeface="Fira Code" panose="020B0509050000020004" pitchFamily="49" charset="0"/>
-              </a:rPr>
-              <a:t>  </a:t>
-            </a:r>
-            <a:r>
-              <a:rPr lang="en-US" sz="2800" b="1" dirty="0" err="1">
-                <a:solidFill>
-                  <a:schemeClr val="accent5">
-                    <a:lumMod val="50000"/>
-                  </a:schemeClr>
-                </a:solidFill>
-                <a:latin typeface="Fira Code" panose="020B0509050000020004" pitchFamily="49" charset="0"/>
-                <a:ea typeface="Fira Code" panose="020B0509050000020004" pitchFamily="49" charset="0"/>
-              </a:rPr>
-              <a:t>aes</a:t>
-            </a:r>
-            <a:r>
-              <a:rPr lang="en-US" sz="2800" dirty="0">
-                <a:latin typeface="Fira Code" panose="020B0509050000020004" pitchFamily="49" charset="0"/>
-                <a:ea typeface="Fira Code" panose="020B0509050000020004" pitchFamily="49" charset="0"/>
-              </a:rPr>
-              <a:t>(</a:t>
-            </a:r>
-            <a:r>
-              <a:rPr lang="en-US" sz="2800" dirty="0">
-                <a:solidFill>
-                  <a:schemeClr val="bg2">
-                    <a:lumMod val="75000"/>
-                  </a:schemeClr>
-                </a:solidFill>
-                <a:latin typeface="Fira Code" panose="020B0509050000020004" pitchFamily="49" charset="0"/>
-                <a:ea typeface="Fira Code" panose="020B0509050000020004" pitchFamily="49" charset="0"/>
-              </a:rPr>
-              <a:t>x =</a:t>
-            </a:r>
-            <a:r>
-              <a:rPr lang="en-US" sz="2800" dirty="0">
-                <a:latin typeface="Fira Code" panose="020B0509050000020004" pitchFamily="49" charset="0"/>
-                <a:ea typeface="Fira Code" panose="020B0509050000020004" pitchFamily="49" charset="0"/>
-              </a:rPr>
-              <a:t> </a:t>
-            </a:r>
-            <a:r>
-              <a:rPr lang="en-US" sz="2800" dirty="0">
-                <a:solidFill>
-                  <a:schemeClr val="accent2">
-                    <a:lumMod val="50000"/>
-                  </a:schemeClr>
-                </a:solidFill>
-                <a:latin typeface="Fira Code" panose="020B0509050000020004" pitchFamily="49" charset="0"/>
-                <a:ea typeface="Fira Code" panose="020B0509050000020004" pitchFamily="49" charset="0"/>
-              </a:rPr>
-              <a:t>&lt;x&gt;</a:t>
-            </a:r>
-            <a:r>
-              <a:rPr lang="en-US" sz="2800" dirty="0">
-                <a:latin typeface="Fira Code" panose="020B0509050000020004" pitchFamily="49" charset="0"/>
-                <a:ea typeface="Fira Code" panose="020B0509050000020004" pitchFamily="49" charset="0"/>
-              </a:rPr>
-              <a:t>, </a:t>
-            </a:r>
-            <a:r>
-              <a:rPr lang="en-US" sz="2800" dirty="0">
-                <a:solidFill>
-                  <a:schemeClr val="bg2">
-                    <a:lumMod val="75000"/>
-                  </a:schemeClr>
-                </a:solidFill>
-                <a:latin typeface="Fira Code" panose="020B0509050000020004" pitchFamily="49" charset="0"/>
-                <a:ea typeface="Fira Code" panose="020B0509050000020004" pitchFamily="49" charset="0"/>
-              </a:rPr>
-              <a:t>y =</a:t>
-            </a:r>
-            <a:r>
-              <a:rPr lang="en-US" sz="2800" dirty="0">
-                <a:latin typeface="Fira Code" panose="020B0509050000020004" pitchFamily="49" charset="0"/>
-                <a:ea typeface="Fira Code" panose="020B0509050000020004" pitchFamily="49" charset="0"/>
-              </a:rPr>
-              <a:t> </a:t>
-            </a:r>
-            <a:r>
-              <a:rPr lang="en-US" sz="2800" dirty="0">
-                <a:solidFill>
-                  <a:schemeClr val="accent2">
-                    <a:lumMod val="50000"/>
-                  </a:schemeClr>
-                </a:solidFill>
-                <a:latin typeface="Fira Code" panose="020B0509050000020004" pitchFamily="49" charset="0"/>
-                <a:ea typeface="Fira Code" panose="020B0509050000020004" pitchFamily="49" charset="0"/>
-              </a:rPr>
-              <a:t>&lt;y&gt;</a:t>
-            </a:r>
-            <a:r>
-              <a:rPr lang="en-US" sz="2800" dirty="0">
-                <a:latin typeface="Fira Code" panose="020B0509050000020004" pitchFamily="49" charset="0"/>
-                <a:ea typeface="Fira Code" panose="020B0509050000020004" pitchFamily="49" charset="0"/>
-              </a:rPr>
-              <a:t>, </a:t>
-            </a:r>
-            <a:r>
-              <a:rPr lang="en-US" sz="2800" dirty="0">
-                <a:solidFill>
-                  <a:schemeClr val="accent2">
-                    <a:lumMod val="50000"/>
-                  </a:schemeClr>
-                </a:solidFill>
-                <a:latin typeface="Fira Code" panose="020B0509050000020004" pitchFamily="49" charset="0"/>
-                <a:ea typeface="Fira Code" panose="020B0509050000020004" pitchFamily="49" charset="0"/>
-              </a:rPr>
-              <a:t>&lt;other mappings&gt;</a:t>
-            </a:r>
-            <a:r>
-              <a:rPr lang="en-US" sz="2800" dirty="0">
-                <a:latin typeface="Fira Code" panose="020B0509050000020004" pitchFamily="49" charset="0"/>
-                <a:ea typeface="Fira Code" panose="020B0509050000020004" pitchFamily="49" charset="0"/>
-              </a:rPr>
-              <a:t>)) </a:t>
-            </a:r>
-            <a:r>
-              <a:rPr lang="en-US" sz="2800" dirty="0">
-                <a:solidFill>
-                  <a:schemeClr val="bg2">
-                    <a:lumMod val="75000"/>
-                  </a:schemeClr>
-                </a:solidFill>
-                <a:latin typeface="Fira Code" panose="020B0509050000020004" pitchFamily="49" charset="0"/>
-                <a:ea typeface="Fira Code" panose="020B0509050000020004" pitchFamily="49" charset="0"/>
-              </a:rPr>
-              <a:t>+                          </a:t>
-            </a:r>
-          </a:p>
-          <a:p>
-            <a:pPr>
-              <a:lnSpc>
-                <a:spcPct val="150000"/>
-              </a:lnSpc>
-            </a:pPr>
-            <a:r>
-              <a:rPr lang="en-US" sz="2800" dirty="0">
-                <a:latin typeface="Fira Code" panose="020B0509050000020004" pitchFamily="49" charset="0"/>
-                <a:ea typeface="Fira Code" panose="020B0509050000020004" pitchFamily="49" charset="0"/>
-              </a:rPr>
-              <a:t>  </a:t>
-            </a:r>
-            <a:r>
-              <a:rPr lang="en-US" sz="2800" dirty="0" err="1">
-                <a:solidFill>
-                  <a:schemeClr val="bg2">
-                    <a:lumMod val="75000"/>
-                  </a:schemeClr>
-                </a:solidFill>
-                <a:latin typeface="Fira Code" panose="020B0509050000020004" pitchFamily="49" charset="0"/>
-                <a:ea typeface="Fira Code" panose="020B0509050000020004" pitchFamily="49" charset="0"/>
-              </a:rPr>
-              <a:t>geom_blank</a:t>
-            </a:r>
-            <a:r>
-              <a:rPr lang="en-US" sz="2800" dirty="0">
-                <a:solidFill>
-                  <a:schemeClr val="bg2">
-                    <a:lumMod val="75000"/>
-                  </a:schemeClr>
-                </a:solidFill>
-                <a:latin typeface="Fira Code" panose="020B0509050000020004" pitchFamily="49" charset="0"/>
-                <a:ea typeface="Fira Code" panose="020B0509050000020004" pitchFamily="49" charset="0"/>
-              </a:rPr>
-              <a:t>()</a:t>
-            </a:r>
           </a:p>
         </p:txBody>
       </p:sp>
@@ -6610,704 +6531,6 @@
       </p:grpSpPr>
       <p:sp>
         <p:nvSpPr>
-          <p:cNvPr id="6" name="TextBox 5">
-            <a:extLst>
-              <a:ext uri="{FF2B5EF4-FFF2-40B4-BE49-F238E27FC236}">
-                <a16:creationId xmlns:a16="http://schemas.microsoft.com/office/drawing/2014/main" id="{BBA362A0-5E0A-7C46-80B9-A2EB286C0F5B}"/>
-              </a:ext>
-            </a:extLst>
-          </p:cNvPr>
-          <p:cNvSpPr txBox="1"/>
-          <p:nvPr/>
-        </p:nvSpPr>
-        <p:spPr>
-          <a:xfrm>
-            <a:off x="207077" y="613546"/>
-            <a:ext cx="12131386" cy="672235"/>
-          </a:xfrm>
-          <a:prstGeom prst="rect">
-            <a:avLst/>
-          </a:prstGeom>
-          <a:noFill/>
-        </p:spPr>
-        <p:txBody>
-          <a:bodyPr wrap="square" rtlCol="0">
-            <a:spAutoFit/>
-          </a:bodyPr>
-          <a:lstStyle/>
-          <a:p>
-            <a:pPr>
-              <a:lnSpc>
-                <a:spcPct val="150000"/>
-              </a:lnSpc>
-            </a:pPr>
-            <a:r>
-              <a:rPr lang="en-US" sz="2800" dirty="0" err="1">
-                <a:latin typeface="Fira Code" panose="020B0509050000020004" pitchFamily="49" charset="0"/>
-                <a:ea typeface="Fira Code" panose="020B0509050000020004" pitchFamily="49" charset="0"/>
-              </a:rPr>
-              <a:t>aes</a:t>
-            </a:r>
-            <a:r>
-              <a:rPr lang="en-US" sz="2800" dirty="0">
-                <a:latin typeface="Fira Code" panose="020B0509050000020004" pitchFamily="49" charset="0"/>
-                <a:ea typeface="Fira Code" panose="020B0509050000020004" pitchFamily="49" charset="0"/>
-              </a:rPr>
-              <a:t>(x = </a:t>
-            </a:r>
-            <a:r>
-              <a:rPr lang="en-US" sz="2800" dirty="0" err="1">
-                <a:latin typeface="Fira Code" panose="020B0509050000020004" pitchFamily="49" charset="0"/>
-                <a:ea typeface="Fira Code" panose="020B0509050000020004" pitchFamily="49" charset="0"/>
-              </a:rPr>
-              <a:t>Sepal.Length</a:t>
-            </a:r>
-            <a:r>
-              <a:rPr lang="en-US" sz="2800" dirty="0">
-                <a:latin typeface="Fira Code" panose="020B0509050000020004" pitchFamily="49" charset="0"/>
-                <a:ea typeface="Fira Code" panose="020B0509050000020004" pitchFamily="49" charset="0"/>
-              </a:rPr>
-              <a:t>, y = </a:t>
-            </a:r>
-            <a:r>
-              <a:rPr lang="en-US" sz="2800" dirty="0" err="1">
-                <a:latin typeface="Fira Code" panose="020B0509050000020004" pitchFamily="49" charset="0"/>
-                <a:ea typeface="Fira Code" panose="020B0509050000020004" pitchFamily="49" charset="0"/>
-              </a:rPr>
-              <a:t>Sepal.Width</a:t>
-            </a:r>
-            <a:r>
-              <a:rPr lang="en-US" sz="2800" dirty="0">
-                <a:latin typeface="Fira Code" panose="020B0509050000020004" pitchFamily="49" charset="0"/>
-                <a:ea typeface="Fira Code" panose="020B0509050000020004" pitchFamily="49" charset="0"/>
-              </a:rPr>
-              <a:t>, color = Species)</a:t>
-            </a:r>
-          </a:p>
-        </p:txBody>
-      </p:sp>
-      <p:sp>
-        <p:nvSpPr>
-          <p:cNvPr id="2" name="Rectangle 1">
-            <a:extLst>
-              <a:ext uri="{FF2B5EF4-FFF2-40B4-BE49-F238E27FC236}">
-                <a16:creationId xmlns:a16="http://schemas.microsoft.com/office/drawing/2014/main" id="{5A160856-C9B7-F94C-99FC-57337F5ABC6C}"/>
-              </a:ext>
-            </a:extLst>
-          </p:cNvPr>
-          <p:cNvSpPr/>
-          <p:nvPr/>
-        </p:nvSpPr>
-        <p:spPr>
-          <a:xfrm>
-            <a:off x="2498396" y="2424896"/>
-            <a:ext cx="7195162" cy="2132818"/>
-          </a:xfrm>
-          <a:prstGeom prst="rect">
-            <a:avLst/>
-          </a:prstGeom>
-          <a:noFill/>
-          <a:ln w="47625">
-            <a:solidFill>
-              <a:schemeClr val="tx1"/>
-            </a:solidFill>
-          </a:ln>
-        </p:spPr>
-        <p:style>
-          <a:lnRef idx="2">
-            <a:schemeClr val="accent1">
-              <a:shade val="50000"/>
-            </a:schemeClr>
-          </a:lnRef>
-          <a:fillRef idx="1">
-            <a:schemeClr val="accent1"/>
-          </a:fillRef>
-          <a:effectRef idx="0">
-            <a:schemeClr val="accent1"/>
-          </a:effectRef>
-          <a:fontRef idx="minor">
-            <a:schemeClr val="lt1"/>
-          </a:fontRef>
-        </p:style>
-        <p:txBody>
-          <a:bodyPr rtlCol="0" anchor="ctr"/>
-          <a:lstStyle/>
-          <a:p>
-            <a:pPr algn="ctr"/>
-            <a:endParaRPr lang="en-US"/>
-          </a:p>
-        </p:txBody>
-      </p:sp>
-      <p:sp>
-        <p:nvSpPr>
-          <p:cNvPr id="13" name="TextBox 12">
-            <a:extLst>
-              <a:ext uri="{FF2B5EF4-FFF2-40B4-BE49-F238E27FC236}">
-                <a16:creationId xmlns:a16="http://schemas.microsoft.com/office/drawing/2014/main" id="{45B19990-760E-394D-8C5F-0282D4ADC1C9}"/>
-              </a:ext>
-            </a:extLst>
-          </p:cNvPr>
-          <p:cNvSpPr txBox="1"/>
-          <p:nvPr/>
-        </p:nvSpPr>
-        <p:spPr>
-          <a:xfrm>
-            <a:off x="1535134" y="2013349"/>
-            <a:ext cx="1089313" cy="506549"/>
-          </a:xfrm>
-          <a:prstGeom prst="rect">
-            <a:avLst/>
-          </a:prstGeom>
-          <a:noFill/>
-        </p:spPr>
-        <p:txBody>
-          <a:bodyPr wrap="square" rtlCol="0">
-            <a:spAutoFit/>
-          </a:bodyPr>
-          <a:lstStyle/>
-          <a:p>
-            <a:pPr>
-              <a:lnSpc>
-                <a:spcPct val="150000"/>
-              </a:lnSpc>
-            </a:pPr>
-            <a:r>
-              <a:rPr lang="en-US" sz="2000" dirty="0">
-                <a:latin typeface="Fira Code" panose="020B0509050000020004" pitchFamily="49" charset="0"/>
-                <a:ea typeface="Fira Code" panose="020B0509050000020004" pitchFamily="49" charset="0"/>
-              </a:rPr>
-              <a:t>iris</a:t>
-            </a:r>
-          </a:p>
-        </p:txBody>
-      </p:sp>
-      <p:sp>
-        <p:nvSpPr>
-          <p:cNvPr id="18" name="TextBox 17">
-            <a:extLst>
-              <a:ext uri="{FF2B5EF4-FFF2-40B4-BE49-F238E27FC236}">
-                <a16:creationId xmlns:a16="http://schemas.microsoft.com/office/drawing/2014/main" id="{7F4FC5DB-0670-AA41-92B9-4C84F9B81222}"/>
-              </a:ext>
-            </a:extLst>
-          </p:cNvPr>
-          <p:cNvSpPr txBox="1"/>
-          <p:nvPr/>
-        </p:nvSpPr>
-        <p:spPr>
-          <a:xfrm>
-            <a:off x="2498396" y="2519898"/>
-            <a:ext cx="7195208" cy="423706"/>
-          </a:xfrm>
-          <a:prstGeom prst="rect">
-            <a:avLst/>
-          </a:prstGeom>
-          <a:noFill/>
-        </p:spPr>
-        <p:txBody>
-          <a:bodyPr wrap="square" rtlCol="0">
-            <a:spAutoFit/>
-          </a:bodyPr>
-          <a:lstStyle/>
-          <a:p>
-            <a:pPr>
-              <a:lnSpc>
-                <a:spcPct val="150000"/>
-              </a:lnSpc>
-            </a:pPr>
-            <a:r>
-              <a:rPr lang="en-US" sz="1600" dirty="0" err="1">
-                <a:latin typeface="Fira Code" panose="020B0509050000020004" pitchFamily="49" charset="0"/>
-                <a:ea typeface="Fira Code" panose="020B0509050000020004" pitchFamily="49" charset="0"/>
-              </a:rPr>
-              <a:t>Sepal.Length</a:t>
-            </a:r>
-            <a:r>
-              <a:rPr lang="en-US" sz="1600" dirty="0">
-                <a:latin typeface="Fira Code" panose="020B0509050000020004" pitchFamily="49" charset="0"/>
-                <a:ea typeface="Fira Code" panose="020B0509050000020004" pitchFamily="49" charset="0"/>
-              </a:rPr>
-              <a:t> </a:t>
-            </a:r>
-            <a:r>
-              <a:rPr lang="en-US" sz="1600" dirty="0" err="1">
-                <a:latin typeface="Fira Code" panose="020B0509050000020004" pitchFamily="49" charset="0"/>
-                <a:ea typeface="Fira Code" panose="020B0509050000020004" pitchFamily="49" charset="0"/>
-              </a:rPr>
-              <a:t>Sepal.Width</a:t>
-            </a:r>
-            <a:r>
-              <a:rPr lang="en-US" sz="1600" dirty="0">
-                <a:latin typeface="Fira Code" panose="020B0509050000020004" pitchFamily="49" charset="0"/>
-                <a:ea typeface="Fira Code" panose="020B0509050000020004" pitchFamily="49" charset="0"/>
-              </a:rPr>
-              <a:t> </a:t>
-            </a:r>
-            <a:r>
-              <a:rPr lang="en-US" sz="1600" dirty="0" err="1">
-                <a:latin typeface="Fira Code" panose="020B0509050000020004" pitchFamily="49" charset="0"/>
-                <a:ea typeface="Fira Code" panose="020B0509050000020004" pitchFamily="49" charset="0"/>
-              </a:rPr>
-              <a:t>Petal.Length</a:t>
-            </a:r>
-            <a:r>
-              <a:rPr lang="en-US" sz="1600" dirty="0">
-                <a:latin typeface="Fira Code" panose="020B0509050000020004" pitchFamily="49" charset="0"/>
-                <a:ea typeface="Fira Code" panose="020B0509050000020004" pitchFamily="49" charset="0"/>
-              </a:rPr>
-              <a:t> </a:t>
-            </a:r>
-            <a:r>
-              <a:rPr lang="en-US" sz="1600" dirty="0" err="1">
-                <a:latin typeface="Fira Code" panose="020B0509050000020004" pitchFamily="49" charset="0"/>
-                <a:ea typeface="Fira Code" panose="020B0509050000020004" pitchFamily="49" charset="0"/>
-              </a:rPr>
-              <a:t>Petal.Width</a:t>
-            </a:r>
-            <a:r>
-              <a:rPr lang="en-US" sz="1600" dirty="0">
-                <a:latin typeface="Fira Code" panose="020B0509050000020004" pitchFamily="49" charset="0"/>
-                <a:ea typeface="Fira Code" panose="020B0509050000020004" pitchFamily="49" charset="0"/>
-              </a:rPr>
-              <a:t> Species</a:t>
-            </a:r>
-          </a:p>
-        </p:txBody>
-      </p:sp>
-      <p:cxnSp>
-        <p:nvCxnSpPr>
-          <p:cNvPr id="20" name="Straight Arrow Connector 19">
-            <a:extLst>
-              <a:ext uri="{FF2B5EF4-FFF2-40B4-BE49-F238E27FC236}">
-                <a16:creationId xmlns:a16="http://schemas.microsoft.com/office/drawing/2014/main" id="{D6A27130-52A1-D746-AB93-4A6F8E32C8DB}"/>
-              </a:ext>
-            </a:extLst>
-          </p:cNvPr>
-          <p:cNvCxnSpPr>
-            <a:cxnSpLocks/>
-          </p:cNvCxnSpPr>
-          <p:nvPr/>
-        </p:nvCxnSpPr>
-        <p:spPr>
-          <a:xfrm>
-            <a:off x="4108174" y="2424895"/>
-            <a:ext cx="0" cy="2132819"/>
-          </a:xfrm>
-          <a:prstGeom prst="straightConnector1">
-            <a:avLst/>
-          </a:prstGeom>
-          <a:ln w="25400">
-            <a:solidFill>
-              <a:schemeClr val="tx1"/>
-            </a:solidFill>
-          </a:ln>
-        </p:spPr>
-        <p:style>
-          <a:lnRef idx="1">
-            <a:schemeClr val="accent1"/>
-          </a:lnRef>
-          <a:fillRef idx="0">
-            <a:schemeClr val="accent1"/>
-          </a:fillRef>
-          <a:effectRef idx="0">
-            <a:schemeClr val="accent1"/>
-          </a:effectRef>
-          <a:fontRef idx="minor">
-            <a:schemeClr val="tx1"/>
-          </a:fontRef>
-        </p:style>
-      </p:cxnSp>
-      <p:cxnSp>
-        <p:nvCxnSpPr>
-          <p:cNvPr id="23" name="Straight Arrow Connector 22">
-            <a:extLst>
-              <a:ext uri="{FF2B5EF4-FFF2-40B4-BE49-F238E27FC236}">
-                <a16:creationId xmlns:a16="http://schemas.microsoft.com/office/drawing/2014/main" id="{7BDDD75F-BEA6-114B-8848-A62AA8DFD523}"/>
-              </a:ext>
-            </a:extLst>
-          </p:cNvPr>
-          <p:cNvCxnSpPr>
-            <a:cxnSpLocks/>
-          </p:cNvCxnSpPr>
-          <p:nvPr/>
-        </p:nvCxnSpPr>
-        <p:spPr>
-          <a:xfrm>
-            <a:off x="5586957" y="2424895"/>
-            <a:ext cx="0" cy="2132819"/>
-          </a:xfrm>
-          <a:prstGeom prst="straightConnector1">
-            <a:avLst/>
-          </a:prstGeom>
-          <a:ln w="25400">
-            <a:solidFill>
-              <a:schemeClr val="tx1"/>
-            </a:solidFill>
-          </a:ln>
-        </p:spPr>
-        <p:style>
-          <a:lnRef idx="1">
-            <a:schemeClr val="accent1"/>
-          </a:lnRef>
-          <a:fillRef idx="0">
-            <a:schemeClr val="accent1"/>
-          </a:fillRef>
-          <a:effectRef idx="0">
-            <a:schemeClr val="accent1"/>
-          </a:effectRef>
-          <a:fontRef idx="minor">
-            <a:schemeClr val="tx1"/>
-          </a:fontRef>
-        </p:style>
-      </p:cxnSp>
-      <p:cxnSp>
-        <p:nvCxnSpPr>
-          <p:cNvPr id="24" name="Straight Arrow Connector 23">
-            <a:extLst>
-              <a:ext uri="{FF2B5EF4-FFF2-40B4-BE49-F238E27FC236}">
-                <a16:creationId xmlns:a16="http://schemas.microsoft.com/office/drawing/2014/main" id="{3594F792-7C95-D04A-AB98-5CE4EB49323C}"/>
-              </a:ext>
-            </a:extLst>
-          </p:cNvPr>
-          <p:cNvCxnSpPr>
-            <a:cxnSpLocks/>
-          </p:cNvCxnSpPr>
-          <p:nvPr/>
-        </p:nvCxnSpPr>
-        <p:spPr>
-          <a:xfrm>
-            <a:off x="7184644" y="2424895"/>
-            <a:ext cx="0" cy="2132819"/>
-          </a:xfrm>
-          <a:prstGeom prst="straightConnector1">
-            <a:avLst/>
-          </a:prstGeom>
-          <a:ln w="25400">
-            <a:solidFill>
-              <a:schemeClr val="tx1"/>
-            </a:solidFill>
-          </a:ln>
-        </p:spPr>
-        <p:style>
-          <a:lnRef idx="1">
-            <a:schemeClr val="accent1"/>
-          </a:lnRef>
-          <a:fillRef idx="0">
-            <a:schemeClr val="accent1"/>
-          </a:fillRef>
-          <a:effectRef idx="0">
-            <a:schemeClr val="accent1"/>
-          </a:effectRef>
-          <a:fontRef idx="minor">
-            <a:schemeClr val="tx1"/>
-          </a:fontRef>
-        </p:style>
-      </p:cxnSp>
-      <p:cxnSp>
-        <p:nvCxnSpPr>
-          <p:cNvPr id="25" name="Straight Arrow Connector 24">
-            <a:extLst>
-              <a:ext uri="{FF2B5EF4-FFF2-40B4-BE49-F238E27FC236}">
-                <a16:creationId xmlns:a16="http://schemas.microsoft.com/office/drawing/2014/main" id="{D1D1309B-3768-EF46-A0C5-ADC63BEE9A8E}"/>
-              </a:ext>
-            </a:extLst>
-          </p:cNvPr>
-          <p:cNvCxnSpPr>
-            <a:cxnSpLocks/>
-          </p:cNvCxnSpPr>
-          <p:nvPr/>
-        </p:nvCxnSpPr>
-        <p:spPr>
-          <a:xfrm>
-            <a:off x="8641655" y="2449179"/>
-            <a:ext cx="0" cy="2108535"/>
-          </a:xfrm>
-          <a:prstGeom prst="straightConnector1">
-            <a:avLst/>
-          </a:prstGeom>
-          <a:ln w="25400">
-            <a:solidFill>
-              <a:schemeClr val="tx1"/>
-            </a:solidFill>
-          </a:ln>
-        </p:spPr>
-        <p:style>
-          <a:lnRef idx="1">
-            <a:schemeClr val="accent1"/>
-          </a:lnRef>
-          <a:fillRef idx="0">
-            <a:schemeClr val="accent1"/>
-          </a:fillRef>
-          <a:effectRef idx="0">
-            <a:schemeClr val="accent1"/>
-          </a:effectRef>
-          <a:fontRef idx="minor">
-            <a:schemeClr val="tx1"/>
-          </a:fontRef>
-        </p:style>
-      </p:cxnSp>
-      <p:cxnSp>
-        <p:nvCxnSpPr>
-          <p:cNvPr id="26" name="Straight Arrow Connector 25">
-            <a:extLst>
-              <a:ext uri="{FF2B5EF4-FFF2-40B4-BE49-F238E27FC236}">
-                <a16:creationId xmlns:a16="http://schemas.microsoft.com/office/drawing/2014/main" id="{7B8EC29E-18E6-984F-882A-BC4B3D35383D}"/>
-              </a:ext>
-            </a:extLst>
-          </p:cNvPr>
-          <p:cNvCxnSpPr>
-            <a:cxnSpLocks/>
-          </p:cNvCxnSpPr>
-          <p:nvPr/>
-        </p:nvCxnSpPr>
-        <p:spPr>
-          <a:xfrm flipH="1">
-            <a:off x="2498397" y="2943604"/>
-            <a:ext cx="7195207" cy="0"/>
-          </a:xfrm>
-          <a:prstGeom prst="straightConnector1">
-            <a:avLst/>
-          </a:prstGeom>
-          <a:ln w="25400">
-            <a:solidFill>
-              <a:schemeClr val="tx1"/>
-            </a:solidFill>
-          </a:ln>
-        </p:spPr>
-        <p:style>
-          <a:lnRef idx="1">
-            <a:schemeClr val="accent1"/>
-          </a:lnRef>
-          <a:fillRef idx="0">
-            <a:schemeClr val="accent1"/>
-          </a:fillRef>
-          <a:effectRef idx="0">
-            <a:schemeClr val="accent1"/>
-          </a:effectRef>
-          <a:fontRef idx="minor">
-            <a:schemeClr val="tx1"/>
-          </a:fontRef>
-        </p:style>
-      </p:cxnSp>
-      <p:cxnSp>
-        <p:nvCxnSpPr>
-          <p:cNvPr id="29" name="Straight Arrow Connector 28">
-            <a:extLst>
-              <a:ext uri="{FF2B5EF4-FFF2-40B4-BE49-F238E27FC236}">
-                <a16:creationId xmlns:a16="http://schemas.microsoft.com/office/drawing/2014/main" id="{71C024A7-9400-4C47-AEFE-272E1C27D2C5}"/>
-              </a:ext>
-            </a:extLst>
-          </p:cNvPr>
-          <p:cNvCxnSpPr>
-            <a:cxnSpLocks/>
-          </p:cNvCxnSpPr>
-          <p:nvPr/>
-        </p:nvCxnSpPr>
-        <p:spPr>
-          <a:xfrm flipH="1">
-            <a:off x="2498396" y="3430112"/>
-            <a:ext cx="7195208" cy="0"/>
-          </a:xfrm>
-          <a:prstGeom prst="straightConnector1">
-            <a:avLst/>
-          </a:prstGeom>
-          <a:ln w="12700">
-            <a:solidFill>
-              <a:schemeClr val="tx1"/>
-            </a:solidFill>
-          </a:ln>
-        </p:spPr>
-        <p:style>
-          <a:lnRef idx="1">
-            <a:schemeClr val="accent1"/>
-          </a:lnRef>
-          <a:fillRef idx="0">
-            <a:schemeClr val="accent1"/>
-          </a:fillRef>
-          <a:effectRef idx="0">
-            <a:schemeClr val="accent1"/>
-          </a:effectRef>
-          <a:fontRef idx="minor">
-            <a:schemeClr val="tx1"/>
-          </a:fontRef>
-        </p:style>
-      </p:cxnSp>
-      <p:cxnSp>
-        <p:nvCxnSpPr>
-          <p:cNvPr id="32" name="Straight Arrow Connector 31">
-            <a:extLst>
-              <a:ext uri="{FF2B5EF4-FFF2-40B4-BE49-F238E27FC236}">
-                <a16:creationId xmlns:a16="http://schemas.microsoft.com/office/drawing/2014/main" id="{2578A1B2-F3C8-5641-BEC5-7B1A69EC8609}"/>
-              </a:ext>
-            </a:extLst>
-          </p:cNvPr>
-          <p:cNvCxnSpPr>
-            <a:cxnSpLocks/>
-          </p:cNvCxnSpPr>
-          <p:nvPr/>
-        </p:nvCxnSpPr>
-        <p:spPr>
-          <a:xfrm flipH="1">
-            <a:off x="2498396" y="3968274"/>
-            <a:ext cx="7195208" cy="0"/>
-          </a:xfrm>
-          <a:prstGeom prst="straightConnector1">
-            <a:avLst/>
-          </a:prstGeom>
-          <a:ln w="12700">
-            <a:solidFill>
-              <a:schemeClr val="tx1"/>
-            </a:solidFill>
-          </a:ln>
-        </p:spPr>
-        <p:style>
-          <a:lnRef idx="1">
-            <a:schemeClr val="accent1"/>
-          </a:lnRef>
-          <a:fillRef idx="0">
-            <a:schemeClr val="accent1"/>
-          </a:fillRef>
-          <a:effectRef idx="0">
-            <a:schemeClr val="accent1"/>
-          </a:effectRef>
-          <a:fontRef idx="minor">
-            <a:schemeClr val="tx1"/>
-          </a:fontRef>
-        </p:style>
-      </p:cxnSp>
-      <p:cxnSp>
-        <p:nvCxnSpPr>
-          <p:cNvPr id="39" name="Straight Arrow Connector 38">
-            <a:extLst>
-              <a:ext uri="{FF2B5EF4-FFF2-40B4-BE49-F238E27FC236}">
-                <a16:creationId xmlns:a16="http://schemas.microsoft.com/office/drawing/2014/main" id="{6F5B000C-E8B5-2446-8D8E-AF7A7FF7E9AE}"/>
-              </a:ext>
-            </a:extLst>
-          </p:cNvPr>
-          <p:cNvCxnSpPr>
-            <a:cxnSpLocks/>
-          </p:cNvCxnSpPr>
-          <p:nvPr/>
-        </p:nvCxnSpPr>
-        <p:spPr>
-          <a:xfrm flipV="1">
-            <a:off x="3328988" y="1413282"/>
-            <a:ext cx="0" cy="1028680"/>
-          </a:xfrm>
-          <a:prstGeom prst="straightConnector1">
-            <a:avLst/>
-          </a:prstGeom>
-          <a:ln w="38100">
-            <a:solidFill>
-              <a:schemeClr val="tx1"/>
-            </a:solidFill>
-            <a:tailEnd type="triangle"/>
-          </a:ln>
-        </p:spPr>
-        <p:style>
-          <a:lnRef idx="1">
-            <a:schemeClr val="accent1"/>
-          </a:lnRef>
-          <a:fillRef idx="0">
-            <a:schemeClr val="accent1"/>
-          </a:fillRef>
-          <a:effectRef idx="0">
-            <a:schemeClr val="accent1"/>
-          </a:effectRef>
-          <a:fontRef idx="minor">
-            <a:schemeClr val="tx1"/>
-          </a:fontRef>
-        </p:style>
-      </p:cxnSp>
-      <p:cxnSp>
-        <p:nvCxnSpPr>
-          <p:cNvPr id="42" name="Straight Arrow Connector 41">
-            <a:extLst>
-              <a:ext uri="{FF2B5EF4-FFF2-40B4-BE49-F238E27FC236}">
-                <a16:creationId xmlns:a16="http://schemas.microsoft.com/office/drawing/2014/main" id="{E238D91B-AB06-FD4D-BCCE-C71055481EC1}"/>
-              </a:ext>
-            </a:extLst>
-          </p:cNvPr>
-          <p:cNvCxnSpPr>
-            <a:cxnSpLocks/>
-          </p:cNvCxnSpPr>
-          <p:nvPr/>
-        </p:nvCxnSpPr>
-        <p:spPr>
-          <a:xfrm flipV="1">
-            <a:off x="4852988" y="1285781"/>
-            <a:ext cx="1633537" cy="1139114"/>
-          </a:xfrm>
-          <a:prstGeom prst="straightConnector1">
-            <a:avLst/>
-          </a:prstGeom>
-          <a:ln w="38100">
-            <a:solidFill>
-              <a:schemeClr val="tx1"/>
-            </a:solidFill>
-            <a:tailEnd type="triangle"/>
-          </a:ln>
-        </p:spPr>
-        <p:style>
-          <a:lnRef idx="1">
-            <a:schemeClr val="accent1"/>
-          </a:lnRef>
-          <a:fillRef idx="0">
-            <a:schemeClr val="accent1"/>
-          </a:fillRef>
-          <a:effectRef idx="0">
-            <a:schemeClr val="accent1"/>
-          </a:effectRef>
-          <a:fontRef idx="minor">
-            <a:schemeClr val="tx1"/>
-          </a:fontRef>
-        </p:style>
-      </p:cxnSp>
-      <p:cxnSp>
-        <p:nvCxnSpPr>
-          <p:cNvPr id="44" name="Straight Arrow Connector 43">
-            <a:extLst>
-              <a:ext uri="{FF2B5EF4-FFF2-40B4-BE49-F238E27FC236}">
-                <a16:creationId xmlns:a16="http://schemas.microsoft.com/office/drawing/2014/main" id="{B4D33748-6062-DA40-AC75-66AD2C11B311}"/>
-              </a:ext>
-            </a:extLst>
-          </p:cNvPr>
-          <p:cNvCxnSpPr>
-            <a:cxnSpLocks/>
-          </p:cNvCxnSpPr>
-          <p:nvPr/>
-        </p:nvCxnSpPr>
-        <p:spPr>
-          <a:xfrm flipV="1">
-            <a:off x="9205913" y="1262203"/>
-            <a:ext cx="1633537" cy="1139114"/>
-          </a:xfrm>
-          <a:prstGeom prst="straightConnector1">
-            <a:avLst/>
-          </a:prstGeom>
-          <a:ln w="38100">
-            <a:solidFill>
-              <a:schemeClr val="tx1"/>
-            </a:solidFill>
-            <a:tailEnd type="triangle"/>
-          </a:ln>
-        </p:spPr>
-        <p:style>
-          <a:lnRef idx="1">
-            <a:schemeClr val="accent1"/>
-          </a:lnRef>
-          <a:fillRef idx="0">
-            <a:schemeClr val="accent1"/>
-          </a:fillRef>
-          <a:effectRef idx="0">
-            <a:schemeClr val="accent1"/>
-          </a:effectRef>
-          <a:fontRef idx="minor">
-            <a:schemeClr val="tx1"/>
-          </a:fontRef>
-        </p:style>
-      </p:cxnSp>
-      <p:sp>
-        <p:nvSpPr>
           <p:cNvPr id="50" name="Rectangle 49">
             <a:extLst>
               <a:ext uri="{FF2B5EF4-FFF2-40B4-BE49-F238E27FC236}">
@@ -7424,10 +6647,1058 @@
           </a:p>
         </p:txBody>
       </p:sp>
+      <p:sp>
+        <p:nvSpPr>
+          <p:cNvPr id="6" name="TextBox 5">
+            <a:extLst>
+              <a:ext uri="{FF2B5EF4-FFF2-40B4-BE49-F238E27FC236}">
+                <a16:creationId xmlns:a16="http://schemas.microsoft.com/office/drawing/2014/main" id="{BBA362A0-5E0A-7C46-80B9-A2EB286C0F5B}"/>
+              </a:ext>
+            </a:extLst>
+          </p:cNvPr>
+          <p:cNvSpPr txBox="1"/>
+          <p:nvPr/>
+        </p:nvSpPr>
+        <p:spPr>
+          <a:xfrm>
+            <a:off x="207077" y="613546"/>
+            <a:ext cx="12131386" cy="672235"/>
+          </a:xfrm>
+          <a:prstGeom prst="rect">
+            <a:avLst/>
+          </a:prstGeom>
+          <a:noFill/>
+        </p:spPr>
+        <p:txBody>
+          <a:bodyPr wrap="square" rtlCol="0">
+            <a:spAutoFit/>
+          </a:bodyPr>
+          <a:lstStyle/>
+          <a:p>
+            <a:pPr>
+              <a:lnSpc>
+                <a:spcPct val="150000"/>
+              </a:lnSpc>
+            </a:pPr>
+            <a:r>
+              <a:rPr lang="en-US" sz="2800" dirty="0" err="1">
+                <a:latin typeface="Fira Code" panose="020B0509050000020004" pitchFamily="49" charset="0"/>
+                <a:ea typeface="Fira Code" panose="020B0509050000020004" pitchFamily="49" charset="0"/>
+              </a:rPr>
+              <a:t>aes</a:t>
+            </a:r>
+            <a:r>
+              <a:rPr lang="en-US" sz="2800" dirty="0">
+                <a:latin typeface="Fira Code" panose="020B0509050000020004" pitchFamily="49" charset="0"/>
+                <a:ea typeface="Fira Code" panose="020B0509050000020004" pitchFamily="49" charset="0"/>
+              </a:rPr>
+              <a:t>(x = </a:t>
+            </a:r>
+            <a:r>
+              <a:rPr lang="en-US" sz="2800" dirty="0" err="1">
+                <a:latin typeface="Fira Code" panose="020B0509050000020004" pitchFamily="49" charset="0"/>
+                <a:ea typeface="Fira Code" panose="020B0509050000020004" pitchFamily="49" charset="0"/>
+              </a:rPr>
+              <a:t>Sepal.Length</a:t>
+            </a:r>
+            <a:r>
+              <a:rPr lang="en-US" sz="2800" dirty="0">
+                <a:latin typeface="Fira Code" panose="020B0509050000020004" pitchFamily="49" charset="0"/>
+                <a:ea typeface="Fira Code" panose="020B0509050000020004" pitchFamily="49" charset="0"/>
+              </a:rPr>
+              <a:t>, y = </a:t>
+            </a:r>
+            <a:r>
+              <a:rPr lang="en-US" sz="2800" dirty="0" err="1">
+                <a:latin typeface="Fira Code" panose="020B0509050000020004" pitchFamily="49" charset="0"/>
+                <a:ea typeface="Fira Code" panose="020B0509050000020004" pitchFamily="49" charset="0"/>
+              </a:rPr>
+              <a:t>Sepal.Width</a:t>
+            </a:r>
+            <a:r>
+              <a:rPr lang="en-US" sz="2800" dirty="0">
+                <a:latin typeface="Fira Code" panose="020B0509050000020004" pitchFamily="49" charset="0"/>
+                <a:ea typeface="Fira Code" panose="020B0509050000020004" pitchFamily="49" charset="0"/>
+              </a:rPr>
+              <a:t>, color = Species)</a:t>
+            </a:r>
+          </a:p>
+        </p:txBody>
+      </p:sp>
+      <p:sp>
+        <p:nvSpPr>
+          <p:cNvPr id="2" name="Rectangle 1">
+            <a:extLst>
+              <a:ext uri="{FF2B5EF4-FFF2-40B4-BE49-F238E27FC236}">
+                <a16:creationId xmlns:a16="http://schemas.microsoft.com/office/drawing/2014/main" id="{5A160856-C9B7-F94C-99FC-57337F5ABC6C}"/>
+              </a:ext>
+            </a:extLst>
+          </p:cNvPr>
+          <p:cNvSpPr/>
+          <p:nvPr/>
+        </p:nvSpPr>
+        <p:spPr>
+          <a:xfrm>
+            <a:off x="2498396" y="2424896"/>
+            <a:ext cx="7195162" cy="2132818"/>
+          </a:xfrm>
+          <a:prstGeom prst="rect">
+            <a:avLst/>
+          </a:prstGeom>
+          <a:noFill/>
+          <a:ln w="47625">
+            <a:solidFill>
+              <a:schemeClr val="tx1"/>
+            </a:solidFill>
+          </a:ln>
+        </p:spPr>
+        <p:style>
+          <a:lnRef idx="2">
+            <a:schemeClr val="accent1">
+              <a:shade val="50000"/>
+            </a:schemeClr>
+          </a:lnRef>
+          <a:fillRef idx="1">
+            <a:schemeClr val="accent1"/>
+          </a:fillRef>
+          <a:effectRef idx="0">
+            <a:schemeClr val="accent1"/>
+          </a:effectRef>
+          <a:fontRef idx="minor">
+            <a:schemeClr val="lt1"/>
+          </a:fontRef>
+        </p:style>
+        <p:txBody>
+          <a:bodyPr rtlCol="0" anchor="ctr"/>
+          <a:lstStyle/>
+          <a:p>
+            <a:pPr algn="ctr"/>
+            <a:endParaRPr lang="en-US"/>
+          </a:p>
+        </p:txBody>
+      </p:sp>
+      <p:sp>
+        <p:nvSpPr>
+          <p:cNvPr id="13" name="TextBox 12">
+            <a:extLst>
+              <a:ext uri="{FF2B5EF4-FFF2-40B4-BE49-F238E27FC236}">
+                <a16:creationId xmlns:a16="http://schemas.microsoft.com/office/drawing/2014/main" id="{45B19990-760E-394D-8C5F-0282D4ADC1C9}"/>
+              </a:ext>
+            </a:extLst>
+          </p:cNvPr>
+          <p:cNvSpPr txBox="1"/>
+          <p:nvPr/>
+        </p:nvSpPr>
+        <p:spPr>
+          <a:xfrm>
+            <a:off x="1535134" y="2013349"/>
+            <a:ext cx="1089313" cy="506549"/>
+          </a:xfrm>
+          <a:prstGeom prst="rect">
+            <a:avLst/>
+          </a:prstGeom>
+          <a:noFill/>
+        </p:spPr>
+        <p:txBody>
+          <a:bodyPr wrap="square" rtlCol="0">
+            <a:spAutoFit/>
+          </a:bodyPr>
+          <a:lstStyle/>
+          <a:p>
+            <a:pPr>
+              <a:lnSpc>
+                <a:spcPct val="150000"/>
+              </a:lnSpc>
+            </a:pPr>
+            <a:r>
+              <a:rPr lang="en-US" sz="2000" dirty="0">
+                <a:latin typeface="Fira Code" panose="020B0509050000020004" pitchFamily="49" charset="0"/>
+                <a:ea typeface="Fira Code" panose="020B0509050000020004" pitchFamily="49" charset="0"/>
+              </a:rPr>
+              <a:t>iris</a:t>
+            </a:r>
+          </a:p>
+        </p:txBody>
+      </p:sp>
+      <p:sp>
+        <p:nvSpPr>
+          <p:cNvPr id="18" name="TextBox 17">
+            <a:extLst>
+              <a:ext uri="{FF2B5EF4-FFF2-40B4-BE49-F238E27FC236}">
+                <a16:creationId xmlns:a16="http://schemas.microsoft.com/office/drawing/2014/main" id="{7F4FC5DB-0670-AA41-92B9-4C84F9B81222}"/>
+              </a:ext>
+            </a:extLst>
+          </p:cNvPr>
+          <p:cNvSpPr txBox="1"/>
+          <p:nvPr/>
+        </p:nvSpPr>
+        <p:spPr>
+          <a:xfrm>
+            <a:off x="2498396" y="2519898"/>
+            <a:ext cx="7195208" cy="423706"/>
+          </a:xfrm>
+          <a:prstGeom prst="rect">
+            <a:avLst/>
+          </a:prstGeom>
+          <a:noFill/>
+        </p:spPr>
+        <p:txBody>
+          <a:bodyPr wrap="square" rtlCol="0">
+            <a:spAutoFit/>
+          </a:bodyPr>
+          <a:lstStyle/>
+          <a:p>
+            <a:pPr>
+              <a:lnSpc>
+                <a:spcPct val="150000"/>
+              </a:lnSpc>
+            </a:pPr>
+            <a:r>
+              <a:rPr lang="en-US" sz="1600" dirty="0" err="1">
+                <a:latin typeface="Fira Code" panose="020B0509050000020004" pitchFamily="49" charset="0"/>
+                <a:ea typeface="Fira Code" panose="020B0509050000020004" pitchFamily="49" charset="0"/>
+              </a:rPr>
+              <a:t>Sepal.Length</a:t>
+            </a:r>
+            <a:r>
+              <a:rPr lang="en-US" sz="1600" dirty="0">
+                <a:latin typeface="Fira Code" panose="020B0509050000020004" pitchFamily="49" charset="0"/>
+                <a:ea typeface="Fira Code" panose="020B0509050000020004" pitchFamily="49" charset="0"/>
+              </a:rPr>
+              <a:t> </a:t>
+            </a:r>
+            <a:r>
+              <a:rPr lang="en-US" sz="1600" dirty="0" err="1">
+                <a:latin typeface="Fira Code" panose="020B0509050000020004" pitchFamily="49" charset="0"/>
+                <a:ea typeface="Fira Code" panose="020B0509050000020004" pitchFamily="49" charset="0"/>
+              </a:rPr>
+              <a:t>Sepal.Width</a:t>
+            </a:r>
+            <a:r>
+              <a:rPr lang="en-US" sz="1600" dirty="0">
+                <a:latin typeface="Fira Code" panose="020B0509050000020004" pitchFamily="49" charset="0"/>
+                <a:ea typeface="Fira Code" panose="020B0509050000020004" pitchFamily="49" charset="0"/>
+              </a:rPr>
+              <a:t> </a:t>
+            </a:r>
+            <a:r>
+              <a:rPr lang="en-US" sz="1600" dirty="0" err="1">
+                <a:latin typeface="Fira Code" panose="020B0509050000020004" pitchFamily="49" charset="0"/>
+                <a:ea typeface="Fira Code" panose="020B0509050000020004" pitchFamily="49" charset="0"/>
+              </a:rPr>
+              <a:t>Petal.Length</a:t>
+            </a:r>
+            <a:r>
+              <a:rPr lang="en-US" sz="1600" dirty="0">
+                <a:latin typeface="Fira Code" panose="020B0509050000020004" pitchFamily="49" charset="0"/>
+                <a:ea typeface="Fira Code" panose="020B0509050000020004" pitchFamily="49" charset="0"/>
+              </a:rPr>
+              <a:t> </a:t>
+            </a:r>
+            <a:r>
+              <a:rPr lang="en-US" sz="1600" dirty="0" err="1">
+                <a:latin typeface="Fira Code" panose="020B0509050000020004" pitchFamily="49" charset="0"/>
+                <a:ea typeface="Fira Code" panose="020B0509050000020004" pitchFamily="49" charset="0"/>
+              </a:rPr>
+              <a:t>Petal.Width</a:t>
+            </a:r>
+            <a:r>
+              <a:rPr lang="en-US" sz="1600" dirty="0">
+                <a:latin typeface="Fira Code" panose="020B0509050000020004" pitchFamily="49" charset="0"/>
+                <a:ea typeface="Fira Code" panose="020B0509050000020004" pitchFamily="49" charset="0"/>
+              </a:rPr>
+              <a:t> Species</a:t>
+            </a:r>
+          </a:p>
+        </p:txBody>
+      </p:sp>
+      <p:cxnSp>
+        <p:nvCxnSpPr>
+          <p:cNvPr id="20" name="Straight Arrow Connector 19">
+            <a:extLst>
+              <a:ext uri="{FF2B5EF4-FFF2-40B4-BE49-F238E27FC236}">
+                <a16:creationId xmlns:a16="http://schemas.microsoft.com/office/drawing/2014/main" id="{D6A27130-52A1-D746-AB93-4A6F8E32C8DB}"/>
+              </a:ext>
+            </a:extLst>
+          </p:cNvPr>
+          <p:cNvCxnSpPr>
+            <a:cxnSpLocks/>
+          </p:cNvCxnSpPr>
+          <p:nvPr/>
+        </p:nvCxnSpPr>
+        <p:spPr>
+          <a:xfrm>
+            <a:off x="4108174" y="2424895"/>
+            <a:ext cx="0" cy="2132819"/>
+          </a:xfrm>
+          <a:prstGeom prst="straightConnector1">
+            <a:avLst/>
+          </a:prstGeom>
+          <a:ln w="25400">
+            <a:solidFill>
+              <a:schemeClr val="tx1"/>
+            </a:solidFill>
+          </a:ln>
+        </p:spPr>
+        <p:style>
+          <a:lnRef idx="1">
+            <a:schemeClr val="accent1"/>
+          </a:lnRef>
+          <a:fillRef idx="0">
+            <a:schemeClr val="accent1"/>
+          </a:fillRef>
+          <a:effectRef idx="0">
+            <a:schemeClr val="accent1"/>
+          </a:effectRef>
+          <a:fontRef idx="minor">
+            <a:schemeClr val="tx1"/>
+          </a:fontRef>
+        </p:style>
+      </p:cxnSp>
+      <p:cxnSp>
+        <p:nvCxnSpPr>
+          <p:cNvPr id="23" name="Straight Arrow Connector 22">
+            <a:extLst>
+              <a:ext uri="{FF2B5EF4-FFF2-40B4-BE49-F238E27FC236}">
+                <a16:creationId xmlns:a16="http://schemas.microsoft.com/office/drawing/2014/main" id="{7BDDD75F-BEA6-114B-8848-A62AA8DFD523}"/>
+              </a:ext>
+            </a:extLst>
+          </p:cNvPr>
+          <p:cNvCxnSpPr>
+            <a:cxnSpLocks/>
+          </p:cNvCxnSpPr>
+          <p:nvPr/>
+        </p:nvCxnSpPr>
+        <p:spPr>
+          <a:xfrm>
+            <a:off x="5586957" y="2424895"/>
+            <a:ext cx="0" cy="2132819"/>
+          </a:xfrm>
+          <a:prstGeom prst="straightConnector1">
+            <a:avLst/>
+          </a:prstGeom>
+          <a:ln w="25400">
+            <a:solidFill>
+              <a:schemeClr val="tx1"/>
+            </a:solidFill>
+          </a:ln>
+        </p:spPr>
+        <p:style>
+          <a:lnRef idx="1">
+            <a:schemeClr val="accent1"/>
+          </a:lnRef>
+          <a:fillRef idx="0">
+            <a:schemeClr val="accent1"/>
+          </a:fillRef>
+          <a:effectRef idx="0">
+            <a:schemeClr val="accent1"/>
+          </a:effectRef>
+          <a:fontRef idx="minor">
+            <a:schemeClr val="tx1"/>
+          </a:fontRef>
+        </p:style>
+      </p:cxnSp>
+      <p:cxnSp>
+        <p:nvCxnSpPr>
+          <p:cNvPr id="24" name="Straight Arrow Connector 23">
+            <a:extLst>
+              <a:ext uri="{FF2B5EF4-FFF2-40B4-BE49-F238E27FC236}">
+                <a16:creationId xmlns:a16="http://schemas.microsoft.com/office/drawing/2014/main" id="{3594F792-7C95-D04A-AB98-5CE4EB49323C}"/>
+              </a:ext>
+            </a:extLst>
+          </p:cNvPr>
+          <p:cNvCxnSpPr>
+            <a:cxnSpLocks/>
+          </p:cNvCxnSpPr>
+          <p:nvPr/>
+        </p:nvCxnSpPr>
+        <p:spPr>
+          <a:xfrm>
+            <a:off x="7184644" y="2424895"/>
+            <a:ext cx="0" cy="2132819"/>
+          </a:xfrm>
+          <a:prstGeom prst="straightConnector1">
+            <a:avLst/>
+          </a:prstGeom>
+          <a:ln w="25400">
+            <a:solidFill>
+              <a:schemeClr val="tx1"/>
+            </a:solidFill>
+          </a:ln>
+        </p:spPr>
+        <p:style>
+          <a:lnRef idx="1">
+            <a:schemeClr val="accent1"/>
+          </a:lnRef>
+          <a:fillRef idx="0">
+            <a:schemeClr val="accent1"/>
+          </a:fillRef>
+          <a:effectRef idx="0">
+            <a:schemeClr val="accent1"/>
+          </a:effectRef>
+          <a:fontRef idx="minor">
+            <a:schemeClr val="tx1"/>
+          </a:fontRef>
+        </p:style>
+      </p:cxnSp>
+      <p:cxnSp>
+        <p:nvCxnSpPr>
+          <p:cNvPr id="25" name="Straight Arrow Connector 24">
+            <a:extLst>
+              <a:ext uri="{FF2B5EF4-FFF2-40B4-BE49-F238E27FC236}">
+                <a16:creationId xmlns:a16="http://schemas.microsoft.com/office/drawing/2014/main" id="{D1D1309B-3768-EF46-A0C5-ADC63BEE9A8E}"/>
+              </a:ext>
+            </a:extLst>
+          </p:cNvPr>
+          <p:cNvCxnSpPr>
+            <a:cxnSpLocks/>
+          </p:cNvCxnSpPr>
+          <p:nvPr/>
+        </p:nvCxnSpPr>
+        <p:spPr>
+          <a:xfrm>
+            <a:off x="8641655" y="2449179"/>
+            <a:ext cx="0" cy="2108535"/>
+          </a:xfrm>
+          <a:prstGeom prst="straightConnector1">
+            <a:avLst/>
+          </a:prstGeom>
+          <a:ln w="25400">
+            <a:solidFill>
+              <a:schemeClr val="tx1"/>
+            </a:solidFill>
+          </a:ln>
+        </p:spPr>
+        <p:style>
+          <a:lnRef idx="1">
+            <a:schemeClr val="accent1"/>
+          </a:lnRef>
+          <a:fillRef idx="0">
+            <a:schemeClr val="accent1"/>
+          </a:fillRef>
+          <a:effectRef idx="0">
+            <a:schemeClr val="accent1"/>
+          </a:effectRef>
+          <a:fontRef idx="minor">
+            <a:schemeClr val="tx1"/>
+          </a:fontRef>
+        </p:style>
+      </p:cxnSp>
+      <p:cxnSp>
+        <p:nvCxnSpPr>
+          <p:cNvPr id="26" name="Straight Arrow Connector 25">
+            <a:extLst>
+              <a:ext uri="{FF2B5EF4-FFF2-40B4-BE49-F238E27FC236}">
+                <a16:creationId xmlns:a16="http://schemas.microsoft.com/office/drawing/2014/main" id="{7B8EC29E-18E6-984F-882A-BC4B3D35383D}"/>
+              </a:ext>
+            </a:extLst>
+          </p:cNvPr>
+          <p:cNvCxnSpPr>
+            <a:cxnSpLocks/>
+          </p:cNvCxnSpPr>
+          <p:nvPr/>
+        </p:nvCxnSpPr>
+        <p:spPr>
+          <a:xfrm flipH="1">
+            <a:off x="2498397" y="2943604"/>
+            <a:ext cx="7195207" cy="0"/>
+          </a:xfrm>
+          <a:prstGeom prst="straightConnector1">
+            <a:avLst/>
+          </a:prstGeom>
+          <a:ln w="25400">
+            <a:solidFill>
+              <a:schemeClr val="tx1"/>
+            </a:solidFill>
+          </a:ln>
+        </p:spPr>
+        <p:style>
+          <a:lnRef idx="1">
+            <a:schemeClr val="accent1"/>
+          </a:lnRef>
+          <a:fillRef idx="0">
+            <a:schemeClr val="accent1"/>
+          </a:fillRef>
+          <a:effectRef idx="0">
+            <a:schemeClr val="accent1"/>
+          </a:effectRef>
+          <a:fontRef idx="minor">
+            <a:schemeClr val="tx1"/>
+          </a:fontRef>
+        </p:style>
+      </p:cxnSp>
+      <p:cxnSp>
+        <p:nvCxnSpPr>
+          <p:cNvPr id="29" name="Straight Arrow Connector 28">
+            <a:extLst>
+              <a:ext uri="{FF2B5EF4-FFF2-40B4-BE49-F238E27FC236}">
+                <a16:creationId xmlns:a16="http://schemas.microsoft.com/office/drawing/2014/main" id="{71C024A7-9400-4C47-AEFE-272E1C27D2C5}"/>
+              </a:ext>
+            </a:extLst>
+          </p:cNvPr>
+          <p:cNvCxnSpPr>
+            <a:cxnSpLocks/>
+          </p:cNvCxnSpPr>
+          <p:nvPr/>
+        </p:nvCxnSpPr>
+        <p:spPr>
+          <a:xfrm flipH="1">
+            <a:off x="2498396" y="3430112"/>
+            <a:ext cx="7195208" cy="0"/>
+          </a:xfrm>
+          <a:prstGeom prst="straightConnector1">
+            <a:avLst/>
+          </a:prstGeom>
+          <a:ln w="12700">
+            <a:solidFill>
+              <a:schemeClr val="tx1"/>
+            </a:solidFill>
+          </a:ln>
+        </p:spPr>
+        <p:style>
+          <a:lnRef idx="1">
+            <a:schemeClr val="accent1"/>
+          </a:lnRef>
+          <a:fillRef idx="0">
+            <a:schemeClr val="accent1"/>
+          </a:fillRef>
+          <a:effectRef idx="0">
+            <a:schemeClr val="accent1"/>
+          </a:effectRef>
+          <a:fontRef idx="minor">
+            <a:schemeClr val="tx1"/>
+          </a:fontRef>
+        </p:style>
+      </p:cxnSp>
+      <p:cxnSp>
+        <p:nvCxnSpPr>
+          <p:cNvPr id="32" name="Straight Arrow Connector 31">
+            <a:extLst>
+              <a:ext uri="{FF2B5EF4-FFF2-40B4-BE49-F238E27FC236}">
+                <a16:creationId xmlns:a16="http://schemas.microsoft.com/office/drawing/2014/main" id="{2578A1B2-F3C8-5641-BEC5-7B1A69EC8609}"/>
+              </a:ext>
+            </a:extLst>
+          </p:cNvPr>
+          <p:cNvCxnSpPr>
+            <a:cxnSpLocks/>
+          </p:cNvCxnSpPr>
+          <p:nvPr/>
+        </p:nvCxnSpPr>
+        <p:spPr>
+          <a:xfrm flipH="1">
+            <a:off x="2498396" y="3968274"/>
+            <a:ext cx="7195208" cy="0"/>
+          </a:xfrm>
+          <a:prstGeom prst="straightConnector1">
+            <a:avLst/>
+          </a:prstGeom>
+          <a:ln w="12700">
+            <a:solidFill>
+              <a:schemeClr val="tx1"/>
+            </a:solidFill>
+          </a:ln>
+        </p:spPr>
+        <p:style>
+          <a:lnRef idx="1">
+            <a:schemeClr val="accent1"/>
+          </a:lnRef>
+          <a:fillRef idx="0">
+            <a:schemeClr val="accent1"/>
+          </a:fillRef>
+          <a:effectRef idx="0">
+            <a:schemeClr val="accent1"/>
+          </a:effectRef>
+          <a:fontRef idx="minor">
+            <a:schemeClr val="tx1"/>
+          </a:fontRef>
+        </p:style>
+      </p:cxnSp>
+      <p:cxnSp>
+        <p:nvCxnSpPr>
+          <p:cNvPr id="39" name="Straight Arrow Connector 38">
+            <a:extLst>
+              <a:ext uri="{FF2B5EF4-FFF2-40B4-BE49-F238E27FC236}">
+                <a16:creationId xmlns:a16="http://schemas.microsoft.com/office/drawing/2014/main" id="{6F5B000C-E8B5-2446-8D8E-AF7A7FF7E9AE}"/>
+              </a:ext>
+            </a:extLst>
+          </p:cNvPr>
+          <p:cNvCxnSpPr>
+            <a:cxnSpLocks/>
+          </p:cNvCxnSpPr>
+          <p:nvPr/>
+        </p:nvCxnSpPr>
+        <p:spPr>
+          <a:xfrm flipV="1">
+            <a:off x="3328988" y="1413282"/>
+            <a:ext cx="0" cy="1028680"/>
+          </a:xfrm>
+          <a:prstGeom prst="straightConnector1">
+            <a:avLst/>
+          </a:prstGeom>
+          <a:ln w="38100">
+            <a:solidFill>
+              <a:schemeClr val="tx1"/>
+            </a:solidFill>
+            <a:tailEnd type="triangle"/>
+          </a:ln>
+        </p:spPr>
+        <p:style>
+          <a:lnRef idx="1">
+            <a:schemeClr val="accent1"/>
+          </a:lnRef>
+          <a:fillRef idx="0">
+            <a:schemeClr val="accent1"/>
+          </a:fillRef>
+          <a:effectRef idx="0">
+            <a:schemeClr val="accent1"/>
+          </a:effectRef>
+          <a:fontRef idx="minor">
+            <a:schemeClr val="tx1"/>
+          </a:fontRef>
+        </p:style>
+      </p:cxnSp>
+      <p:cxnSp>
+        <p:nvCxnSpPr>
+          <p:cNvPr id="42" name="Straight Arrow Connector 41">
+            <a:extLst>
+              <a:ext uri="{FF2B5EF4-FFF2-40B4-BE49-F238E27FC236}">
+                <a16:creationId xmlns:a16="http://schemas.microsoft.com/office/drawing/2014/main" id="{E238D91B-AB06-FD4D-BCCE-C71055481EC1}"/>
+              </a:ext>
+            </a:extLst>
+          </p:cNvPr>
+          <p:cNvCxnSpPr>
+            <a:cxnSpLocks/>
+          </p:cNvCxnSpPr>
+          <p:nvPr/>
+        </p:nvCxnSpPr>
+        <p:spPr>
+          <a:xfrm flipV="1">
+            <a:off x="4852988" y="1285781"/>
+            <a:ext cx="1633537" cy="1139114"/>
+          </a:xfrm>
+          <a:prstGeom prst="straightConnector1">
+            <a:avLst/>
+          </a:prstGeom>
+          <a:ln w="38100">
+            <a:solidFill>
+              <a:schemeClr val="tx1"/>
+            </a:solidFill>
+            <a:tailEnd type="triangle"/>
+          </a:ln>
+        </p:spPr>
+        <p:style>
+          <a:lnRef idx="1">
+            <a:schemeClr val="accent1"/>
+          </a:lnRef>
+          <a:fillRef idx="0">
+            <a:schemeClr val="accent1"/>
+          </a:fillRef>
+          <a:effectRef idx="0">
+            <a:schemeClr val="accent1"/>
+          </a:effectRef>
+          <a:fontRef idx="minor">
+            <a:schemeClr val="tx1"/>
+          </a:fontRef>
+        </p:style>
+      </p:cxnSp>
+      <p:cxnSp>
+        <p:nvCxnSpPr>
+          <p:cNvPr id="44" name="Straight Arrow Connector 43">
+            <a:extLst>
+              <a:ext uri="{FF2B5EF4-FFF2-40B4-BE49-F238E27FC236}">
+                <a16:creationId xmlns:a16="http://schemas.microsoft.com/office/drawing/2014/main" id="{B4D33748-6062-DA40-AC75-66AD2C11B311}"/>
+              </a:ext>
+            </a:extLst>
+          </p:cNvPr>
+          <p:cNvCxnSpPr>
+            <a:cxnSpLocks/>
+          </p:cNvCxnSpPr>
+          <p:nvPr/>
+        </p:nvCxnSpPr>
+        <p:spPr>
+          <a:xfrm flipV="1">
+            <a:off x="9205913" y="1262203"/>
+            <a:ext cx="1633537" cy="1139114"/>
+          </a:xfrm>
+          <a:prstGeom prst="straightConnector1">
+            <a:avLst/>
+          </a:prstGeom>
+          <a:ln w="38100">
+            <a:solidFill>
+              <a:schemeClr val="tx1"/>
+            </a:solidFill>
+            <a:tailEnd type="triangle"/>
+          </a:ln>
+        </p:spPr>
+        <p:style>
+          <a:lnRef idx="1">
+            <a:schemeClr val="accent1"/>
+          </a:lnRef>
+          <a:fillRef idx="0">
+            <a:schemeClr val="accent1"/>
+          </a:fillRef>
+          <a:effectRef idx="0">
+            <a:schemeClr val="accent1"/>
+          </a:effectRef>
+          <a:fontRef idx="minor">
+            <a:schemeClr val="tx1"/>
+          </a:fontRef>
+        </p:style>
+      </p:cxnSp>
     </p:spTree>
     <p:extLst>
       <p:ext uri="{BB962C8B-B14F-4D97-AF65-F5344CB8AC3E}">
         <p14:creationId xmlns:p14="http://schemas.microsoft.com/office/powerpoint/2010/main" val="2104670364"/>
+      </p:ext>
+    </p:extLst>
+  </p:cSld>
+  <p:clrMapOvr>
+    <a:masterClrMapping/>
+  </p:clrMapOvr>
+</p:sld>
+</file>
+
+<file path=ppt/slides/slide6.xml><?xml version="1.0" encoding="utf-8"?>
+<p:sld xmlns:a="http://schemas.openxmlformats.org/drawingml/2006/main" xmlns:r="http://schemas.openxmlformats.org/officeDocument/2006/relationships" xmlns:p="http://schemas.openxmlformats.org/presentationml/2006/main">
+  <p:cSld>
+    <p:spTree>
+      <p:nvGrpSpPr>
+        <p:cNvPr id="1" name=""/>
+        <p:cNvGrpSpPr/>
+        <p:nvPr/>
+      </p:nvGrpSpPr>
+      <p:grpSpPr>
+        <a:xfrm>
+          <a:off x="0" y="0"/>
+          <a:ext cx="0" cy="0"/>
+          <a:chOff x="0" y="0"/>
+          <a:chExt cx="0" cy="0"/>
+        </a:xfrm>
+      </p:grpSpPr>
+      <p:sp>
+        <p:nvSpPr>
+          <p:cNvPr id="4" name="TextBox 3">
+            <a:extLst>
+              <a:ext uri="{FF2B5EF4-FFF2-40B4-BE49-F238E27FC236}">
+                <a16:creationId xmlns:a16="http://schemas.microsoft.com/office/drawing/2014/main" id="{FA13A68E-D6FA-DA42-9BC4-E6A9B9E217C5}"/>
+              </a:ext>
+            </a:extLst>
+          </p:cNvPr>
+          <p:cNvSpPr txBox="1"/>
+          <p:nvPr/>
+        </p:nvSpPr>
+        <p:spPr>
+          <a:xfrm>
+            <a:off x="1373268" y="1196641"/>
+            <a:ext cx="5862419" cy="672235"/>
+          </a:xfrm>
+          <a:prstGeom prst="rect">
+            <a:avLst/>
+          </a:prstGeom>
+          <a:noFill/>
+        </p:spPr>
+        <p:txBody>
+          <a:bodyPr wrap="square" rtlCol="0">
+            <a:spAutoFit/>
+          </a:bodyPr>
+          <a:lstStyle/>
+          <a:p>
+            <a:pPr>
+              <a:lnSpc>
+                <a:spcPct val="150000"/>
+              </a:lnSpc>
+            </a:pPr>
+            <a:r>
+              <a:rPr lang="en-US" sz="2800" dirty="0">
+                <a:latin typeface="Fira Code" panose="020B0509050000020004" pitchFamily="49" charset="0"/>
+                <a:ea typeface="Fira Code" panose="020B0509050000020004" pitchFamily="49" charset="0"/>
+              </a:rPr>
+              <a:t>scale_&lt;</a:t>
+            </a:r>
+            <a:r>
+              <a:rPr lang="en-US" sz="2800" dirty="0" err="1">
+                <a:latin typeface="Fira Code" panose="020B0509050000020004" pitchFamily="49" charset="0"/>
+                <a:ea typeface="Fira Code" panose="020B0509050000020004" pitchFamily="49" charset="0"/>
+              </a:rPr>
+              <a:t>aesthestic</a:t>
+            </a:r>
+            <a:r>
+              <a:rPr lang="en-US" sz="2800" dirty="0">
+                <a:latin typeface="Fira Code" panose="020B0509050000020004" pitchFamily="49" charset="0"/>
+                <a:ea typeface="Fira Code" panose="020B0509050000020004" pitchFamily="49" charset="0"/>
+              </a:rPr>
+              <a:t>&gt;_&lt;scale&gt;</a:t>
+            </a:r>
+          </a:p>
+        </p:txBody>
+      </p:sp>
+      <p:sp>
+        <p:nvSpPr>
+          <p:cNvPr id="5" name="Rectangle 4">
+            <a:extLst>
+              <a:ext uri="{FF2B5EF4-FFF2-40B4-BE49-F238E27FC236}">
+                <a16:creationId xmlns:a16="http://schemas.microsoft.com/office/drawing/2014/main" id="{10C77CE0-D2EA-F44C-9EF0-5A11DE8C06D7}"/>
+              </a:ext>
+            </a:extLst>
+          </p:cNvPr>
+          <p:cNvSpPr/>
+          <p:nvPr/>
+        </p:nvSpPr>
+        <p:spPr>
+          <a:xfrm>
+            <a:off x="2761969" y="1389670"/>
+            <a:ext cx="2499143" cy="413265"/>
+          </a:xfrm>
+          <a:prstGeom prst="rect">
+            <a:avLst/>
+          </a:prstGeom>
+          <a:solidFill>
+            <a:schemeClr val="accent2">
+              <a:alpha val="50000"/>
+            </a:schemeClr>
+          </a:solidFill>
+        </p:spPr>
+        <p:style>
+          <a:lnRef idx="2">
+            <a:schemeClr val="accent2">
+              <a:shade val="50000"/>
+            </a:schemeClr>
+          </a:lnRef>
+          <a:fillRef idx="1">
+            <a:schemeClr val="accent2"/>
+          </a:fillRef>
+          <a:effectRef idx="0">
+            <a:schemeClr val="accent2"/>
+          </a:effectRef>
+          <a:fontRef idx="minor">
+            <a:schemeClr val="lt1"/>
+          </a:fontRef>
+        </p:style>
+        <p:txBody>
+          <a:bodyPr rtlCol="0" anchor="ctr"/>
+          <a:lstStyle/>
+          <a:p>
+            <a:pPr algn="ctr"/>
+            <a:endParaRPr lang="en-US" sz="2800" dirty="0">
+              <a:solidFill>
+                <a:schemeClr val="accent2">
+                  <a:lumMod val="75000"/>
+                </a:schemeClr>
+              </a:solidFill>
+              <a:latin typeface="Fira Code" panose="020B0509050000020004" pitchFamily="49" charset="0"/>
+              <a:ea typeface="Fira Code" panose="020B0509050000020004" pitchFamily="49" charset="0"/>
+            </a:endParaRPr>
+          </a:p>
+        </p:txBody>
+      </p:sp>
+      <p:sp>
+        <p:nvSpPr>
+          <p:cNvPr id="6" name="Rectangle 5">
+            <a:extLst>
+              <a:ext uri="{FF2B5EF4-FFF2-40B4-BE49-F238E27FC236}">
+                <a16:creationId xmlns:a16="http://schemas.microsoft.com/office/drawing/2014/main" id="{15DB4904-7AD4-0142-A148-520560609849}"/>
+              </a:ext>
+            </a:extLst>
+          </p:cNvPr>
+          <p:cNvSpPr/>
+          <p:nvPr/>
+        </p:nvSpPr>
+        <p:spPr>
+          <a:xfrm>
+            <a:off x="5485291" y="1389669"/>
+            <a:ext cx="1538361" cy="413265"/>
+          </a:xfrm>
+          <a:prstGeom prst="rect">
+            <a:avLst/>
+          </a:prstGeom>
+          <a:solidFill>
+            <a:schemeClr val="accent2">
+              <a:alpha val="50000"/>
+            </a:schemeClr>
+          </a:solidFill>
+        </p:spPr>
+        <p:style>
+          <a:lnRef idx="2">
+            <a:schemeClr val="accent2">
+              <a:shade val="50000"/>
+            </a:schemeClr>
+          </a:lnRef>
+          <a:fillRef idx="1">
+            <a:schemeClr val="accent2"/>
+          </a:fillRef>
+          <a:effectRef idx="0">
+            <a:schemeClr val="accent2"/>
+          </a:effectRef>
+          <a:fontRef idx="minor">
+            <a:schemeClr val="lt1"/>
+          </a:fontRef>
+        </p:style>
+        <p:txBody>
+          <a:bodyPr rtlCol="0" anchor="ctr"/>
+          <a:lstStyle/>
+          <a:p>
+            <a:pPr algn="ctr"/>
+            <a:endParaRPr lang="en-US" sz="2800" dirty="0">
+              <a:solidFill>
+                <a:schemeClr val="accent2">
+                  <a:lumMod val="75000"/>
+                </a:schemeClr>
+              </a:solidFill>
+              <a:latin typeface="Fira Code" panose="020B0509050000020004" pitchFamily="49" charset="0"/>
+              <a:ea typeface="Fira Code" panose="020B0509050000020004" pitchFamily="49" charset="0"/>
+            </a:endParaRPr>
+          </a:p>
+        </p:txBody>
+      </p:sp>
+    </p:spTree>
+    <p:extLst>
+      <p:ext uri="{BB962C8B-B14F-4D97-AF65-F5344CB8AC3E}">
+        <p14:creationId xmlns:p14="http://schemas.microsoft.com/office/powerpoint/2010/main" val="2141105541"/>
+      </p:ext>
+    </p:extLst>
+  </p:cSld>
+  <p:clrMapOvr>
+    <a:masterClrMapping/>
+  </p:clrMapOvr>
+</p:sld>
+</file>
+
+<file path=ppt/slides/slide7.xml><?xml version="1.0" encoding="utf-8"?>
+<p:sld xmlns:a="http://schemas.openxmlformats.org/drawingml/2006/main" xmlns:r="http://schemas.openxmlformats.org/officeDocument/2006/relationships" xmlns:p="http://schemas.openxmlformats.org/presentationml/2006/main">
+  <p:cSld>
+    <p:spTree>
+      <p:nvGrpSpPr>
+        <p:cNvPr id="1" name=""/>
+        <p:cNvGrpSpPr/>
+        <p:nvPr/>
+      </p:nvGrpSpPr>
+      <p:grpSpPr>
+        <a:xfrm>
+          <a:off x="0" y="0"/>
+          <a:ext cx="0" cy="0"/>
+          <a:chOff x="0" y="0"/>
+          <a:chExt cx="0" cy="0"/>
+        </a:xfrm>
+      </p:grpSpPr>
+      <p:pic>
+        <p:nvPicPr>
+          <p:cNvPr id="5" name="Graphic 4">
+            <a:extLst>
+              <a:ext uri="{FF2B5EF4-FFF2-40B4-BE49-F238E27FC236}">
+                <a16:creationId xmlns:a16="http://schemas.microsoft.com/office/drawing/2014/main" id="{A804C9AB-ACE4-B743-8569-4D12ABE770E7}"/>
+              </a:ext>
+            </a:extLst>
+          </p:cNvPr>
+          <p:cNvPicPr>
+            <a:picLocks noChangeAspect="1"/>
+          </p:cNvPicPr>
+          <p:nvPr/>
+        </p:nvPicPr>
+        <p:blipFill>
+          <a:blip r:embed="rId2">
+            <a:extLst>
+              <a:ext uri="{96DAC541-7B7A-43D3-8B79-37D633B846F1}">
+                <asvg:svgBlip xmlns:asvg="http://schemas.microsoft.com/office/drawing/2016/SVG/main" r:embed="rId3"/>
+              </a:ext>
+            </a:extLst>
+          </a:blip>
+          <a:stretch>
+            <a:fillRect/>
+          </a:stretch>
+        </p:blipFill>
+        <p:spPr>
+          <a:xfrm>
+            <a:off x="649940" y="1499346"/>
+            <a:ext cx="4558553" cy="4558553"/>
+          </a:xfrm>
+          <a:prstGeom prst="rect">
+            <a:avLst/>
+          </a:prstGeom>
+        </p:spPr>
+      </p:pic>
+      <p:cxnSp>
+        <p:nvCxnSpPr>
+          <p:cNvPr id="6" name="Straight Arrow Connector 5">
+            <a:extLst>
+              <a:ext uri="{FF2B5EF4-FFF2-40B4-BE49-F238E27FC236}">
+                <a16:creationId xmlns:a16="http://schemas.microsoft.com/office/drawing/2014/main" id="{170EEAD6-4F9E-BA46-908D-F61FE3228088}"/>
+              </a:ext>
+            </a:extLst>
+          </p:cNvPr>
+          <p:cNvCxnSpPr>
+            <a:cxnSpLocks/>
+          </p:cNvCxnSpPr>
+          <p:nvPr/>
+        </p:nvCxnSpPr>
+        <p:spPr>
+          <a:xfrm flipH="1">
+            <a:off x="4515971" y="3939988"/>
+            <a:ext cx="1373841" cy="0"/>
+          </a:xfrm>
+          <a:prstGeom prst="straightConnector1">
+            <a:avLst/>
+          </a:prstGeom>
+          <a:ln w="25400">
+            <a:solidFill>
+              <a:schemeClr val="tx1"/>
+            </a:solidFill>
+            <a:tailEnd type="triangle"/>
+          </a:ln>
+        </p:spPr>
+        <p:style>
+          <a:lnRef idx="1">
+            <a:schemeClr val="accent1"/>
+          </a:lnRef>
+          <a:fillRef idx="0">
+            <a:schemeClr val="accent1"/>
+          </a:fillRef>
+          <a:effectRef idx="0">
+            <a:schemeClr val="accent1"/>
+          </a:effectRef>
+          <a:fontRef idx="minor">
+            <a:schemeClr val="tx1"/>
+          </a:fontRef>
+        </p:style>
+      </p:cxnSp>
+      <p:sp>
+        <p:nvSpPr>
+          <p:cNvPr id="9" name="TextBox 8">
+            <a:extLst>
+              <a:ext uri="{FF2B5EF4-FFF2-40B4-BE49-F238E27FC236}">
+                <a16:creationId xmlns:a16="http://schemas.microsoft.com/office/drawing/2014/main" id="{3EFE3F77-44A0-5F4C-AF2E-09A09A2BBA0F}"/>
+              </a:ext>
+            </a:extLst>
+          </p:cNvPr>
+          <p:cNvSpPr txBox="1"/>
+          <p:nvPr/>
+        </p:nvSpPr>
+        <p:spPr>
+          <a:xfrm>
+            <a:off x="7109012" y="2827476"/>
+            <a:ext cx="914400" cy="369332"/>
+          </a:xfrm>
+          <a:prstGeom prst="rect">
+            <a:avLst/>
+          </a:prstGeom>
+          <a:noFill/>
+        </p:spPr>
+        <p:txBody>
+          <a:bodyPr wrap="square" rtlCol="0">
+            <a:spAutoFit/>
+          </a:bodyPr>
+          <a:lstStyle/>
+          <a:p>
+            <a:r>
+              <a:rPr lang="en-US" dirty="0"/>
+              <a:t>Test</a:t>
+            </a:r>
+          </a:p>
+        </p:txBody>
+      </p:sp>
+    </p:spTree>
+    <p:extLst>
+      <p:ext uri="{BB962C8B-B14F-4D97-AF65-F5344CB8AC3E}">
+        <p14:creationId xmlns:p14="http://schemas.microsoft.com/office/powerpoint/2010/main" val="1823708029"/>
       </p:ext>
     </p:extLst>
   </p:cSld>

--- a/images/images.pptx
+++ b/images/images.pptx
@@ -265,7 +265,7 @@
           <a:p>
             <a:fld id="{D70AA946-6B48-AE44-B444-CD9A353E3B7B}" type="datetimeFigureOut">
               <a:rPr lang="en-US" smtClean="0"/>
-              <a:t>11/6/19</a:t>
+              <a:t>11/7/19</a:t>
             </a:fld>
             <a:endParaRPr lang="en-US"/>
           </a:p>
@@ -463,7 +463,7 @@
           <a:p>
             <a:fld id="{D70AA946-6B48-AE44-B444-CD9A353E3B7B}" type="datetimeFigureOut">
               <a:rPr lang="en-US" smtClean="0"/>
-              <a:t>11/6/19</a:t>
+              <a:t>11/7/19</a:t>
             </a:fld>
             <a:endParaRPr lang="en-US"/>
           </a:p>
@@ -671,7 +671,7 @@
           <a:p>
             <a:fld id="{D70AA946-6B48-AE44-B444-CD9A353E3B7B}" type="datetimeFigureOut">
               <a:rPr lang="en-US" smtClean="0"/>
-              <a:t>11/6/19</a:t>
+              <a:t>11/7/19</a:t>
             </a:fld>
             <a:endParaRPr lang="en-US"/>
           </a:p>
@@ -869,7 +869,7 @@
           <a:p>
             <a:fld id="{D70AA946-6B48-AE44-B444-CD9A353E3B7B}" type="datetimeFigureOut">
               <a:rPr lang="en-US" smtClean="0"/>
-              <a:t>11/6/19</a:t>
+              <a:t>11/7/19</a:t>
             </a:fld>
             <a:endParaRPr lang="en-US"/>
           </a:p>
@@ -1144,7 +1144,7 @@
           <a:p>
             <a:fld id="{D70AA946-6B48-AE44-B444-CD9A353E3B7B}" type="datetimeFigureOut">
               <a:rPr lang="en-US" smtClean="0"/>
-              <a:t>11/6/19</a:t>
+              <a:t>11/7/19</a:t>
             </a:fld>
             <a:endParaRPr lang="en-US"/>
           </a:p>
@@ -1409,7 +1409,7 @@
           <a:p>
             <a:fld id="{D70AA946-6B48-AE44-B444-CD9A353E3B7B}" type="datetimeFigureOut">
               <a:rPr lang="en-US" smtClean="0"/>
-              <a:t>11/6/19</a:t>
+              <a:t>11/7/19</a:t>
             </a:fld>
             <a:endParaRPr lang="en-US"/>
           </a:p>
@@ -1821,7 +1821,7 @@
           <a:p>
             <a:fld id="{D70AA946-6B48-AE44-B444-CD9A353E3B7B}" type="datetimeFigureOut">
               <a:rPr lang="en-US" smtClean="0"/>
-              <a:t>11/6/19</a:t>
+              <a:t>11/7/19</a:t>
             </a:fld>
             <a:endParaRPr lang="en-US"/>
           </a:p>
@@ -1962,7 +1962,7 @@
           <a:p>
             <a:fld id="{D70AA946-6B48-AE44-B444-CD9A353E3B7B}" type="datetimeFigureOut">
               <a:rPr lang="en-US" smtClean="0"/>
-              <a:t>11/6/19</a:t>
+              <a:t>11/7/19</a:t>
             </a:fld>
             <a:endParaRPr lang="en-US"/>
           </a:p>
@@ -2075,7 +2075,7 @@
           <a:p>
             <a:fld id="{D70AA946-6B48-AE44-B444-CD9A353E3B7B}" type="datetimeFigureOut">
               <a:rPr lang="en-US" smtClean="0"/>
-              <a:t>11/6/19</a:t>
+              <a:t>11/7/19</a:t>
             </a:fld>
             <a:endParaRPr lang="en-US"/>
           </a:p>
@@ -2386,7 +2386,7 @@
           <a:p>
             <a:fld id="{D70AA946-6B48-AE44-B444-CD9A353E3B7B}" type="datetimeFigureOut">
               <a:rPr lang="en-US" smtClean="0"/>
-              <a:t>11/6/19</a:t>
+              <a:t>11/7/19</a:t>
             </a:fld>
             <a:endParaRPr lang="en-US"/>
           </a:p>
@@ -2674,7 +2674,7 @@
           <a:p>
             <a:fld id="{D70AA946-6B48-AE44-B444-CD9A353E3B7B}" type="datetimeFigureOut">
               <a:rPr lang="en-US" smtClean="0"/>
-              <a:t>11/6/19</a:t>
+              <a:t>11/7/19</a:t>
             </a:fld>
             <a:endParaRPr lang="en-US"/>
           </a:p>
@@ -2915,7 +2915,7 @@
           <a:p>
             <a:fld id="{D70AA946-6B48-AE44-B444-CD9A353E3B7B}" type="datetimeFigureOut">
               <a:rPr lang="en-US" smtClean="0"/>
-              <a:t>11/6/19</a:t>
+              <a:t>11/7/19</a:t>
             </a:fld>
             <a:endParaRPr lang="en-US"/>
           </a:p>
@@ -3731,6 +3731,11 @@
             <a:avLst/>
           </a:prstGeom>
           <a:noFill/>
+          <a:ln>
+            <a:solidFill>
+              <a:schemeClr val="tx1"/>
+            </a:solidFill>
+          </a:ln>
         </p:spPr>
         <p:txBody>
           <a:bodyPr wrap="none" rtlCol="0">
@@ -3790,6 +3795,13 @@
             </a:r>
             <a:r>
               <a:rPr lang="en-US" sz="2800" dirty="0">
+                <a:latin typeface="Fira Code" panose="020B0509050000020004" pitchFamily="49" charset="0"/>
+                <a:ea typeface="Fira Code" panose="020B0509050000020004" pitchFamily="49" charset="0"/>
+              </a:rPr>
+              <a:t>(</a:t>
+            </a:r>
+            <a:r>
+              <a:rPr lang="en-US" sz="2800" dirty="0">
                 <a:solidFill>
                   <a:schemeClr val="accent2">
                     <a:lumMod val="50000"/>
@@ -3798,7 +3810,7 @@
                 <a:latin typeface="Fira Code" panose="020B0509050000020004" pitchFamily="49" charset="0"/>
                 <a:ea typeface="Fira Code" panose="020B0509050000020004" pitchFamily="49" charset="0"/>
               </a:rPr>
-              <a:t>(&lt;mappings&gt;</a:t>
+              <a:t>&lt;mappings&gt;</a:t>
             </a:r>
             <a:r>
               <a:rPr lang="en-US" sz="2800" dirty="0">
@@ -4199,358 +4211,600 @@
       </p:sp>
       <p:sp>
         <p:nvSpPr>
-          <p:cNvPr id="37" name="TextBox 36">
-            <a:extLst>
-              <a:ext uri="{FF2B5EF4-FFF2-40B4-BE49-F238E27FC236}">
-                <a16:creationId xmlns:a16="http://schemas.microsoft.com/office/drawing/2014/main" id="{EF63E35E-1094-3A4C-B177-FB514643CD7D}"/>
-              </a:ext>
-            </a:extLst>
-          </p:cNvPr>
-          <p:cNvSpPr txBox="1"/>
+          <p:cNvPr id="3" name="Freeform 2">
+            <a:extLst>
+              <a:ext uri="{FF2B5EF4-FFF2-40B4-BE49-F238E27FC236}">
+                <a16:creationId xmlns:a16="http://schemas.microsoft.com/office/drawing/2014/main" id="{0011AECD-09E6-9C40-BB29-3AB55459A0B0}"/>
+              </a:ext>
+            </a:extLst>
+          </p:cNvPr>
+          <p:cNvSpPr/>
           <p:nvPr/>
         </p:nvSpPr>
         <p:spPr>
           <a:xfrm>
-            <a:off x="7512050" y="4936728"/>
-            <a:ext cx="3778249" cy="1384995"/>
+            <a:off x="3144075" y="2298700"/>
+            <a:ext cx="265875" cy="399302"/>
           </a:xfrm>
-          <a:prstGeom prst="rect">
+          <a:custGeom>
             <a:avLst/>
-          </a:prstGeom>
+            <a:gdLst>
+              <a:gd name="connsiteX0" fmla="*/ 113475 w 265875"/>
+              <a:gd name="connsiteY0" fmla="*/ 0 h 399302"/>
+              <a:gd name="connsiteX1" fmla="*/ 5525 w 265875"/>
+              <a:gd name="connsiteY1" fmla="*/ 355600 h 399302"/>
+              <a:gd name="connsiteX2" fmla="*/ 265875 w 265875"/>
+              <a:gd name="connsiteY2" fmla="*/ 381000 h 399302"/>
+            </a:gdLst>
+            <a:ahLst/>
+            <a:cxnLst>
+              <a:cxn ang="0">
+                <a:pos x="connsiteX0" y="connsiteY0"/>
+              </a:cxn>
+              <a:cxn ang="0">
+                <a:pos x="connsiteX1" y="connsiteY1"/>
+              </a:cxn>
+              <a:cxn ang="0">
+                <a:pos x="connsiteX2" y="connsiteY2"/>
+              </a:cxn>
+            </a:cxnLst>
+            <a:rect l="l" t="t" r="r" b="b"/>
+            <a:pathLst>
+              <a:path w="265875" h="399302">
+                <a:moveTo>
+                  <a:pt x="113475" y="0"/>
+                </a:moveTo>
+                <a:cubicBezTo>
+                  <a:pt x="46800" y="146050"/>
+                  <a:pt x="-19875" y="292100"/>
+                  <a:pt x="5525" y="355600"/>
+                </a:cubicBezTo>
+                <a:cubicBezTo>
+                  <a:pt x="30925" y="419100"/>
+                  <a:pt x="148400" y="400050"/>
+                  <a:pt x="265875" y="381000"/>
+                </a:cubicBezTo>
+              </a:path>
+            </a:pathLst>
+          </a:custGeom>
           <a:noFill/>
-        </p:spPr>
-        <p:txBody>
-          <a:bodyPr wrap="square" rtlCol="0">
-            <a:spAutoFit/>
-          </a:bodyPr>
-          <a:lstStyle/>
-          <a:p>
-            <a:pPr algn="ctr"/>
-            <a:r>
-              <a:rPr lang="en-US" sz="2800" dirty="0">
-                <a:latin typeface="American Typewriter" panose="02090604020004020304" pitchFamily="18" charset="77"/>
-              </a:rPr>
-              <a:t>Each layer inherits </a:t>
-            </a:r>
-            <a:r>
-              <a:rPr lang="en-US" sz="2800" dirty="0" err="1">
-                <a:latin typeface="American Typewriter" panose="02090604020004020304" pitchFamily="18" charset="77"/>
-              </a:rPr>
-              <a:t>aesthestic</a:t>
-            </a:r>
-            <a:r>
-              <a:rPr lang="en-US" sz="2800" dirty="0">
-                <a:latin typeface="American Typewriter" panose="02090604020004020304" pitchFamily="18" charset="77"/>
-              </a:rPr>
-              <a:t> mappings and data</a:t>
-            </a:r>
-          </a:p>
-        </p:txBody>
-      </p:sp>
-      <p:cxnSp>
-        <p:nvCxnSpPr>
-          <p:cNvPr id="43" name="Straight Connector 42">
-            <a:extLst>
-              <a:ext uri="{FF2B5EF4-FFF2-40B4-BE49-F238E27FC236}">
-                <a16:creationId xmlns:a16="http://schemas.microsoft.com/office/drawing/2014/main" id="{29FD9C08-7C89-6D48-8F35-B03E7822F493}"/>
-              </a:ext>
-            </a:extLst>
-          </p:cNvPr>
-          <p:cNvCxnSpPr>
-            <a:cxnSpLocks/>
-          </p:cNvCxnSpPr>
-          <p:nvPr/>
-        </p:nvCxnSpPr>
-        <p:spPr>
-          <a:xfrm>
-            <a:off x="6131206" y="2320216"/>
-            <a:ext cx="0" cy="1579662"/>
-          </a:xfrm>
-          <a:prstGeom prst="line">
-            <a:avLst/>
-          </a:prstGeom>
-          <a:ln w="12700">
+          <a:ln>
             <a:solidFill>
-              <a:schemeClr val="tx1"/>
+              <a:schemeClr val="tx1">
+                <a:lumMod val="50000"/>
+                <a:lumOff val="50000"/>
+              </a:schemeClr>
             </a:solidFill>
+            <a:tailEnd type="triangle"/>
           </a:ln>
         </p:spPr>
         <p:style>
-          <a:lnRef idx="1">
-            <a:schemeClr val="accent1"/>
+          <a:lnRef idx="2">
+            <a:schemeClr val="accent1">
+              <a:shade val="50000"/>
+            </a:schemeClr>
           </a:lnRef>
-          <a:fillRef idx="0">
+          <a:fillRef idx="1">
             <a:schemeClr val="accent1"/>
           </a:fillRef>
           <a:effectRef idx="0">
             <a:schemeClr val="accent1"/>
           </a:effectRef>
           <a:fontRef idx="minor">
-            <a:schemeClr val="tx1"/>
+            <a:schemeClr val="lt1"/>
           </a:fontRef>
         </p:style>
-      </p:cxnSp>
-      <p:cxnSp>
-        <p:nvCxnSpPr>
-          <p:cNvPr id="45" name="Straight Arrow Connector 44">
-            <a:extLst>
-              <a:ext uri="{FF2B5EF4-FFF2-40B4-BE49-F238E27FC236}">
-                <a16:creationId xmlns:a16="http://schemas.microsoft.com/office/drawing/2014/main" id="{9F244CB4-EE5D-BE49-BD2D-FF2165CDF347}"/>
-              </a:ext>
-            </a:extLst>
-          </p:cNvPr>
-          <p:cNvCxnSpPr>
-            <a:cxnSpLocks/>
-          </p:cNvCxnSpPr>
+        <p:txBody>
+          <a:bodyPr rtlCol="0" anchor="ctr"/>
+          <a:lstStyle/>
+          <a:p>
+            <a:pPr algn="ctr"/>
+            <a:endParaRPr lang="en-US">
+              <a:solidFill>
+                <a:schemeClr val="tx1"/>
+              </a:solidFill>
+            </a:endParaRPr>
+          </a:p>
+        </p:txBody>
+      </p:sp>
+      <p:sp>
+        <p:nvSpPr>
+          <p:cNvPr id="9" name="Freeform 8">
+            <a:extLst>
+              <a:ext uri="{FF2B5EF4-FFF2-40B4-BE49-F238E27FC236}">
+                <a16:creationId xmlns:a16="http://schemas.microsoft.com/office/drawing/2014/main" id="{71D605C6-CE51-7E4E-B0BC-BC3B8D2DCB26}"/>
+              </a:ext>
+            </a:extLst>
+          </p:cNvPr>
+          <p:cNvSpPr/>
           <p:nvPr/>
-        </p:nvCxnSpPr>
+        </p:nvSpPr>
         <p:spPr>
-          <a:xfrm flipH="1">
-            <a:off x="5399230" y="2553385"/>
-            <a:ext cx="731976" cy="0"/>
+          <a:xfrm>
+            <a:off x="2879463" y="2292350"/>
+            <a:ext cx="549537" cy="990600"/>
           </a:xfrm>
-          <a:prstGeom prst="straightConnector1">
+          <a:custGeom>
             <a:avLst/>
-          </a:prstGeom>
-          <a:ln w="12700">
+            <a:gdLst>
+              <a:gd name="connsiteX0" fmla="*/ 359037 w 549537"/>
+              <a:gd name="connsiteY0" fmla="*/ 0 h 990600"/>
+              <a:gd name="connsiteX1" fmla="*/ 3437 w 549537"/>
+              <a:gd name="connsiteY1" fmla="*/ 774700 h 990600"/>
+              <a:gd name="connsiteX2" fmla="*/ 549537 w 549537"/>
+              <a:gd name="connsiteY2" fmla="*/ 990600 h 990600"/>
+            </a:gdLst>
+            <a:ahLst/>
+            <a:cxnLst>
+              <a:cxn ang="0">
+                <a:pos x="connsiteX0" y="connsiteY0"/>
+              </a:cxn>
+              <a:cxn ang="0">
+                <a:pos x="connsiteX1" y="connsiteY1"/>
+              </a:cxn>
+              <a:cxn ang="0">
+                <a:pos x="connsiteX2" y="connsiteY2"/>
+              </a:cxn>
+            </a:cxnLst>
+            <a:rect l="l" t="t" r="r" b="b"/>
+            <a:pathLst>
+              <a:path w="549537" h="990600">
+                <a:moveTo>
+                  <a:pt x="359037" y="0"/>
+                </a:moveTo>
+                <a:cubicBezTo>
+                  <a:pt x="165362" y="304800"/>
+                  <a:pt x="-28313" y="609600"/>
+                  <a:pt x="3437" y="774700"/>
+                </a:cubicBezTo>
+                <a:cubicBezTo>
+                  <a:pt x="35187" y="939800"/>
+                  <a:pt x="292362" y="965200"/>
+                  <a:pt x="549537" y="990600"/>
+                </a:cubicBezTo>
+              </a:path>
+            </a:pathLst>
+          </a:custGeom>
+          <a:noFill/>
+          <a:ln>
             <a:solidFill>
-              <a:schemeClr val="tx1"/>
+              <a:schemeClr val="tx1">
+                <a:lumMod val="50000"/>
+                <a:lumOff val="50000"/>
+              </a:schemeClr>
             </a:solidFill>
             <a:tailEnd type="triangle"/>
           </a:ln>
         </p:spPr>
         <p:style>
-          <a:lnRef idx="1">
-            <a:schemeClr val="accent1"/>
+          <a:lnRef idx="2">
+            <a:schemeClr val="accent1">
+              <a:shade val="50000"/>
+            </a:schemeClr>
           </a:lnRef>
-          <a:fillRef idx="0">
+          <a:fillRef idx="1">
             <a:schemeClr val="accent1"/>
           </a:fillRef>
           <a:effectRef idx="0">
             <a:schemeClr val="accent1"/>
           </a:effectRef>
           <a:fontRef idx="minor">
-            <a:schemeClr val="tx1"/>
+            <a:schemeClr val="lt1"/>
           </a:fontRef>
         </p:style>
-      </p:cxnSp>
-      <p:cxnSp>
-        <p:nvCxnSpPr>
-          <p:cNvPr id="47" name="Straight Arrow Connector 46">
-            <a:extLst>
-              <a:ext uri="{FF2B5EF4-FFF2-40B4-BE49-F238E27FC236}">
-                <a16:creationId xmlns:a16="http://schemas.microsoft.com/office/drawing/2014/main" id="{B988368A-D05A-2E4D-897F-CD74B7913037}"/>
-              </a:ext>
-            </a:extLst>
-          </p:cNvPr>
-          <p:cNvCxnSpPr>
-            <a:cxnSpLocks/>
-          </p:cNvCxnSpPr>
+        <p:txBody>
+          <a:bodyPr rtlCol="0" anchor="ctr"/>
+          <a:lstStyle/>
+          <a:p>
+            <a:pPr algn="ctr"/>
+            <a:endParaRPr lang="en-US">
+              <a:solidFill>
+                <a:schemeClr val="tx1"/>
+              </a:solidFill>
+            </a:endParaRPr>
+          </a:p>
+        </p:txBody>
+      </p:sp>
+      <p:sp>
+        <p:nvSpPr>
+          <p:cNvPr id="11" name="Freeform 10">
+            <a:extLst>
+              <a:ext uri="{FF2B5EF4-FFF2-40B4-BE49-F238E27FC236}">
+                <a16:creationId xmlns:a16="http://schemas.microsoft.com/office/drawing/2014/main" id="{6E5F5159-466A-C64C-A6BE-05B0E775888F}"/>
+              </a:ext>
+            </a:extLst>
+          </p:cNvPr>
+          <p:cNvSpPr/>
           <p:nvPr/>
-        </p:nvCxnSpPr>
+        </p:nvSpPr>
         <p:spPr>
-          <a:xfrm flipH="1">
-            <a:off x="5399229" y="3201085"/>
-            <a:ext cx="731977" cy="0"/>
+          <a:xfrm>
+            <a:off x="2511206" y="2286000"/>
+            <a:ext cx="936844" cy="1657350"/>
           </a:xfrm>
-          <a:prstGeom prst="straightConnector1">
+          <a:custGeom>
             <a:avLst/>
-          </a:prstGeom>
-          <a:ln w="12700">
+            <a:gdLst>
+              <a:gd name="connsiteX0" fmla="*/ 682844 w 936844"/>
+              <a:gd name="connsiteY0" fmla="*/ 0 h 1657350"/>
+              <a:gd name="connsiteX1" fmla="*/ 3394 w 936844"/>
+              <a:gd name="connsiteY1" fmla="*/ 1155700 h 1657350"/>
+              <a:gd name="connsiteX2" fmla="*/ 936844 w 936844"/>
+              <a:gd name="connsiteY2" fmla="*/ 1657350 h 1657350"/>
+            </a:gdLst>
+            <a:ahLst/>
+            <a:cxnLst>
+              <a:cxn ang="0">
+                <a:pos x="connsiteX0" y="connsiteY0"/>
+              </a:cxn>
+              <a:cxn ang="0">
+                <a:pos x="connsiteX1" y="connsiteY1"/>
+              </a:cxn>
+              <a:cxn ang="0">
+                <a:pos x="connsiteX2" y="connsiteY2"/>
+              </a:cxn>
+            </a:cxnLst>
+            <a:rect l="l" t="t" r="r" b="b"/>
+            <a:pathLst>
+              <a:path w="936844" h="1657350">
+                <a:moveTo>
+                  <a:pt x="682844" y="0"/>
+                </a:moveTo>
+                <a:cubicBezTo>
+                  <a:pt x="321952" y="439737"/>
+                  <a:pt x="-38939" y="879475"/>
+                  <a:pt x="3394" y="1155700"/>
+                </a:cubicBezTo>
+                <a:cubicBezTo>
+                  <a:pt x="45727" y="1431925"/>
+                  <a:pt x="491285" y="1544637"/>
+                  <a:pt x="936844" y="1657350"/>
+                </a:cubicBezTo>
+              </a:path>
+            </a:pathLst>
+          </a:custGeom>
+          <a:noFill/>
+          <a:ln>
             <a:solidFill>
-              <a:schemeClr val="tx1"/>
+              <a:schemeClr val="tx1">
+                <a:lumMod val="50000"/>
+                <a:lumOff val="50000"/>
+              </a:schemeClr>
             </a:solidFill>
             <a:tailEnd type="triangle"/>
           </a:ln>
         </p:spPr>
         <p:style>
-          <a:lnRef idx="1">
-            <a:schemeClr val="accent1"/>
+          <a:lnRef idx="2">
+            <a:schemeClr val="accent1">
+              <a:shade val="50000"/>
+            </a:schemeClr>
           </a:lnRef>
-          <a:fillRef idx="0">
+          <a:fillRef idx="1">
             <a:schemeClr val="accent1"/>
           </a:fillRef>
           <a:effectRef idx="0">
             <a:schemeClr val="accent1"/>
           </a:effectRef>
           <a:fontRef idx="minor">
-            <a:schemeClr val="tx1"/>
+            <a:schemeClr val="lt1"/>
           </a:fontRef>
         </p:style>
-      </p:cxnSp>
-      <p:cxnSp>
-        <p:nvCxnSpPr>
-          <p:cNvPr id="48" name="Straight Arrow Connector 47">
-            <a:extLst>
-              <a:ext uri="{FF2B5EF4-FFF2-40B4-BE49-F238E27FC236}">
-                <a16:creationId xmlns:a16="http://schemas.microsoft.com/office/drawing/2014/main" id="{69E37A53-1084-D243-8C9F-7DF4E517D429}"/>
-              </a:ext>
-            </a:extLst>
-          </p:cNvPr>
-          <p:cNvCxnSpPr>
-            <a:cxnSpLocks/>
-          </p:cNvCxnSpPr>
+        <p:txBody>
+          <a:bodyPr rtlCol="0" anchor="ctr"/>
+          <a:lstStyle/>
+          <a:p>
+            <a:pPr algn="ctr"/>
+            <a:endParaRPr lang="en-US">
+              <a:solidFill>
+                <a:schemeClr val="tx1"/>
+              </a:solidFill>
+            </a:endParaRPr>
+          </a:p>
+        </p:txBody>
+      </p:sp>
+      <p:sp>
+        <p:nvSpPr>
+          <p:cNvPr id="12" name="Freeform 11">
+            <a:extLst>
+              <a:ext uri="{FF2B5EF4-FFF2-40B4-BE49-F238E27FC236}">
+                <a16:creationId xmlns:a16="http://schemas.microsoft.com/office/drawing/2014/main" id="{41968A81-4BD0-8F4E-A026-59709AC0D255}"/>
+              </a:ext>
+            </a:extLst>
+          </p:cNvPr>
+          <p:cNvSpPr/>
           <p:nvPr/>
-        </p:nvCxnSpPr>
+        </p:nvSpPr>
         <p:spPr>
-          <a:xfrm flipH="1" flipV="1">
-            <a:off x="5399229" y="3899585"/>
-            <a:ext cx="731977" cy="293"/>
+          <a:xfrm>
+            <a:off x="5416550" y="2260600"/>
+            <a:ext cx="355600" cy="368300"/>
           </a:xfrm>
-          <a:prstGeom prst="straightConnector1">
+          <a:custGeom>
             <a:avLst/>
-          </a:prstGeom>
-          <a:ln w="12700">
+            <a:gdLst>
+              <a:gd name="connsiteX0" fmla="*/ 355600 w 355600"/>
+              <a:gd name="connsiteY0" fmla="*/ 0 h 368300"/>
+              <a:gd name="connsiteX1" fmla="*/ 234950 w 355600"/>
+              <a:gd name="connsiteY1" fmla="*/ 254000 h 368300"/>
+              <a:gd name="connsiteX2" fmla="*/ 0 w 355600"/>
+              <a:gd name="connsiteY2" fmla="*/ 368300 h 368300"/>
+            </a:gdLst>
+            <a:ahLst/>
+            <a:cxnLst>
+              <a:cxn ang="0">
+                <a:pos x="connsiteX0" y="connsiteY0"/>
+              </a:cxn>
+              <a:cxn ang="0">
+                <a:pos x="connsiteX1" y="connsiteY1"/>
+              </a:cxn>
+              <a:cxn ang="0">
+                <a:pos x="connsiteX2" y="connsiteY2"/>
+              </a:cxn>
+            </a:cxnLst>
+            <a:rect l="l" t="t" r="r" b="b"/>
+            <a:pathLst>
+              <a:path w="355600" h="368300">
+                <a:moveTo>
+                  <a:pt x="355600" y="0"/>
+                </a:moveTo>
+                <a:cubicBezTo>
+                  <a:pt x="324908" y="96308"/>
+                  <a:pt x="294217" y="192617"/>
+                  <a:pt x="234950" y="254000"/>
+                </a:cubicBezTo>
+                <a:cubicBezTo>
+                  <a:pt x="175683" y="315383"/>
+                  <a:pt x="87841" y="341841"/>
+                  <a:pt x="0" y="368300"/>
+                </a:cubicBezTo>
+              </a:path>
+            </a:pathLst>
+          </a:custGeom>
+          <a:noFill/>
+          <a:ln>
             <a:solidFill>
-              <a:schemeClr val="tx1"/>
+              <a:schemeClr val="tx1">
+                <a:lumMod val="50000"/>
+                <a:lumOff val="50000"/>
+              </a:schemeClr>
             </a:solidFill>
             <a:tailEnd type="triangle"/>
           </a:ln>
         </p:spPr>
         <p:style>
-          <a:lnRef idx="1">
-            <a:schemeClr val="accent1"/>
+          <a:lnRef idx="2">
+            <a:schemeClr val="accent1">
+              <a:shade val="50000"/>
+            </a:schemeClr>
           </a:lnRef>
-          <a:fillRef idx="0">
+          <a:fillRef idx="1">
             <a:schemeClr val="accent1"/>
           </a:fillRef>
           <a:effectRef idx="0">
             <a:schemeClr val="accent1"/>
           </a:effectRef>
           <a:fontRef idx="minor">
-            <a:schemeClr val="tx1"/>
+            <a:schemeClr val="lt1"/>
           </a:fontRef>
         </p:style>
-      </p:cxnSp>
-      <p:cxnSp>
-        <p:nvCxnSpPr>
-          <p:cNvPr id="51" name="Straight Connector 50">
-            <a:extLst>
-              <a:ext uri="{FF2B5EF4-FFF2-40B4-BE49-F238E27FC236}">
-                <a16:creationId xmlns:a16="http://schemas.microsoft.com/office/drawing/2014/main" id="{4B516628-1538-764A-93D3-B3E3BCA9EBDB}"/>
-              </a:ext>
-            </a:extLst>
-          </p:cNvPr>
-          <p:cNvCxnSpPr>
-            <a:cxnSpLocks/>
-          </p:cNvCxnSpPr>
+        <p:txBody>
+          <a:bodyPr rtlCol="0" anchor="ctr"/>
+          <a:lstStyle/>
+          <a:p>
+            <a:pPr algn="ctr"/>
+            <a:endParaRPr lang="en-US">
+              <a:solidFill>
+                <a:schemeClr val="tx1"/>
+              </a:solidFill>
+            </a:endParaRPr>
+          </a:p>
+        </p:txBody>
+      </p:sp>
+      <p:sp>
+        <p:nvSpPr>
+          <p:cNvPr id="13" name="Freeform 12">
+            <a:extLst>
+              <a:ext uri="{FF2B5EF4-FFF2-40B4-BE49-F238E27FC236}">
+                <a16:creationId xmlns:a16="http://schemas.microsoft.com/office/drawing/2014/main" id="{B6D8048A-0C2A-814C-BAE5-118C32FB495B}"/>
+              </a:ext>
+            </a:extLst>
+          </p:cNvPr>
+          <p:cNvSpPr/>
           <p:nvPr/>
-        </p:nvCxnSpPr>
+        </p:nvSpPr>
         <p:spPr>
           <a:xfrm>
-            <a:off x="3739451" y="2236107"/>
-            <a:ext cx="0" cy="89442"/>
+            <a:off x="5410200" y="2266950"/>
+            <a:ext cx="711200" cy="977900"/>
           </a:xfrm>
-          <a:prstGeom prst="line">
+          <a:custGeom>
             <a:avLst/>
-          </a:prstGeom>
-          <a:ln w="12700">
+            <a:gdLst>
+              <a:gd name="connsiteX0" fmla="*/ 711200 w 711200"/>
+              <a:gd name="connsiteY0" fmla="*/ 0 h 977900"/>
+              <a:gd name="connsiteX1" fmla="*/ 527050 w 711200"/>
+              <a:gd name="connsiteY1" fmla="*/ 736600 h 977900"/>
+              <a:gd name="connsiteX2" fmla="*/ 0 w 711200"/>
+              <a:gd name="connsiteY2" fmla="*/ 977900 h 977900"/>
+              <a:gd name="connsiteX3" fmla="*/ 0 w 711200"/>
+              <a:gd name="connsiteY3" fmla="*/ 977900 h 977900"/>
+            </a:gdLst>
+            <a:ahLst/>
+            <a:cxnLst>
+              <a:cxn ang="0">
+                <a:pos x="connsiteX0" y="connsiteY0"/>
+              </a:cxn>
+              <a:cxn ang="0">
+                <a:pos x="connsiteX1" y="connsiteY1"/>
+              </a:cxn>
+              <a:cxn ang="0">
+                <a:pos x="connsiteX2" y="connsiteY2"/>
+              </a:cxn>
+              <a:cxn ang="0">
+                <a:pos x="connsiteX3" y="connsiteY3"/>
+              </a:cxn>
+            </a:cxnLst>
+            <a:rect l="l" t="t" r="r" b="b"/>
+            <a:pathLst>
+              <a:path w="711200" h="977900">
+                <a:moveTo>
+                  <a:pt x="711200" y="0"/>
+                </a:moveTo>
+                <a:cubicBezTo>
+                  <a:pt x="678391" y="286808"/>
+                  <a:pt x="645583" y="573617"/>
+                  <a:pt x="527050" y="736600"/>
+                </a:cubicBezTo>
+                <a:cubicBezTo>
+                  <a:pt x="408517" y="899583"/>
+                  <a:pt x="0" y="977900"/>
+                  <a:pt x="0" y="977900"/>
+                </a:cubicBezTo>
+                <a:lnTo>
+                  <a:pt x="0" y="977900"/>
+                </a:lnTo>
+              </a:path>
+            </a:pathLst>
+          </a:custGeom>
+          <a:noFill/>
+          <a:ln>
             <a:solidFill>
-              <a:schemeClr val="tx1"/>
+              <a:schemeClr val="tx1">
+                <a:lumMod val="50000"/>
+                <a:lumOff val="50000"/>
+              </a:schemeClr>
             </a:solidFill>
+            <a:tailEnd type="triangle"/>
           </a:ln>
         </p:spPr>
         <p:style>
-          <a:lnRef idx="1">
-            <a:schemeClr val="accent1"/>
+          <a:lnRef idx="2">
+            <a:schemeClr val="accent1">
+              <a:shade val="50000"/>
+            </a:schemeClr>
           </a:lnRef>
-          <a:fillRef idx="0">
+          <a:fillRef idx="1">
             <a:schemeClr val="accent1"/>
           </a:fillRef>
           <a:effectRef idx="0">
             <a:schemeClr val="accent1"/>
           </a:effectRef>
           <a:fontRef idx="minor">
-            <a:schemeClr val="tx1"/>
+            <a:schemeClr val="lt1"/>
           </a:fontRef>
         </p:style>
-      </p:cxnSp>
-      <p:cxnSp>
-        <p:nvCxnSpPr>
-          <p:cNvPr id="57" name="Straight Connector 56">
-            <a:extLst>
-              <a:ext uri="{FF2B5EF4-FFF2-40B4-BE49-F238E27FC236}">
-                <a16:creationId xmlns:a16="http://schemas.microsoft.com/office/drawing/2014/main" id="{BC8C7910-7045-A645-93EA-B98B5E088026}"/>
-              </a:ext>
-            </a:extLst>
-          </p:cNvPr>
-          <p:cNvCxnSpPr>
-            <a:cxnSpLocks/>
-          </p:cNvCxnSpPr>
+        <p:txBody>
+          <a:bodyPr rtlCol="0" anchor="ctr"/>
+          <a:lstStyle/>
+          <a:p>
+            <a:pPr algn="ctr"/>
+            <a:endParaRPr lang="en-US">
+              <a:solidFill>
+                <a:schemeClr val="tx1"/>
+              </a:solidFill>
+            </a:endParaRPr>
+          </a:p>
+        </p:txBody>
+      </p:sp>
+      <p:sp>
+        <p:nvSpPr>
+          <p:cNvPr id="14" name="Freeform 13">
+            <a:extLst>
+              <a:ext uri="{FF2B5EF4-FFF2-40B4-BE49-F238E27FC236}">
+                <a16:creationId xmlns:a16="http://schemas.microsoft.com/office/drawing/2014/main" id="{FB26253D-44C4-F34B-8E82-C50E6FA55106}"/>
+              </a:ext>
+            </a:extLst>
+          </p:cNvPr>
+          <p:cNvSpPr/>
           <p:nvPr/>
-        </p:nvCxnSpPr>
+        </p:nvSpPr>
         <p:spPr>
           <a:xfrm>
-            <a:off x="6779057" y="2220836"/>
-            <a:ext cx="0" cy="101515"/>
+            <a:off x="5429250" y="2273300"/>
+            <a:ext cx="1040102" cy="1689100"/>
           </a:xfrm>
-          <a:prstGeom prst="line">
+          <a:custGeom>
             <a:avLst/>
-          </a:prstGeom>
-          <a:ln w="12700">
+            <a:gdLst>
+              <a:gd name="connsiteX0" fmla="*/ 1022350 w 1040102"/>
+              <a:gd name="connsiteY0" fmla="*/ 0 h 1689100"/>
+              <a:gd name="connsiteX1" fmla="*/ 901700 w 1040102"/>
+              <a:gd name="connsiteY1" fmla="*/ 1390650 h 1689100"/>
+              <a:gd name="connsiteX2" fmla="*/ 0 w 1040102"/>
+              <a:gd name="connsiteY2" fmla="*/ 1689100 h 1689100"/>
+            </a:gdLst>
+            <a:ahLst/>
+            <a:cxnLst>
+              <a:cxn ang="0">
+                <a:pos x="connsiteX0" y="connsiteY0"/>
+              </a:cxn>
+              <a:cxn ang="0">
+                <a:pos x="connsiteX1" y="connsiteY1"/>
+              </a:cxn>
+              <a:cxn ang="0">
+                <a:pos x="connsiteX2" y="connsiteY2"/>
+              </a:cxn>
+            </a:cxnLst>
+            <a:rect l="l" t="t" r="r" b="b"/>
+            <a:pathLst>
+              <a:path w="1040102" h="1689100">
+                <a:moveTo>
+                  <a:pt x="1022350" y="0"/>
+                </a:moveTo>
+                <a:cubicBezTo>
+                  <a:pt x="1047221" y="554566"/>
+                  <a:pt x="1072092" y="1109133"/>
+                  <a:pt x="901700" y="1390650"/>
+                </a:cubicBezTo>
+                <a:cubicBezTo>
+                  <a:pt x="731308" y="1672167"/>
+                  <a:pt x="365654" y="1680633"/>
+                  <a:pt x="0" y="1689100"/>
+                </a:cubicBezTo>
+              </a:path>
+            </a:pathLst>
+          </a:custGeom>
+          <a:noFill/>
+          <a:ln>
             <a:solidFill>
-              <a:schemeClr val="tx1"/>
+              <a:schemeClr val="tx1">
+                <a:lumMod val="50000"/>
+                <a:lumOff val="50000"/>
+              </a:schemeClr>
             </a:solidFill>
+            <a:tailEnd type="triangle"/>
           </a:ln>
         </p:spPr>
         <p:style>
-          <a:lnRef idx="1">
-            <a:schemeClr val="accent1"/>
+          <a:lnRef idx="2">
+            <a:schemeClr val="accent1">
+              <a:shade val="50000"/>
+            </a:schemeClr>
           </a:lnRef>
-          <a:fillRef idx="0">
+          <a:fillRef idx="1">
             <a:schemeClr val="accent1"/>
           </a:fillRef>
           <a:effectRef idx="0">
             <a:schemeClr val="accent1"/>
           </a:effectRef>
           <a:fontRef idx="minor">
-            <a:schemeClr val="tx1"/>
+            <a:schemeClr val="lt1"/>
           </a:fontRef>
         </p:style>
-      </p:cxnSp>
-      <p:cxnSp>
-        <p:nvCxnSpPr>
-          <p:cNvPr id="62" name="Straight Connector 61">
-            <a:extLst>
-              <a:ext uri="{FF2B5EF4-FFF2-40B4-BE49-F238E27FC236}">
-                <a16:creationId xmlns:a16="http://schemas.microsoft.com/office/drawing/2014/main" id="{9B3F6CF8-7872-4948-BE0A-79DEDF5C11CE}"/>
-              </a:ext>
-            </a:extLst>
-          </p:cNvPr>
-          <p:cNvCxnSpPr>
-            <a:cxnSpLocks/>
-          </p:cNvCxnSpPr>
-          <p:nvPr/>
-        </p:nvCxnSpPr>
-        <p:spPr>
-          <a:xfrm>
-            <a:off x="3732606" y="2319199"/>
-            <a:ext cx="3045122" cy="0"/>
-          </a:xfrm>
-          <a:prstGeom prst="line">
-            <a:avLst/>
-          </a:prstGeom>
-          <a:ln w="12700">
-            <a:solidFill>
-              <a:schemeClr val="tx1"/>
-            </a:solidFill>
-          </a:ln>
-        </p:spPr>
-        <p:style>
-          <a:lnRef idx="1">
-            <a:schemeClr val="accent1"/>
-          </a:lnRef>
-          <a:fillRef idx="0">
-            <a:schemeClr val="accent1"/>
-          </a:fillRef>
-          <a:effectRef idx="0">
-            <a:schemeClr val="accent1"/>
-          </a:effectRef>
-          <a:fontRef idx="minor">
-            <a:schemeClr val="tx1"/>
-          </a:fontRef>
-        </p:style>
-      </p:cxnSp>
+        <p:txBody>
+          <a:bodyPr rtlCol="0" anchor="ctr"/>
+          <a:lstStyle/>
+          <a:p>
+            <a:pPr algn="ctr"/>
+            <a:endParaRPr lang="en-US">
+              <a:solidFill>
+                <a:schemeClr val="tx1"/>
+              </a:solidFill>
+            </a:endParaRPr>
+          </a:p>
+        </p:txBody>
+      </p:sp>
     </p:spTree>
     <p:extLst>
       <p:ext uri="{BB962C8B-B14F-4D97-AF65-F5344CB8AC3E}">
@@ -5437,231 +5691,6 @@
           </a:p>
         </p:txBody>
       </p:sp>
-      <p:sp>
-        <p:nvSpPr>
-          <p:cNvPr id="37" name="TextBox 36">
-            <a:extLst>
-              <a:ext uri="{FF2B5EF4-FFF2-40B4-BE49-F238E27FC236}">
-                <a16:creationId xmlns:a16="http://schemas.microsoft.com/office/drawing/2014/main" id="{EF63E35E-1094-3A4C-B177-FB514643CD7D}"/>
-              </a:ext>
-            </a:extLst>
-          </p:cNvPr>
-          <p:cNvSpPr txBox="1"/>
-          <p:nvPr/>
-        </p:nvSpPr>
-        <p:spPr>
-          <a:xfrm>
-            <a:off x="7531100" y="4548541"/>
-            <a:ext cx="3778249" cy="1384995"/>
-          </a:xfrm>
-          <a:prstGeom prst="rect">
-            <a:avLst/>
-          </a:prstGeom>
-          <a:noFill/>
-        </p:spPr>
-        <p:txBody>
-          <a:bodyPr wrap="square" rtlCol="0">
-            <a:spAutoFit/>
-          </a:bodyPr>
-          <a:lstStyle/>
-          <a:p>
-            <a:pPr algn="ctr"/>
-            <a:r>
-              <a:rPr lang="en-US" sz="2800" dirty="0">
-                <a:latin typeface="American Typewriter" panose="02090604020004020304" pitchFamily="18" charset="77"/>
-              </a:rPr>
-              <a:t>Either </a:t>
-            </a:r>
-            <a:r>
-              <a:rPr lang="en-US" sz="2800" dirty="0" err="1">
-                <a:latin typeface="American Typewriter" panose="02090604020004020304" pitchFamily="18" charset="77"/>
-              </a:rPr>
-              <a:t>aesthestic</a:t>
-            </a:r>
-            <a:r>
-              <a:rPr lang="en-US" sz="2800" dirty="0">
-                <a:latin typeface="American Typewriter" panose="02090604020004020304" pitchFamily="18" charset="77"/>
-              </a:rPr>
-              <a:t> and/or data can be overwritten</a:t>
-            </a:r>
-          </a:p>
-        </p:txBody>
-      </p:sp>
-      <p:cxnSp>
-        <p:nvCxnSpPr>
-          <p:cNvPr id="43" name="Straight Connector 42">
-            <a:extLst>
-              <a:ext uri="{FF2B5EF4-FFF2-40B4-BE49-F238E27FC236}">
-                <a16:creationId xmlns:a16="http://schemas.microsoft.com/office/drawing/2014/main" id="{29FD9C08-7C89-6D48-8F35-B03E7822F493}"/>
-              </a:ext>
-            </a:extLst>
-          </p:cNvPr>
-          <p:cNvCxnSpPr>
-            <a:cxnSpLocks/>
-          </p:cNvCxnSpPr>
-          <p:nvPr/>
-        </p:nvCxnSpPr>
-        <p:spPr>
-          <a:xfrm>
-            <a:off x="7543308" y="2218605"/>
-            <a:ext cx="0" cy="956599"/>
-          </a:xfrm>
-          <a:prstGeom prst="line">
-            <a:avLst/>
-          </a:prstGeom>
-          <a:ln w="12700">
-            <a:solidFill>
-              <a:schemeClr val="tx1"/>
-            </a:solidFill>
-          </a:ln>
-        </p:spPr>
-        <p:style>
-          <a:lnRef idx="1">
-            <a:schemeClr val="accent1"/>
-          </a:lnRef>
-          <a:fillRef idx="0">
-            <a:schemeClr val="accent1"/>
-          </a:fillRef>
-          <a:effectRef idx="0">
-            <a:schemeClr val="accent1"/>
-          </a:effectRef>
-          <a:fontRef idx="minor">
-            <a:schemeClr val="tx1"/>
-          </a:fontRef>
-        </p:style>
-      </p:cxnSp>
-      <p:cxnSp>
-        <p:nvCxnSpPr>
-          <p:cNvPr id="45" name="Straight Arrow Connector 44">
-            <a:extLst>
-              <a:ext uri="{FF2B5EF4-FFF2-40B4-BE49-F238E27FC236}">
-                <a16:creationId xmlns:a16="http://schemas.microsoft.com/office/drawing/2014/main" id="{9F244CB4-EE5D-BE49-BD2D-FF2165CDF347}"/>
-              </a:ext>
-            </a:extLst>
-          </p:cNvPr>
-          <p:cNvCxnSpPr>
-            <a:cxnSpLocks/>
-          </p:cNvCxnSpPr>
-          <p:nvPr/>
-        </p:nvCxnSpPr>
-        <p:spPr>
-          <a:xfrm>
-            <a:off x="7542979" y="3175204"/>
-            <a:ext cx="1" cy="468361"/>
-          </a:xfrm>
-          <a:prstGeom prst="straightConnector1">
-            <a:avLst/>
-          </a:prstGeom>
-          <a:ln w="12700">
-            <a:solidFill>
-              <a:schemeClr val="tx1"/>
-            </a:solidFill>
-            <a:tailEnd type="triangle"/>
-          </a:ln>
-        </p:spPr>
-        <p:style>
-          <a:lnRef idx="1">
-            <a:schemeClr val="accent1"/>
-          </a:lnRef>
-          <a:fillRef idx="0">
-            <a:schemeClr val="accent1"/>
-          </a:fillRef>
-          <a:effectRef idx="0">
-            <a:schemeClr val="accent1"/>
-          </a:effectRef>
-          <a:fontRef idx="minor">
-            <a:schemeClr val="tx1"/>
-          </a:fontRef>
-        </p:style>
-      </p:cxnSp>
-      <p:cxnSp>
-        <p:nvCxnSpPr>
-          <p:cNvPr id="47" name="Straight Arrow Connector 46">
-            <a:extLst>
-              <a:ext uri="{FF2B5EF4-FFF2-40B4-BE49-F238E27FC236}">
-                <a16:creationId xmlns:a16="http://schemas.microsoft.com/office/drawing/2014/main" id="{B988368A-D05A-2E4D-897F-CD74B7913037}"/>
-              </a:ext>
-            </a:extLst>
-          </p:cNvPr>
-          <p:cNvCxnSpPr>
-            <a:cxnSpLocks/>
-          </p:cNvCxnSpPr>
-          <p:nvPr/>
-        </p:nvCxnSpPr>
-        <p:spPr>
-          <a:xfrm flipH="1">
-            <a:off x="6639010" y="3175204"/>
-            <a:ext cx="908920" cy="0"/>
-          </a:xfrm>
-          <a:prstGeom prst="straightConnector1">
-            <a:avLst/>
-          </a:prstGeom>
-          <a:ln w="12700">
-            <a:solidFill>
-              <a:schemeClr val="tx1"/>
-            </a:solidFill>
-            <a:tailEnd type="triangle"/>
-          </a:ln>
-        </p:spPr>
-        <p:style>
-          <a:lnRef idx="1">
-            <a:schemeClr val="accent1"/>
-          </a:lnRef>
-          <a:fillRef idx="0">
-            <a:schemeClr val="accent1"/>
-          </a:fillRef>
-          <a:effectRef idx="0">
-            <a:schemeClr val="accent1"/>
-          </a:effectRef>
-          <a:fontRef idx="minor">
-            <a:schemeClr val="tx1"/>
-          </a:fontRef>
-        </p:style>
-      </p:cxnSp>
-      <p:cxnSp>
-        <p:nvCxnSpPr>
-          <p:cNvPr id="48" name="Straight Arrow Connector 47">
-            <a:extLst>
-              <a:ext uri="{FF2B5EF4-FFF2-40B4-BE49-F238E27FC236}">
-                <a16:creationId xmlns:a16="http://schemas.microsoft.com/office/drawing/2014/main" id="{69E37A53-1084-D243-8C9F-7DF4E517D429}"/>
-              </a:ext>
-            </a:extLst>
-          </p:cNvPr>
-          <p:cNvCxnSpPr>
-            <a:cxnSpLocks/>
-          </p:cNvCxnSpPr>
-          <p:nvPr/>
-        </p:nvCxnSpPr>
-        <p:spPr>
-          <a:xfrm flipH="1">
-            <a:off x="7057623" y="2533854"/>
-            <a:ext cx="481065" cy="0"/>
-          </a:xfrm>
-          <a:prstGeom prst="straightConnector1">
-            <a:avLst/>
-          </a:prstGeom>
-          <a:ln w="12700">
-            <a:solidFill>
-              <a:schemeClr val="tx1"/>
-            </a:solidFill>
-            <a:tailEnd type="triangle"/>
-          </a:ln>
-        </p:spPr>
-        <p:style>
-          <a:lnRef idx="1">
-            <a:schemeClr val="accent1"/>
-          </a:lnRef>
-          <a:fillRef idx="0">
-            <a:schemeClr val="accent1"/>
-          </a:fillRef>
-          <a:effectRef idx="0">
-            <a:schemeClr val="accent1"/>
-          </a:effectRef>
-          <a:fontRef idx="minor">
-            <a:schemeClr val="tx1"/>
-          </a:fontRef>
-        </p:style>
-      </p:cxnSp>
       <p:cxnSp>
         <p:nvCxnSpPr>
           <p:cNvPr id="51" name="Straight Connector 50">
@@ -5680,49 +5709,6 @@
           <a:xfrm>
             <a:off x="3759197" y="2221969"/>
             <a:ext cx="0" cy="89442"/>
-          </a:xfrm>
-          <a:prstGeom prst="line">
-            <a:avLst/>
-          </a:prstGeom>
-          <a:ln w="12700">
-            <a:solidFill>
-              <a:schemeClr val="tx1"/>
-            </a:solidFill>
-          </a:ln>
-        </p:spPr>
-        <p:style>
-          <a:lnRef idx="1">
-            <a:schemeClr val="accent1"/>
-          </a:lnRef>
-          <a:fillRef idx="0">
-            <a:schemeClr val="accent1"/>
-          </a:fillRef>
-          <a:effectRef idx="0">
-            <a:schemeClr val="accent1"/>
-          </a:effectRef>
-          <a:fontRef idx="minor">
-            <a:schemeClr val="tx1"/>
-          </a:fontRef>
-        </p:style>
-      </p:cxnSp>
-      <p:cxnSp>
-        <p:nvCxnSpPr>
-          <p:cNvPr id="20" name="Straight Connector 19">
-            <a:extLst>
-              <a:ext uri="{FF2B5EF4-FFF2-40B4-BE49-F238E27FC236}">
-                <a16:creationId xmlns:a16="http://schemas.microsoft.com/office/drawing/2014/main" id="{D7889D09-ADEF-F549-B7DF-3EF45B5F2D91}"/>
-              </a:ext>
-            </a:extLst>
-          </p:cNvPr>
-          <p:cNvCxnSpPr>
-            <a:cxnSpLocks/>
-          </p:cNvCxnSpPr>
-          <p:nvPr/>
-        </p:nvCxnSpPr>
-        <p:spPr>
-          <a:xfrm flipH="1" flipV="1">
-            <a:off x="3753016" y="2308047"/>
-            <a:ext cx="3794914" cy="2997"/>
           </a:xfrm>
           <a:prstGeom prst="line">
             <a:avLst/>
@@ -7692,6 +7678,373 @@
               <a:rPr lang="en-US" dirty="0"/>
               <a:t>Test</a:t>
             </a:r>
+          </a:p>
+        </p:txBody>
+      </p:sp>
+      <p:sp>
+        <p:nvSpPr>
+          <p:cNvPr id="2" name="Freeform 1">
+            <a:extLst>
+              <a:ext uri="{FF2B5EF4-FFF2-40B4-BE49-F238E27FC236}">
+                <a16:creationId xmlns:a16="http://schemas.microsoft.com/office/drawing/2014/main" id="{A6FC985D-F86C-044C-B81D-0D799353A4EE}"/>
+              </a:ext>
+            </a:extLst>
+          </p:cNvPr>
+          <p:cNvSpPr/>
+          <p:nvPr/>
+        </p:nvSpPr>
+        <p:spPr>
+          <a:xfrm>
+            <a:off x="5417032" y="4029666"/>
+            <a:ext cx="1816188" cy="819807"/>
+          </a:xfrm>
+          <a:custGeom>
+            <a:avLst/>
+            <a:gdLst>
+              <a:gd name="connsiteX0" fmla="*/ 0 w 1816188"/>
+              <a:gd name="connsiteY0" fmla="*/ 819807 h 819807"/>
+              <a:gd name="connsiteX1" fmla="*/ 0 w 1816188"/>
+              <a:gd name="connsiteY1" fmla="*/ 819807 h 819807"/>
+              <a:gd name="connsiteX2" fmla="*/ 163961 w 1816188"/>
+              <a:gd name="connsiteY2" fmla="*/ 807195 h 819807"/>
+              <a:gd name="connsiteX3" fmla="*/ 208105 w 1816188"/>
+              <a:gd name="connsiteY3" fmla="*/ 800888 h 819807"/>
+              <a:gd name="connsiteX4" fmla="*/ 309004 w 1816188"/>
+              <a:gd name="connsiteY4" fmla="*/ 788276 h 819807"/>
+              <a:gd name="connsiteX5" fmla="*/ 365760 w 1816188"/>
+              <a:gd name="connsiteY5" fmla="*/ 775664 h 819807"/>
+              <a:gd name="connsiteX6" fmla="*/ 403597 w 1816188"/>
+              <a:gd name="connsiteY6" fmla="*/ 763051 h 819807"/>
+              <a:gd name="connsiteX7" fmla="*/ 466659 w 1816188"/>
+              <a:gd name="connsiteY7" fmla="*/ 744133 h 819807"/>
+              <a:gd name="connsiteX8" fmla="*/ 523415 w 1816188"/>
+              <a:gd name="connsiteY8" fmla="*/ 731520 h 819807"/>
+              <a:gd name="connsiteX9" fmla="*/ 611702 w 1816188"/>
+              <a:gd name="connsiteY9" fmla="*/ 693683 h 819807"/>
+              <a:gd name="connsiteX10" fmla="*/ 662152 w 1816188"/>
+              <a:gd name="connsiteY10" fmla="*/ 674764 h 819807"/>
+              <a:gd name="connsiteX11" fmla="*/ 744132 w 1816188"/>
+              <a:gd name="connsiteY11" fmla="*/ 649540 h 819807"/>
+              <a:gd name="connsiteX12" fmla="*/ 775664 w 1816188"/>
+              <a:gd name="connsiteY12" fmla="*/ 636927 h 819807"/>
+              <a:gd name="connsiteX13" fmla="*/ 813501 w 1816188"/>
+              <a:gd name="connsiteY13" fmla="*/ 624315 h 819807"/>
+              <a:gd name="connsiteX14" fmla="*/ 832419 w 1816188"/>
+              <a:gd name="connsiteY14" fmla="*/ 618008 h 819807"/>
+              <a:gd name="connsiteX15" fmla="*/ 863950 w 1816188"/>
+              <a:gd name="connsiteY15" fmla="*/ 605396 h 819807"/>
+              <a:gd name="connsiteX16" fmla="*/ 908094 w 1816188"/>
+              <a:gd name="connsiteY16" fmla="*/ 599090 h 819807"/>
+              <a:gd name="connsiteX17" fmla="*/ 945931 w 1816188"/>
+              <a:gd name="connsiteY17" fmla="*/ 592784 h 819807"/>
+              <a:gd name="connsiteX18" fmla="*/ 977462 w 1816188"/>
+              <a:gd name="connsiteY18" fmla="*/ 586477 h 819807"/>
+              <a:gd name="connsiteX19" fmla="*/ 1040524 w 1816188"/>
+              <a:gd name="connsiteY19" fmla="*/ 580171 h 819807"/>
+              <a:gd name="connsiteX20" fmla="*/ 1418897 w 1816188"/>
+              <a:gd name="connsiteY20" fmla="*/ 567559 h 819807"/>
+              <a:gd name="connsiteX21" fmla="*/ 1431509 w 1816188"/>
+              <a:gd name="connsiteY21" fmla="*/ 592784 h 819807"/>
+              <a:gd name="connsiteX22" fmla="*/ 1816188 w 1816188"/>
+              <a:gd name="connsiteY22" fmla="*/ 0 h 819807"/>
+            </a:gdLst>
+            <a:ahLst/>
+            <a:cxnLst>
+              <a:cxn ang="0">
+                <a:pos x="connsiteX0" y="connsiteY0"/>
+              </a:cxn>
+              <a:cxn ang="0">
+                <a:pos x="connsiteX1" y="connsiteY1"/>
+              </a:cxn>
+              <a:cxn ang="0">
+                <a:pos x="connsiteX2" y="connsiteY2"/>
+              </a:cxn>
+              <a:cxn ang="0">
+                <a:pos x="connsiteX3" y="connsiteY3"/>
+              </a:cxn>
+              <a:cxn ang="0">
+                <a:pos x="connsiteX4" y="connsiteY4"/>
+              </a:cxn>
+              <a:cxn ang="0">
+                <a:pos x="connsiteX5" y="connsiteY5"/>
+              </a:cxn>
+              <a:cxn ang="0">
+                <a:pos x="connsiteX6" y="connsiteY6"/>
+              </a:cxn>
+              <a:cxn ang="0">
+                <a:pos x="connsiteX7" y="connsiteY7"/>
+              </a:cxn>
+              <a:cxn ang="0">
+                <a:pos x="connsiteX8" y="connsiteY8"/>
+              </a:cxn>
+              <a:cxn ang="0">
+                <a:pos x="connsiteX9" y="connsiteY9"/>
+              </a:cxn>
+              <a:cxn ang="0">
+                <a:pos x="connsiteX10" y="connsiteY10"/>
+              </a:cxn>
+              <a:cxn ang="0">
+                <a:pos x="connsiteX11" y="connsiteY11"/>
+              </a:cxn>
+              <a:cxn ang="0">
+                <a:pos x="connsiteX12" y="connsiteY12"/>
+              </a:cxn>
+              <a:cxn ang="0">
+                <a:pos x="connsiteX13" y="connsiteY13"/>
+              </a:cxn>
+              <a:cxn ang="0">
+                <a:pos x="connsiteX14" y="connsiteY14"/>
+              </a:cxn>
+              <a:cxn ang="0">
+                <a:pos x="connsiteX15" y="connsiteY15"/>
+              </a:cxn>
+              <a:cxn ang="0">
+                <a:pos x="connsiteX16" y="connsiteY16"/>
+              </a:cxn>
+              <a:cxn ang="0">
+                <a:pos x="connsiteX17" y="connsiteY17"/>
+              </a:cxn>
+              <a:cxn ang="0">
+                <a:pos x="connsiteX18" y="connsiteY18"/>
+              </a:cxn>
+              <a:cxn ang="0">
+                <a:pos x="connsiteX19" y="connsiteY19"/>
+              </a:cxn>
+              <a:cxn ang="0">
+                <a:pos x="connsiteX20" y="connsiteY20"/>
+              </a:cxn>
+              <a:cxn ang="0">
+                <a:pos x="connsiteX21" y="connsiteY21"/>
+              </a:cxn>
+              <a:cxn ang="0">
+                <a:pos x="connsiteX22" y="connsiteY22"/>
+              </a:cxn>
+            </a:cxnLst>
+            <a:rect l="l" t="t" r="r" b="b"/>
+            <a:pathLst>
+              <a:path w="1816188" h="819807">
+                <a:moveTo>
+                  <a:pt x="0" y="819807"/>
+                </a:moveTo>
+                <a:lnTo>
+                  <a:pt x="0" y="819807"/>
+                </a:lnTo>
+                <a:lnTo>
+                  <a:pt x="163961" y="807195"/>
+                </a:lnTo>
+                <a:cubicBezTo>
+                  <a:pt x="178764" y="805849"/>
+                  <a:pt x="193343" y="802625"/>
+                  <a:pt x="208105" y="800888"/>
+                </a:cubicBezTo>
+                <a:cubicBezTo>
+                  <a:pt x="260897" y="794677"/>
+                  <a:pt x="264245" y="797227"/>
+                  <a:pt x="309004" y="788276"/>
+                </a:cubicBezTo>
+                <a:cubicBezTo>
+                  <a:pt x="328008" y="784475"/>
+                  <a:pt x="347034" y="780658"/>
+                  <a:pt x="365760" y="775664"/>
+                </a:cubicBezTo>
+                <a:cubicBezTo>
+                  <a:pt x="378606" y="772238"/>
+                  <a:pt x="390908" y="767016"/>
+                  <a:pt x="403597" y="763051"/>
+                </a:cubicBezTo>
+                <a:cubicBezTo>
+                  <a:pt x="424544" y="756505"/>
+                  <a:pt x="445435" y="749718"/>
+                  <a:pt x="466659" y="744133"/>
+                </a:cubicBezTo>
+                <a:cubicBezTo>
+                  <a:pt x="485401" y="739201"/>
+                  <a:pt x="505110" y="737887"/>
+                  <a:pt x="523415" y="731520"/>
+                </a:cubicBezTo>
+                <a:cubicBezTo>
+                  <a:pt x="553656" y="721001"/>
+                  <a:pt x="581723" y="704925"/>
+                  <a:pt x="611702" y="693683"/>
+                </a:cubicBezTo>
+                <a:cubicBezTo>
+                  <a:pt x="628519" y="687377"/>
+                  <a:pt x="645113" y="680444"/>
+                  <a:pt x="662152" y="674764"/>
+                </a:cubicBezTo>
+                <a:cubicBezTo>
+                  <a:pt x="748267" y="646059"/>
+                  <a:pt x="666419" y="677799"/>
+                  <a:pt x="744132" y="649540"/>
+                </a:cubicBezTo>
+                <a:cubicBezTo>
+                  <a:pt x="754771" y="645671"/>
+                  <a:pt x="765025" y="640796"/>
+                  <a:pt x="775664" y="636927"/>
+                </a:cubicBezTo>
+                <a:cubicBezTo>
+                  <a:pt x="788158" y="632384"/>
+                  <a:pt x="800889" y="628519"/>
+                  <a:pt x="813501" y="624315"/>
+                </a:cubicBezTo>
+                <a:cubicBezTo>
+                  <a:pt x="819807" y="622213"/>
+                  <a:pt x="826247" y="620477"/>
+                  <a:pt x="832419" y="618008"/>
+                </a:cubicBezTo>
+                <a:cubicBezTo>
+                  <a:pt x="842929" y="613804"/>
+                  <a:pt x="852968" y="608141"/>
+                  <a:pt x="863950" y="605396"/>
+                </a:cubicBezTo>
+                <a:cubicBezTo>
+                  <a:pt x="878370" y="601791"/>
+                  <a:pt x="893403" y="601350"/>
+                  <a:pt x="908094" y="599090"/>
+                </a:cubicBezTo>
+                <a:cubicBezTo>
+                  <a:pt x="920732" y="597146"/>
+                  <a:pt x="933351" y="595071"/>
+                  <a:pt x="945931" y="592784"/>
+                </a:cubicBezTo>
+                <a:cubicBezTo>
+                  <a:pt x="956477" y="590867"/>
+                  <a:pt x="966838" y="587894"/>
+                  <a:pt x="977462" y="586477"/>
+                </a:cubicBezTo>
+                <a:cubicBezTo>
+                  <a:pt x="998402" y="583685"/>
+                  <a:pt x="1019485" y="582084"/>
+                  <a:pt x="1040524" y="580171"/>
+                </a:cubicBezTo>
+                <a:cubicBezTo>
+                  <a:pt x="1197717" y="565881"/>
+                  <a:pt x="1166863" y="572810"/>
+                  <a:pt x="1418897" y="567559"/>
+                </a:cubicBezTo>
+                <a:cubicBezTo>
+                  <a:pt x="1432675" y="588226"/>
+                  <a:pt x="1431509" y="578898"/>
+                  <a:pt x="1431509" y="592784"/>
+                </a:cubicBezTo>
+                <a:lnTo>
+                  <a:pt x="1816188" y="0"/>
+                </a:lnTo>
+              </a:path>
+            </a:pathLst>
+          </a:custGeom>
+          <a:noFill/>
+        </p:spPr>
+        <p:style>
+          <a:lnRef idx="2">
+            <a:schemeClr val="accent1">
+              <a:shade val="50000"/>
+            </a:schemeClr>
+          </a:lnRef>
+          <a:fillRef idx="1">
+            <a:schemeClr val="accent1"/>
+          </a:fillRef>
+          <a:effectRef idx="0">
+            <a:schemeClr val="accent1"/>
+          </a:effectRef>
+          <a:fontRef idx="minor">
+            <a:schemeClr val="lt1"/>
+          </a:fontRef>
+        </p:style>
+        <p:txBody>
+          <a:bodyPr rtlCol="0" anchor="ctr"/>
+          <a:lstStyle/>
+          <a:p>
+            <a:pPr algn="ctr"/>
+            <a:endParaRPr lang="en-US" dirty="0"/>
+          </a:p>
+        </p:txBody>
+      </p:sp>
+      <p:sp>
+        <p:nvSpPr>
+          <p:cNvPr id="3" name="Freeform 2">
+            <a:extLst>
+              <a:ext uri="{FF2B5EF4-FFF2-40B4-BE49-F238E27FC236}">
+                <a16:creationId xmlns:a16="http://schemas.microsoft.com/office/drawing/2014/main" id="{0468096F-B888-4346-BAC2-872729910DAF}"/>
+              </a:ext>
+            </a:extLst>
+          </p:cNvPr>
+          <p:cNvSpPr/>
+          <p:nvPr/>
+        </p:nvSpPr>
+        <p:spPr>
+          <a:xfrm>
+            <a:off x="5594497" y="2133098"/>
+            <a:ext cx="469754" cy="649540"/>
+          </a:xfrm>
+          <a:custGeom>
+            <a:avLst/>
+            <a:gdLst>
+              <a:gd name="connsiteX0" fmla="*/ 0 w 3277447"/>
+              <a:gd name="connsiteY0" fmla="*/ 649540 h 649540"/>
+              <a:gd name="connsiteX1" fmla="*/ 3209859 w 3277447"/>
+              <a:gd name="connsiteY1" fmla="*/ 517109 h 649540"/>
+              <a:gd name="connsiteX2" fmla="*/ 1872944 w 3277447"/>
+              <a:gd name="connsiteY2" fmla="*/ 0 h 649540"/>
+            </a:gdLst>
+            <a:ahLst/>
+            <a:cxnLst>
+              <a:cxn ang="0">
+                <a:pos x="connsiteX0" y="connsiteY0"/>
+              </a:cxn>
+              <a:cxn ang="0">
+                <a:pos x="connsiteX1" y="connsiteY1"/>
+              </a:cxn>
+              <a:cxn ang="0">
+                <a:pos x="connsiteX2" y="connsiteY2"/>
+              </a:cxn>
+            </a:cxnLst>
+            <a:rect l="l" t="t" r="r" b="b"/>
+            <a:pathLst>
+              <a:path w="3277447" h="649540">
+                <a:moveTo>
+                  <a:pt x="0" y="649540"/>
+                </a:moveTo>
+                <a:cubicBezTo>
+                  <a:pt x="1448851" y="637453"/>
+                  <a:pt x="2897702" y="625366"/>
+                  <a:pt x="3209859" y="517109"/>
+                </a:cubicBezTo>
+                <a:cubicBezTo>
+                  <a:pt x="3522016" y="408852"/>
+                  <a:pt x="2697480" y="204426"/>
+                  <a:pt x="1872944" y="0"/>
+                </a:cubicBezTo>
+              </a:path>
+            </a:pathLst>
+          </a:custGeom>
+          <a:noFill/>
+          <a:ln>
+            <a:headEnd type="triangle"/>
+          </a:ln>
+        </p:spPr>
+        <p:style>
+          <a:lnRef idx="2">
+            <a:schemeClr val="accent1">
+              <a:shade val="50000"/>
+            </a:schemeClr>
+          </a:lnRef>
+          <a:fillRef idx="1">
+            <a:schemeClr val="accent1"/>
+          </a:fillRef>
+          <a:effectRef idx="0">
+            <a:schemeClr val="accent1"/>
+          </a:effectRef>
+          <a:fontRef idx="minor">
+            <a:schemeClr val="lt1"/>
+          </a:fontRef>
+        </p:style>
+        <p:txBody>
+          <a:bodyPr rtlCol="0" anchor="ctr"/>
+          <a:lstStyle/>
+          <a:p>
+            <a:pPr algn="ctr"/>
+            <a:endParaRPr lang="en-US"/>
           </a:p>
         </p:txBody>
       </p:sp>
